--- a/B_Pandas_tips/Assets/Pandas_Tricks_Slides.pptx
+++ b/B_Pandas_tips/Assets/Pandas_Tricks_Slides.pptx
@@ -6,6 +6,7 @@
   </p:sldMasterIdLst>
   <p:sldIdLst>
     <p:sldId id="256" r:id="rId3"/>
+    <p:sldId id="257" r:id="rId4"/>
   </p:sldIdLst>
   <p:sldSz cx="12192000" cy="6858000"/>
   <p:notesSz cx="6858000" cy="12192000"/>
@@ -3276,7 +3277,7 @@
         </p:nvSpPr>
         <p:spPr bwMode="auto">
           <a:xfrm>
-            <a:off x="9822479" y="5385453"/>
+            <a:off x="9822479" y="5385452"/>
             <a:ext cx="254916" cy="365795"/>
           </a:xfrm>
         </p:spPr>
@@ -3839,7 +3840,7 @@
           <p:nvPr isPhoto="0" userDrawn="0"/>
         </p:nvCxnSpPr>
         <p:spPr bwMode="auto">
-          <a:xfrm rot="10799990" flipH="0" flipV="0">
+          <a:xfrm rot="10799989" flipH="0" flipV="0">
             <a:off x="2793415" y="2806039"/>
             <a:ext cx="1565494" cy="556410"/>
           </a:xfrm>
@@ -3881,7 +3882,7 @@
           <p:nvPr isPhoto="0" userDrawn="0"/>
         </p:nvCxnSpPr>
         <p:spPr bwMode="auto">
-          <a:xfrm rot="10799990" flipH="0" flipV="0">
+          <a:xfrm rot="10799989" flipH="0" flipV="0">
             <a:off x="2472771" y="4512994"/>
             <a:ext cx="1838984" cy="398593"/>
           </a:xfrm>
@@ -3923,9 +3924,9 @@
           <p:nvPr isPhoto="0" userDrawn="0"/>
         </p:nvCxnSpPr>
         <p:spPr bwMode="auto">
-          <a:xfrm rot="10799990" flipH="0" flipV="0">
-            <a:off x="2425618" y="6021905"/>
-            <a:ext cx="1838983" cy="398592"/>
+          <a:xfrm rot="10799989" flipH="0" flipV="0">
+            <a:off x="2425618" y="6021904"/>
+            <a:ext cx="1838983" cy="398591"/>
           </a:xfrm>
           <a:prstGeom prst="line">
             <a:avLst/>
@@ -3994,6 +3995,452 @@
             <a:endParaRPr/>
           </a:p>
         </p:txBody>
+      </p:sp>
+    </p:spTree>
+  </p:cSld>
+  <p:clrMapOvr>
+    <a:masterClrMapping/>
+  </p:clrMapOvr>
+  <mc:AlternateContent xmlns:mc="http://schemas.openxmlformats.org/markup-compatibility/2006">
+    <mc:Choice xmlns:p14="http://schemas.microsoft.com/office/powerpoint/2010/main" Requires="p14">
+      <p:transition p14:dur="2000" advClick="1"/>
+    </mc:Choice>
+    <mc:Fallback>
+      <p:transition advClick="1"/>
+    </mc:Fallback>
+  </mc:AlternateContent>
+</p:sld>
+</file>
+
+<file path=ppt/slides/slide2.xml><?xml version="1.0" encoding="utf-8"?>
+<p:sld xmlns:a="http://schemas.openxmlformats.org/drawingml/2006/main" xmlns:r="http://schemas.openxmlformats.org/officeDocument/2006/relationships" xmlns:p="http://schemas.openxmlformats.org/presentationml/2006/main" xmlns:m="http://schemas.openxmlformats.org/officeDocument/2006/math" xmlns:w="http://schemas.openxmlformats.org/wordprocessingml/2006/main" showMasterPhAnim="0" show="1">
+  <p:cSld name="">
+    <p:spTree>
+      <p:nvGrpSpPr>
+        <p:cNvPr id="1" name="" hidden="0"/>
+        <p:cNvGrpSpPr/>
+        <p:nvPr isPhoto="0" userDrawn="0"/>
+      </p:nvGrpSpPr>
+      <p:grpSpPr bwMode="auto">
+        <a:xfrm>
+          <a:off x="0" y="0"/>
+          <a:ext cx="0" cy="0"/>
+          <a:chOff x="0" y="0"/>
+          <a:chExt cx="0" cy="0"/>
+        </a:xfrm>
+      </p:grpSpPr>
+      <p:sp>
+        <p:nvSpPr>
+          <p:cNvPr id="4" name="" hidden="0"/>
+          <p:cNvSpPr/>
+          <p:nvPr isPhoto="0" userDrawn="0"/>
+        </p:nvSpPr>
+        <p:spPr bwMode="auto">
+          <a:xfrm>
+            <a:off x="11419499" y="3640774"/>
+            <a:ext cx="254916" cy="365794"/>
+          </a:xfrm>
+        </p:spPr>
+        <p:txBody>
+          <a:bodyPr rot="0" spcFirstLastPara="0" vertOverflow="overflow" horzOverflow="clip" vert="horz" wrap="square" lIns="91440" tIns="45720" rIns="91440" bIns="45720" numCol="1" spcCol="0" rtlCol="0" fromWordArt="0" anchor="t" anchorCtr="0" forceAA="0" upright="0" compatLnSpc="1">
+            <a:prstTxWarp prst="textNoShape"/>
+            <a:spAutoFit/>
+          </a:bodyPr>
+          <a:p>
+            <a:pPr>
+              <a:defRPr/>
+            </a:pPr>
+            <a:endParaRPr/>
+          </a:p>
+        </p:txBody>
+      </p:sp>
+      <p:sp>
+        <p:nvSpPr>
+          <p:cNvPr id="5" name="" hidden="0"/>
+          <p:cNvSpPr/>
+          <p:nvPr isPhoto="0" userDrawn="0"/>
+        </p:nvSpPr>
+        <p:spPr bwMode="auto">
+          <a:xfrm>
+            <a:off x="9910589" y="3457876"/>
+            <a:ext cx="254916" cy="365794"/>
+          </a:xfrm>
+        </p:spPr>
+        <p:txBody>
+          <a:bodyPr rot="0" spcFirstLastPara="0" vertOverflow="overflow" horzOverflow="clip" vert="horz" wrap="square" lIns="91440" tIns="45720" rIns="91440" bIns="45720" numCol="1" spcCol="0" rtlCol="0" fromWordArt="0" anchor="t" anchorCtr="0" forceAA="0" upright="0" compatLnSpc="1">
+            <a:prstTxWarp prst="textNoShape"/>
+            <a:spAutoFit/>
+          </a:bodyPr>
+          <a:p>
+            <a:pPr>
+              <a:defRPr/>
+            </a:pPr>
+            <a:endParaRPr/>
+          </a:p>
+        </p:txBody>
+      </p:sp>
+      <p:sp>
+        <p:nvSpPr>
+          <p:cNvPr id="6" name="" hidden="0"/>
+          <p:cNvSpPr/>
+          <p:nvPr isPhoto="0" userDrawn="0"/>
+        </p:nvSpPr>
+        <p:spPr bwMode="auto">
+          <a:xfrm>
+            <a:off x="9822479" y="5385451"/>
+            <a:ext cx="254916" cy="365794"/>
+          </a:xfrm>
+        </p:spPr>
+        <p:txBody>
+          <a:bodyPr rot="0" spcFirstLastPara="0" vertOverflow="overflow" horzOverflow="clip" vert="horz" wrap="square" lIns="91440" tIns="45720" rIns="91440" bIns="45720" numCol="1" spcCol="0" rtlCol="0" fromWordArt="0" anchor="t" anchorCtr="0" forceAA="0" upright="0" compatLnSpc="1">
+            <a:prstTxWarp prst="textNoShape"/>
+            <a:spAutoFit/>
+          </a:bodyPr>
+          <a:p>
+            <a:pPr>
+              <a:defRPr/>
+            </a:pPr>
+            <a:endParaRPr/>
+          </a:p>
+        </p:txBody>
+      </p:sp>
+      <p:sp>
+        <p:nvSpPr>
+          <p:cNvPr id="7" name="" hidden="0"/>
+          <p:cNvSpPr>
+            <a:spLocks noChangeAspect="1"/>
+          </p:cNvSpPr>
+          <p:nvPr isPhoto="0" userDrawn="0"/>
+        </p:nvSpPr>
+        <p:spPr bwMode="auto">
+          <a:xfrm rot="0" flipH="0" flipV="0">
+            <a:off x="3979125" y="1955505"/>
+            <a:ext cx="7772400" cy="1411200"/>
+          </a:xfrm>
+        </p:spPr>
+        <p:txBody>
+          <a:bodyPr rot="0" spcFirstLastPara="0" vertOverflow="overflow" horzOverflow="clip" vert="horz" wrap="square" lIns="91440" tIns="45720" rIns="91440" bIns="45720" numCol="1" spcCol="0" rtlCol="0" fromWordArt="0" anchor="t" anchorCtr="0" forceAA="0" upright="0" compatLnSpc="1">
+            <a:prstTxWarp prst="textNoShape"/>
+            <a:noAutofit/>
+          </a:bodyPr>
+          <a:p>
+            <a:pPr>
+              <a:defRPr/>
+            </a:pPr>
+            <a:endParaRPr/>
+          </a:p>
+        </p:txBody>
+      </p:sp>
+      <p:sp>
+        <p:nvSpPr>
+          <p:cNvPr id="8" name="" hidden="0"/>
+          <p:cNvSpPr/>
+          <p:nvPr isPhoto="0" userDrawn="0"/>
+        </p:nvSpPr>
+        <p:spPr bwMode="auto">
+          <a:xfrm flipH="0" flipV="0">
+            <a:off x="1036542" y="174854"/>
+            <a:ext cx="10586010" cy="1103410"/>
+          </a:xfrm>
+          <a:prstGeom prst="rect">
+            <a:avLst/>
+          </a:prstGeom>
+          <a:noFill/>
+        </p:spPr>
+        <p:txBody>
+          <a:bodyPr vertOverflow="overflow" horzOverflow="clip" vert="horz" wrap="square" lIns="91440" tIns="45720" rIns="91440" bIns="45720" numCol="1" spcCol="0" rtlCol="0" fromWordArt="0" anchor="t" anchorCtr="0" forceAA="0" upright="0" compatLnSpc="0">
+            <a:noAutofit/>
+          </a:bodyPr>
+          <a:p>
+            <a:pPr algn="ctr">
+              <a:defRPr/>
+            </a:pPr>
+            <a:r>
+              <a:rPr sz="3600">
+                <a:solidFill>
+                  <a:schemeClr val="tx1">
+                    <a:lumMod val="85000"/>
+                    <a:lumOff val="15000"/>
+                  </a:schemeClr>
+                </a:solidFill>
+                <a:latin typeface="Helvetica 65 Medium"/>
+                <a:ea typeface="Helvetica 65 Medium"/>
+                <a:cs typeface="Helvetica 65 Medium"/>
+              </a:rPr>
+              <a:t>Split text into new columns</a:t>
+            </a:r>
+            <a:endParaRPr sz="3600">
+              <a:solidFill>
+                <a:schemeClr val="tx1">
+                  <a:lumMod val="85000"/>
+                  <a:lumOff val="15000"/>
+                </a:schemeClr>
+              </a:solidFill>
+              <a:latin typeface="Helvetica 65 Medium"/>
+              <a:ea typeface="Helvetica 65 Medium"/>
+              <a:cs typeface="Helvetica 65 Medium"/>
+            </a:endParaRPr>
+          </a:p>
+        </p:txBody>
+      </p:sp>
+      <p:sp>
+        <p:nvSpPr>
+          <p:cNvPr id="9" name="" hidden="0"/>
+          <p:cNvSpPr>
+            <a:spLocks noChangeAspect="1"/>
+          </p:cNvSpPr>
+          <p:nvPr isPhoto="0" userDrawn="0"/>
+        </p:nvSpPr>
+        <p:spPr bwMode="auto">
+          <a:xfrm rot="0" flipH="0" flipV="0">
+            <a:off x="4554000" y="4053600"/>
+            <a:ext cx="3934800" cy="237600"/>
+          </a:xfrm>
+        </p:spPr>
+        <p:txBody>
+          <a:bodyPr rot="0" spcFirstLastPara="0" vertOverflow="overflow" horzOverflow="clip" vert="horz" wrap="square" lIns="91440" tIns="45720" rIns="91440" bIns="45720" numCol="1" spcCol="0" rtlCol="0" fromWordArt="0" anchor="t" anchorCtr="0" forceAA="0" upright="0" compatLnSpc="1">
+            <a:prstTxWarp prst="textNoShape"/>
+            <a:noAutofit/>
+          </a:bodyPr>
+          <a:p>
+            <a:pPr>
+              <a:defRPr/>
+            </a:pPr>
+            <a:endParaRPr/>
+          </a:p>
+        </p:txBody>
+      </p:sp>
+      <p:sp>
+        <p:nvSpPr>
+          <p:cNvPr id="10" name="" hidden="0"/>
+          <p:cNvSpPr/>
+          <p:nvPr isPhoto="0" userDrawn="0"/>
+        </p:nvSpPr>
+        <p:spPr bwMode="auto">
+          <a:xfrm flipH="0" flipV="0">
+            <a:off x="11743142" y="6512301"/>
+            <a:ext cx="471263" cy="365793"/>
+          </a:xfrm>
+          <a:prstGeom prst="rect">
+            <a:avLst/>
+          </a:prstGeom>
+          <a:noFill/>
+        </p:spPr>
+        <p:txBody>
+          <a:bodyPr vertOverflow="overflow" horzOverflow="clip" vert="horz" wrap="square" lIns="91440" tIns="45720" rIns="91440" bIns="45720" numCol="1" spcCol="0" rtlCol="0" fromWordArt="0" anchor="t" anchorCtr="0" forceAA="0" upright="0" compatLnSpc="0">
+            <a:noAutofit/>
+          </a:bodyPr>
+          <a:p>
+            <a:pPr algn="r">
+              <a:defRPr/>
+            </a:pPr>
+            <a:r>
+              <a:rPr>
+                <a:solidFill>
+                  <a:schemeClr val="tx1">
+                    <a:lumMod val="75000"/>
+                    <a:lumOff val="25000"/>
+                  </a:schemeClr>
+                </a:solidFill>
+              </a:rPr>
+              <a:t>#2</a:t>
+            </a:r>
+            <a:endParaRPr/>
+          </a:p>
+        </p:txBody>
+      </p:sp>
+      <p:sp>
+        <p:nvSpPr>
+          <p:cNvPr id="11" name="" hidden="0"/>
+          <p:cNvSpPr/>
+          <p:nvPr isPhoto="0" userDrawn="0"/>
+        </p:nvSpPr>
+        <p:spPr bwMode="auto">
+          <a:xfrm>
+            <a:off x="9544721" y="4035362"/>
+            <a:ext cx="254916" cy="365795"/>
+          </a:xfrm>
+        </p:spPr>
+        <p:txBody>
+          <a:bodyPr rot="0" spcFirstLastPara="0" vertOverflow="overflow" horzOverflow="clip" vert="horz" wrap="square" lIns="91440" tIns="45720" rIns="91440" bIns="45720" numCol="1" spcCol="0" rtlCol="0" fromWordArt="0" anchor="t" anchorCtr="0" forceAA="0" upright="0" compatLnSpc="1">
+            <a:prstTxWarp prst="textNoShape"/>
+            <a:spAutoFit/>
+          </a:bodyPr>
+          <a:p>
+            <a:pPr>
+              <a:defRPr/>
+            </a:pPr>
+            <a:endParaRPr/>
+          </a:p>
+        </p:txBody>
+      </p:sp>
+      <p:sp>
+        <p:nvSpPr>
+          <p:cNvPr id="12" name="" hidden="0"/>
+          <p:cNvSpPr/>
+          <p:nvPr isPhoto="0" userDrawn="0"/>
+        </p:nvSpPr>
+        <p:spPr bwMode="auto">
+          <a:xfrm>
+            <a:off x="12776609" y="5690770"/>
+            <a:ext cx="254916" cy="365795"/>
+          </a:xfrm>
+        </p:spPr>
+        <p:txBody>
+          <a:bodyPr rot="0" spcFirstLastPara="0" vertOverflow="overflow" horzOverflow="clip" vert="horz" wrap="square" lIns="91440" tIns="45720" rIns="91440" bIns="45720" numCol="1" spcCol="0" rtlCol="0" fromWordArt="0" anchor="t" anchorCtr="0" forceAA="0" upright="0" compatLnSpc="1">
+            <a:prstTxWarp prst="textNoShape"/>
+            <a:spAutoFit/>
+          </a:bodyPr>
+          <a:p>
+            <a:pPr>
+              <a:defRPr/>
+            </a:pPr>
+            <a:endParaRPr/>
+          </a:p>
+        </p:txBody>
+      </p:sp>
+      <p:pic>
+        <p:nvPicPr>
+          <p:cNvPr id="13" name="" hidden="0"/>
+          <p:cNvPicPr>
+            <a:picLocks noChangeAspect="1"/>
+          </p:cNvPicPr>
+          <p:nvPr isPhoto="0" userDrawn="0"/>
+        </p:nvPicPr>
+        <p:blipFill>
+          <a:blip r:embed="rId2"/>
+          <a:srcRect l="10057" t="0" r="0" b="0"/>
+          <a:stretch/>
+        </p:blipFill>
+        <p:spPr bwMode="auto">
+          <a:xfrm flipH="0" flipV="0">
+            <a:off x="6723514" y="2799253"/>
+            <a:ext cx="5417697" cy="2727412"/>
+          </a:xfrm>
+          <a:prstGeom prst="rect">
+            <a:avLst/>
+          </a:prstGeom>
+        </p:spPr>
+      </p:pic>
+      <p:sp>
+        <p:nvSpPr>
+          <p:cNvPr id="14" name="" hidden="0"/>
+          <p:cNvSpPr/>
+          <p:nvPr isPhoto="0" userDrawn="0"/>
+        </p:nvSpPr>
+        <p:spPr bwMode="auto">
+          <a:xfrm>
+            <a:off x="6393942" y="4854730"/>
+            <a:ext cx="254916" cy="365795"/>
+          </a:xfrm>
+        </p:spPr>
+        <p:txBody>
+          <a:bodyPr rot="0" spcFirstLastPara="0" vertOverflow="overflow" horzOverflow="clip" vert="horz" wrap="square" lIns="91440" tIns="45720" rIns="91440" bIns="45720" numCol="1" spcCol="0" rtlCol="0" fromWordArt="0" anchor="t" anchorCtr="0" forceAA="0" upright="0" compatLnSpc="1">
+            <a:prstTxWarp prst="textNoShape"/>
+            <a:spAutoFit/>
+          </a:bodyPr>
+          <a:p>
+            <a:pPr>
+              <a:defRPr/>
+            </a:pPr>
+            <a:endParaRPr/>
+          </a:p>
+        </p:txBody>
+      </p:sp>
+      <p:pic>
+        <p:nvPicPr>
+          <p:cNvPr id="15" name="" hidden="0"/>
+          <p:cNvPicPr>
+            <a:picLocks noChangeAspect="1"/>
+          </p:cNvPicPr>
+          <p:nvPr isPhoto="0" userDrawn="0"/>
+        </p:nvPicPr>
+        <p:blipFill>
+          <a:blip r:embed="rId3"/>
+          <a:srcRect l="1082" t="0" r="0" b="0"/>
+          <a:stretch/>
+        </p:blipFill>
+        <p:spPr bwMode="auto">
+          <a:xfrm flipH="0" flipV="0">
+            <a:off x="44889" y="1562890"/>
+            <a:ext cx="6680145" cy="5210174"/>
+          </a:xfrm>
+          <a:prstGeom prst="rect">
+            <a:avLst/>
+          </a:prstGeom>
+        </p:spPr>
+      </p:pic>
+      <p:sp>
+        <p:nvSpPr>
+          <p:cNvPr id="16" name="" hidden="0"/>
+          <p:cNvSpPr/>
+          <p:nvPr isPhoto="0" userDrawn="0"/>
+        </p:nvSpPr>
+        <p:spPr bwMode="auto">
+          <a:xfrm flipH="0" flipV="0">
+            <a:off x="9009595" y="1702499"/>
+            <a:ext cx="2733546" cy="896470"/>
+          </a:xfrm>
+          <a:prstGeom prst="curvedDownArrow">
+            <a:avLst>
+              <a:gd name="adj1" fmla="val 25000"/>
+              <a:gd name="adj2" fmla="val 50000"/>
+              <a:gd name="adj3" fmla="val 25000"/>
+            </a:avLst>
+          </a:prstGeom>
+        </p:spPr>
+        <p:style>
+          <a:lnRef idx="2">
+            <a:schemeClr val="accent1">
+              <a:shade val="50000"/>
+            </a:schemeClr>
+          </a:lnRef>
+          <a:fillRef idx="1">
+            <a:schemeClr val="accent1"/>
+          </a:fillRef>
+          <a:effectRef idx="0">
+            <a:schemeClr val="accent1"/>
+          </a:effectRef>
+          <a:fontRef idx="minor">
+            <a:schemeClr val="lt1"/>
+          </a:fontRef>
+        </p:style>
+      </p:sp>
+      <p:sp>
+        <p:nvSpPr>
+          <p:cNvPr id="17" name="" hidden="0"/>
+          <p:cNvSpPr/>
+          <p:nvPr isPhoto="0" userDrawn="0"/>
+        </p:nvSpPr>
+        <p:spPr bwMode="auto">
+          <a:xfrm flipH="0" flipV="0">
+            <a:off x="9009594" y="1702498"/>
+            <a:ext cx="1120588" cy="896469"/>
+          </a:xfrm>
+          <a:prstGeom prst="curvedDownArrow">
+            <a:avLst>
+              <a:gd name="adj1" fmla="val 25000"/>
+              <a:gd name="adj2" fmla="val 50000"/>
+              <a:gd name="adj3" fmla="val 25000"/>
+            </a:avLst>
+          </a:prstGeom>
+        </p:spPr>
+        <p:style>
+          <a:lnRef idx="2">
+            <a:schemeClr val="accent1">
+              <a:shade val="50000"/>
+            </a:schemeClr>
+          </a:lnRef>
+          <a:fillRef idx="1">
+            <a:schemeClr val="accent1"/>
+          </a:fillRef>
+          <a:effectRef idx="0">
+            <a:schemeClr val="accent1"/>
+          </a:effectRef>
+          <a:fontRef idx="minor">
+            <a:schemeClr val="lt1"/>
+          </a:fontRef>
+        </p:style>
       </p:sp>
     </p:spTree>
   </p:cSld>

--- a/B_Pandas_tips/Assets/Pandas_Tricks_Slides.pptx
+++ b/B_Pandas_tips/Assets/Pandas_Tricks_Slides.pptx
@@ -7,6 +7,7 @@
   <p:sldIdLst>
     <p:sldId id="256" r:id="rId3"/>
     <p:sldId id="257" r:id="rId4"/>
+    <p:sldId id="258" r:id="rId5"/>
   </p:sldIdLst>
   <p:sldSz cx="12192000" cy="6858000"/>
   <p:notesSz cx="6858000" cy="12192000"/>
@@ -4219,7 +4220,7 @@
         <p:spPr bwMode="auto">
           <a:xfrm flipH="0" flipV="0">
             <a:off x="11743142" y="6512301"/>
-            <a:ext cx="471263" cy="365793"/>
+            <a:ext cx="471262" cy="365793"/>
           </a:xfrm>
           <a:prstGeom prst="rect">
             <a:avLst/>
@@ -4415,7 +4416,7 @@
         <p:spPr bwMode="auto">
           <a:xfrm flipH="0" flipV="0">
             <a:off x="9009594" y="1702498"/>
-            <a:ext cx="1120588" cy="896469"/>
+            <a:ext cx="1120588" cy="896468"/>
           </a:xfrm>
           <a:prstGeom prst="curvedDownArrow">
             <a:avLst>
@@ -4442,6 +4443,674 @@
           </a:fontRef>
         </p:style>
       </p:sp>
+    </p:spTree>
+  </p:cSld>
+  <p:clrMapOvr>
+    <a:masterClrMapping/>
+  </p:clrMapOvr>
+  <mc:AlternateContent xmlns:mc="http://schemas.openxmlformats.org/markup-compatibility/2006">
+    <mc:Choice xmlns:p14="http://schemas.microsoft.com/office/powerpoint/2010/main" Requires="p14">
+      <p:transition p14:dur="2000" advClick="1"/>
+    </mc:Choice>
+    <mc:Fallback>
+      <p:transition advClick="1"/>
+    </mc:Fallback>
+  </mc:AlternateContent>
+</p:sld>
+</file>
+
+<file path=ppt/slides/slide3.xml><?xml version="1.0" encoding="utf-8"?>
+<p:sld xmlns:a="http://schemas.openxmlformats.org/drawingml/2006/main" xmlns:r="http://schemas.openxmlformats.org/officeDocument/2006/relationships" xmlns:p="http://schemas.openxmlformats.org/presentationml/2006/main" xmlns:m="http://schemas.openxmlformats.org/officeDocument/2006/math" xmlns:w="http://schemas.openxmlformats.org/wordprocessingml/2006/main" showMasterPhAnim="0" show="1">
+  <p:cSld name="">
+    <p:spTree>
+      <p:nvGrpSpPr>
+        <p:cNvPr id="1" name="" hidden="0"/>
+        <p:cNvGrpSpPr/>
+        <p:nvPr isPhoto="0" userDrawn="0"/>
+      </p:nvGrpSpPr>
+      <p:grpSpPr bwMode="auto">
+        <a:xfrm>
+          <a:off x="0" y="0"/>
+          <a:ext cx="0" cy="0"/>
+          <a:chOff x="0" y="0"/>
+          <a:chExt cx="0" cy="0"/>
+        </a:xfrm>
+      </p:grpSpPr>
+      <p:pic>
+        <p:nvPicPr>
+          <p:cNvPr id="4" name="" hidden="0"/>
+          <p:cNvPicPr>
+            <a:picLocks noChangeAspect="1"/>
+          </p:cNvPicPr>
+          <p:nvPr isPhoto="0" userDrawn="0"/>
+        </p:nvPicPr>
+        <p:blipFill>
+          <a:blip r:embed="rId2"/>
+          <a:srcRect l="0" t="0" r="0" b="35227"/>
+          <a:stretch/>
+        </p:blipFill>
+        <p:spPr bwMode="auto">
+          <a:xfrm rot="0" flipH="0" flipV="0">
+            <a:off x="4813199" y="3996706"/>
+            <a:ext cx="7372800" cy="2750399"/>
+          </a:xfrm>
+          <a:prstGeom prst="rect">
+            <a:avLst/>
+          </a:prstGeom>
+        </p:spPr>
+      </p:pic>
+      <p:sp>
+        <p:nvSpPr>
+          <p:cNvPr id="5" name="" hidden="0"/>
+          <p:cNvSpPr/>
+          <p:nvPr isPhoto="0" userDrawn="0"/>
+        </p:nvSpPr>
+        <p:spPr bwMode="auto">
+          <a:xfrm>
+            <a:off x="11419499" y="3640773"/>
+            <a:ext cx="254916" cy="365793"/>
+          </a:xfrm>
+        </p:spPr>
+        <p:txBody>
+          <a:bodyPr rot="0" spcFirstLastPara="0" vertOverflow="overflow" horzOverflow="clip" vert="horz" wrap="square" lIns="91440" tIns="45720" rIns="91440" bIns="45720" numCol="1" spcCol="0" rtlCol="0" fromWordArt="0" anchor="t" anchorCtr="0" forceAA="0" upright="0" compatLnSpc="1">
+            <a:prstTxWarp prst="textNoShape"/>
+            <a:spAutoFit/>
+          </a:bodyPr>
+          <a:p>
+            <a:pPr>
+              <a:defRPr/>
+            </a:pPr>
+            <a:endParaRPr/>
+          </a:p>
+        </p:txBody>
+      </p:sp>
+      <p:sp>
+        <p:nvSpPr>
+          <p:cNvPr id="6" name="" hidden="0"/>
+          <p:cNvSpPr/>
+          <p:nvPr isPhoto="0" userDrawn="0"/>
+        </p:nvSpPr>
+        <p:spPr bwMode="auto">
+          <a:xfrm>
+            <a:off x="9910589" y="3457875"/>
+            <a:ext cx="254916" cy="365793"/>
+          </a:xfrm>
+        </p:spPr>
+        <p:txBody>
+          <a:bodyPr rot="0" spcFirstLastPara="0" vertOverflow="overflow" horzOverflow="clip" vert="horz" wrap="square" lIns="91440" tIns="45720" rIns="91440" bIns="45720" numCol="1" spcCol="0" rtlCol="0" fromWordArt="0" anchor="t" anchorCtr="0" forceAA="0" upright="0" compatLnSpc="1">
+            <a:prstTxWarp prst="textNoShape"/>
+            <a:spAutoFit/>
+          </a:bodyPr>
+          <a:p>
+            <a:pPr>
+              <a:defRPr/>
+            </a:pPr>
+            <a:endParaRPr/>
+          </a:p>
+        </p:txBody>
+      </p:sp>
+      <p:sp>
+        <p:nvSpPr>
+          <p:cNvPr id="7" name="" hidden="0"/>
+          <p:cNvSpPr/>
+          <p:nvPr isPhoto="0" userDrawn="0"/>
+        </p:nvSpPr>
+        <p:spPr bwMode="auto">
+          <a:xfrm>
+            <a:off x="9822479" y="5385450"/>
+            <a:ext cx="254916" cy="365793"/>
+          </a:xfrm>
+        </p:spPr>
+        <p:txBody>
+          <a:bodyPr rot="0" spcFirstLastPara="0" vertOverflow="overflow" horzOverflow="clip" vert="horz" wrap="square" lIns="91440" tIns="45720" rIns="91440" bIns="45720" numCol="1" spcCol="0" rtlCol="0" fromWordArt="0" anchor="t" anchorCtr="0" forceAA="0" upright="0" compatLnSpc="1">
+            <a:prstTxWarp prst="textNoShape"/>
+            <a:spAutoFit/>
+          </a:bodyPr>
+          <a:p>
+            <a:pPr>
+              <a:defRPr/>
+            </a:pPr>
+            <a:endParaRPr/>
+          </a:p>
+        </p:txBody>
+      </p:sp>
+      <p:sp>
+        <p:nvSpPr>
+          <p:cNvPr id="8" name="" hidden="0"/>
+          <p:cNvSpPr>
+            <a:spLocks noChangeAspect="1"/>
+          </p:cNvSpPr>
+          <p:nvPr isPhoto="0" userDrawn="0"/>
+        </p:nvSpPr>
+        <p:spPr bwMode="auto">
+          <a:xfrm rot="0" flipH="0" flipV="0">
+            <a:off x="3979125" y="1955504"/>
+            <a:ext cx="7772400" cy="1411200"/>
+          </a:xfrm>
+        </p:spPr>
+        <p:txBody>
+          <a:bodyPr rot="0" spcFirstLastPara="0" vertOverflow="overflow" horzOverflow="clip" vert="horz" wrap="square" lIns="91440" tIns="45720" rIns="91440" bIns="45720" numCol="1" spcCol="0" rtlCol="0" fromWordArt="0" anchor="t" anchorCtr="0" forceAA="0" upright="0" compatLnSpc="1">
+            <a:prstTxWarp prst="textNoShape"/>
+            <a:noAutofit/>
+          </a:bodyPr>
+          <a:p>
+            <a:pPr>
+              <a:defRPr/>
+            </a:pPr>
+            <a:endParaRPr/>
+          </a:p>
+        </p:txBody>
+      </p:sp>
+      <p:sp>
+        <p:nvSpPr>
+          <p:cNvPr id="9" name="" hidden="0"/>
+          <p:cNvSpPr/>
+          <p:nvPr isPhoto="0" userDrawn="0"/>
+        </p:nvSpPr>
+        <p:spPr bwMode="auto">
+          <a:xfrm flipH="0" flipV="0">
+            <a:off x="46319" y="174853"/>
+            <a:ext cx="6066700" cy="2357695"/>
+          </a:xfrm>
+          <a:prstGeom prst="rect">
+            <a:avLst/>
+          </a:prstGeom>
+          <a:noFill/>
+        </p:spPr>
+        <p:txBody>
+          <a:bodyPr vertOverflow="overflow" horzOverflow="clip" vert="horz" wrap="square" lIns="91440" tIns="45720" rIns="91440" bIns="45720" numCol="1" spcCol="0" rtlCol="0" fromWordArt="0" anchor="t" anchorCtr="0" forceAA="0" upright="0" compatLnSpc="0">
+            <a:noAutofit/>
+          </a:bodyPr>
+          <a:p>
+            <a:pPr algn="l">
+              <a:defRPr/>
+            </a:pPr>
+            <a:r>
+              <a:rPr sz="3600">
+                <a:solidFill>
+                  <a:schemeClr val="tx1"/>
+                </a:solidFill>
+                <a:latin typeface="Helvetica 65 Medium"/>
+                <a:ea typeface="Helvetica 65 Medium"/>
+                <a:cs typeface="Helvetica 65 Medium"/>
+              </a:rPr>
+              <a:t>.transform()</a:t>
+            </a:r>
+            <a:endParaRPr sz="3600">
+              <a:solidFill>
+                <a:schemeClr val="tx1"/>
+              </a:solidFill>
+              <a:latin typeface="Helvetica 65 Medium"/>
+              <a:ea typeface="Helvetica 65 Medium"/>
+              <a:cs typeface="Helvetica 65 Medium"/>
+            </a:endParaRPr>
+          </a:p>
+          <a:p>
+            <a:pPr algn="l">
+              <a:defRPr/>
+            </a:pPr>
+            <a:r>
+              <a:rPr sz="2400">
+                <a:solidFill>
+                  <a:schemeClr val="tx1">
+                    <a:lumMod val="85000"/>
+                    <a:lumOff val="15000"/>
+                  </a:schemeClr>
+                </a:solidFill>
+                <a:latin typeface="Helvetica 65 Medium"/>
+                <a:ea typeface="Helvetica 65 Medium"/>
+                <a:cs typeface="Helvetica 65 Medium"/>
+              </a:rPr>
+              <a:t>.apply() with </a:t>
+            </a:r>
+            <a:r>
+              <a:rPr sz="2400" u="sng">
+                <a:solidFill>
+                  <a:schemeClr val="tx1">
+                    <a:lumMod val="85000"/>
+                    <a:lumOff val="15000"/>
+                  </a:schemeClr>
+                </a:solidFill>
+                <a:latin typeface="Helvetica 65 Medium"/>
+                <a:ea typeface="Helvetica 65 Medium"/>
+                <a:cs typeface="Helvetica 65 Medium"/>
+              </a:rPr>
+              <a:t>super</a:t>
+            </a:r>
+            <a:r>
+              <a:rPr sz="2400" u="none">
+                <a:solidFill>
+                  <a:schemeClr val="tx1">
+                    <a:lumMod val="85000"/>
+                    <a:lumOff val="15000"/>
+                  </a:schemeClr>
+                </a:solidFill>
+                <a:latin typeface="Helvetica 65 Medium"/>
+                <a:ea typeface="Helvetica 65 Medium"/>
+                <a:cs typeface="Helvetica 65 Medium"/>
+              </a:rPr>
+              <a:t> </a:t>
+            </a:r>
+            <a:r>
+              <a:rPr sz="2400">
+                <a:solidFill>
+                  <a:schemeClr val="tx1">
+                    <a:lumMod val="85000"/>
+                    <a:lumOff val="15000"/>
+                  </a:schemeClr>
+                </a:solidFill>
+                <a:latin typeface="Helvetica 65 Medium"/>
+                <a:ea typeface="Helvetica 65 Medium"/>
+                <a:cs typeface="Helvetica 65 Medium"/>
+              </a:rPr>
+              <a:t>powers</a:t>
+            </a:r>
+            <a:endParaRPr sz="2400">
+              <a:solidFill>
+                <a:schemeClr val="tx1">
+                  <a:lumMod val="85000"/>
+                  <a:lumOff val="15000"/>
+                </a:schemeClr>
+              </a:solidFill>
+              <a:latin typeface="Helvetica 65 Medium"/>
+              <a:ea typeface="Helvetica 65 Medium"/>
+              <a:cs typeface="Helvetica 65 Medium"/>
+            </a:endParaRPr>
+          </a:p>
+        </p:txBody>
+      </p:sp>
+      <p:sp>
+        <p:nvSpPr>
+          <p:cNvPr id="10" name="" hidden="0"/>
+          <p:cNvSpPr>
+            <a:spLocks noChangeAspect="1"/>
+          </p:cNvSpPr>
+          <p:nvPr isPhoto="0" userDrawn="0"/>
+        </p:nvSpPr>
+        <p:spPr bwMode="auto">
+          <a:xfrm rot="0" flipH="0" flipV="0">
+            <a:off x="4554000" y="4053600"/>
+            <a:ext cx="3934800" cy="237600"/>
+          </a:xfrm>
+        </p:spPr>
+        <p:txBody>
+          <a:bodyPr rot="0" spcFirstLastPara="0" vertOverflow="overflow" horzOverflow="clip" vert="horz" wrap="square" lIns="91440" tIns="45720" rIns="91440" bIns="45720" numCol="1" spcCol="0" rtlCol="0" fromWordArt="0" anchor="t" anchorCtr="0" forceAA="0" upright="0" compatLnSpc="1">
+            <a:prstTxWarp prst="textNoShape"/>
+            <a:noAutofit/>
+          </a:bodyPr>
+          <a:p>
+            <a:pPr>
+              <a:defRPr/>
+            </a:pPr>
+            <a:endParaRPr/>
+          </a:p>
+        </p:txBody>
+      </p:sp>
+      <p:sp>
+        <p:nvSpPr>
+          <p:cNvPr id="11" name="" hidden="0"/>
+          <p:cNvSpPr/>
+          <p:nvPr isPhoto="0" userDrawn="0"/>
+        </p:nvSpPr>
+        <p:spPr bwMode="auto">
+          <a:xfrm flipH="0" flipV="0">
+            <a:off x="11743142" y="6512301"/>
+            <a:ext cx="471261" cy="365792"/>
+          </a:xfrm>
+          <a:prstGeom prst="rect">
+            <a:avLst/>
+          </a:prstGeom>
+          <a:noFill/>
+        </p:spPr>
+        <p:txBody>
+          <a:bodyPr vertOverflow="overflow" horzOverflow="clip" vert="horz" wrap="square" lIns="91440" tIns="45720" rIns="91440" bIns="45720" numCol="1" spcCol="0" rtlCol="0" fromWordArt="0" anchor="t" anchorCtr="0" forceAA="0" upright="0" compatLnSpc="0">
+            <a:noAutofit/>
+          </a:bodyPr>
+          <a:p>
+            <a:pPr algn="r">
+              <a:defRPr/>
+            </a:pPr>
+            <a:r>
+              <a:rPr>
+                <a:solidFill>
+                  <a:schemeClr val="tx1">
+                    <a:lumMod val="75000"/>
+                    <a:lumOff val="25000"/>
+                  </a:schemeClr>
+                </a:solidFill>
+              </a:rPr>
+              <a:t>#3</a:t>
+            </a:r>
+            <a:endParaRPr/>
+          </a:p>
+        </p:txBody>
+      </p:sp>
+      <p:sp>
+        <p:nvSpPr>
+          <p:cNvPr id="12" name="" hidden="0"/>
+          <p:cNvSpPr/>
+          <p:nvPr isPhoto="0" userDrawn="0"/>
+        </p:nvSpPr>
+        <p:spPr bwMode="auto">
+          <a:xfrm>
+            <a:off x="9544721" y="4035361"/>
+            <a:ext cx="254916" cy="365794"/>
+          </a:xfrm>
+        </p:spPr>
+        <p:txBody>
+          <a:bodyPr rot="0" spcFirstLastPara="0" vertOverflow="overflow" horzOverflow="clip" vert="horz" wrap="square" lIns="91440" tIns="45720" rIns="91440" bIns="45720" numCol="1" spcCol="0" rtlCol="0" fromWordArt="0" anchor="t" anchorCtr="0" forceAA="0" upright="0" compatLnSpc="1">
+            <a:prstTxWarp prst="textNoShape"/>
+            <a:spAutoFit/>
+          </a:bodyPr>
+          <a:p>
+            <a:pPr>
+              <a:defRPr/>
+            </a:pPr>
+            <a:endParaRPr/>
+          </a:p>
+        </p:txBody>
+      </p:sp>
+      <p:sp>
+        <p:nvSpPr>
+          <p:cNvPr id="13" name="" hidden="0"/>
+          <p:cNvSpPr/>
+          <p:nvPr isPhoto="0" userDrawn="0"/>
+        </p:nvSpPr>
+        <p:spPr bwMode="auto">
+          <a:xfrm>
+            <a:off x="12776609" y="5690769"/>
+            <a:ext cx="254916" cy="365794"/>
+          </a:xfrm>
+        </p:spPr>
+        <p:txBody>
+          <a:bodyPr rot="0" spcFirstLastPara="0" vertOverflow="overflow" horzOverflow="clip" vert="horz" wrap="square" lIns="91440" tIns="45720" rIns="91440" bIns="45720" numCol="1" spcCol="0" rtlCol="0" fromWordArt="0" anchor="t" anchorCtr="0" forceAA="0" upright="0" compatLnSpc="1">
+            <a:prstTxWarp prst="textNoShape"/>
+            <a:spAutoFit/>
+          </a:bodyPr>
+          <a:p>
+            <a:pPr>
+              <a:defRPr/>
+            </a:pPr>
+            <a:endParaRPr/>
+          </a:p>
+        </p:txBody>
+      </p:sp>
+      <p:sp>
+        <p:nvSpPr>
+          <p:cNvPr id="14" name="" hidden="0"/>
+          <p:cNvSpPr/>
+          <p:nvPr isPhoto="0" userDrawn="0"/>
+        </p:nvSpPr>
+        <p:spPr bwMode="auto">
+          <a:xfrm>
+            <a:off x="6393942" y="4854729"/>
+            <a:ext cx="254916" cy="365794"/>
+          </a:xfrm>
+        </p:spPr>
+        <p:txBody>
+          <a:bodyPr rot="0" spcFirstLastPara="0" vertOverflow="overflow" horzOverflow="clip" vert="horz" wrap="square" lIns="91440" tIns="45720" rIns="91440" bIns="45720" numCol="1" spcCol="0" rtlCol="0" fromWordArt="0" anchor="t" anchorCtr="0" forceAA="0" upright="0" compatLnSpc="1">
+            <a:prstTxWarp prst="textNoShape"/>
+            <a:spAutoFit/>
+          </a:bodyPr>
+          <a:p>
+            <a:pPr>
+              <a:defRPr/>
+            </a:pPr>
+            <a:endParaRPr/>
+          </a:p>
+        </p:txBody>
+      </p:sp>
+      <p:sp>
+        <p:nvSpPr>
+          <p:cNvPr id="15" name="" hidden="0"/>
+          <p:cNvSpPr/>
+          <p:nvPr isPhoto="0" userDrawn="0"/>
+        </p:nvSpPr>
+        <p:spPr bwMode="auto">
+          <a:xfrm>
+            <a:off x="7085009" y="4401156"/>
+            <a:ext cx="254916" cy="365795"/>
+          </a:xfrm>
+        </p:spPr>
+        <p:txBody>
+          <a:bodyPr rot="0" spcFirstLastPara="0" vertOverflow="overflow" horzOverflow="clip" vert="horz" wrap="square" lIns="91440" tIns="45720" rIns="91440" bIns="45720" numCol="1" spcCol="0" rtlCol="0" fromWordArt="0" anchor="t" anchorCtr="0" forceAA="0" upright="0" compatLnSpc="1">
+            <a:prstTxWarp prst="textNoShape"/>
+            <a:spAutoFit/>
+          </a:bodyPr>
+          <a:p>
+            <a:pPr>
+              <a:defRPr/>
+            </a:pPr>
+            <a:endParaRPr/>
+          </a:p>
+        </p:txBody>
+      </p:sp>
+      <p:pic>
+        <p:nvPicPr>
+          <p:cNvPr id="16" name="" hidden="0"/>
+          <p:cNvPicPr>
+            <a:picLocks noChangeAspect="1"/>
+          </p:cNvPicPr>
+          <p:nvPr isPhoto="0" userDrawn="0"/>
+        </p:nvPicPr>
+        <p:blipFill>
+          <a:blip r:embed="rId3"/>
+          <a:stretch/>
+        </p:blipFill>
+        <p:spPr bwMode="auto">
+          <a:xfrm>
+            <a:off x="4802625" y="120999"/>
+            <a:ext cx="7372350" cy="3857625"/>
+          </a:xfrm>
+          <a:prstGeom prst="rect">
+            <a:avLst/>
+          </a:prstGeom>
+        </p:spPr>
+      </p:pic>
+      <p:sp>
+        <p:nvSpPr>
+          <p:cNvPr id="17" name="" hidden="0"/>
+          <p:cNvSpPr/>
+          <p:nvPr isPhoto="0" userDrawn="0"/>
+        </p:nvSpPr>
+        <p:spPr bwMode="auto">
+          <a:xfrm>
+            <a:off x="10771184" y="5873667"/>
+            <a:ext cx="254916" cy="365795"/>
+          </a:xfrm>
+        </p:spPr>
+        <p:txBody>
+          <a:bodyPr rot="0" spcFirstLastPara="0" vertOverflow="overflow" horzOverflow="clip" vert="horz" wrap="square" lIns="91440" tIns="45720" rIns="91440" bIns="45720" numCol="1" spcCol="0" rtlCol="0" fromWordArt="0" anchor="t" anchorCtr="0" forceAA="0" upright="0" compatLnSpc="1">
+            <a:prstTxWarp prst="textNoShape"/>
+            <a:spAutoFit/>
+          </a:bodyPr>
+          <a:p>
+            <a:pPr>
+              <a:defRPr/>
+            </a:pPr>
+            <a:endParaRPr/>
+          </a:p>
+        </p:txBody>
+      </p:sp>
+      <p:sp>
+        <p:nvSpPr>
+          <p:cNvPr id="18" name="" hidden="0"/>
+          <p:cNvSpPr/>
+          <p:nvPr isPhoto="0" userDrawn="0"/>
+        </p:nvSpPr>
+        <p:spPr bwMode="auto">
+          <a:xfrm>
+            <a:off x="6110020" y="3574760"/>
+            <a:ext cx="254916" cy="365795"/>
+          </a:xfrm>
+        </p:spPr>
+        <p:txBody>
+          <a:bodyPr rot="0" spcFirstLastPara="0" vertOverflow="overflow" horzOverflow="clip" vert="horz" wrap="square" lIns="91440" tIns="45720" rIns="91440" bIns="45720" numCol="1" spcCol="0" rtlCol="0" fromWordArt="0" anchor="t" anchorCtr="0" forceAA="0" upright="0" compatLnSpc="1">
+            <a:prstTxWarp prst="textNoShape"/>
+            <a:spAutoFit/>
+          </a:bodyPr>
+          <a:p>
+            <a:pPr>
+              <a:defRPr/>
+            </a:pPr>
+            <a:endParaRPr/>
+          </a:p>
+        </p:txBody>
+      </p:sp>
+      <p:pic>
+        <p:nvPicPr>
+          <p:cNvPr id="19" name="" hidden="0"/>
+          <p:cNvPicPr>
+            <a:picLocks noChangeAspect="1"/>
+          </p:cNvPicPr>
+          <p:nvPr isPhoto="0" userDrawn="0"/>
+        </p:nvPicPr>
+        <p:blipFill>
+          <a:blip r:embed="rId4"/>
+          <a:srcRect l="0" t="0" r="0" b="35745"/>
+          <a:stretch/>
+        </p:blipFill>
+        <p:spPr bwMode="auto">
+          <a:xfrm flipH="0" flipV="0">
+            <a:off x="94306" y="2329381"/>
+            <a:ext cx="4610099" cy="4192351"/>
+          </a:xfrm>
+          <a:prstGeom prst="rect">
+            <a:avLst/>
+          </a:prstGeom>
+        </p:spPr>
+      </p:pic>
+      <p:cxnSp>
+        <p:nvCxnSpPr>
+          <p:cNvPr id="20" name="" hidden="0"/>
+          <p:cNvCxnSpPr>
+            <a:cxnSpLocks/>
+          </p:cNvCxnSpPr>
+          <p:nvPr isPhoto="0" userDrawn="0"/>
+        </p:nvCxnSpPr>
+        <p:spPr bwMode="auto">
+          <a:xfrm flipH="1" flipV="1">
+            <a:off x="3972252" y="4465841"/>
+            <a:ext cx="914776" cy="1169405"/>
+          </a:xfrm>
+          <a:prstGeom prst="line">
+            <a:avLst/>
+          </a:prstGeom>
+          <a:ln w="38099" cap="flat" cmpd="sng" algn="ctr">
+            <a:solidFill>
+              <a:srgbClr val="FF0000"/>
+            </a:solidFill>
+            <a:prstDash val="solid"/>
+            <a:miter/>
+            <a:headEnd type="arrow" len="med"/>
+            <a:tailEnd type="arrow" len="med"/>
+          </a:ln>
+        </p:spPr>
+        <p:style>
+          <a:lnRef idx="1">
+            <a:schemeClr val="accent1">
+              <a:shade val="50000"/>
+            </a:schemeClr>
+          </a:lnRef>
+          <a:fillRef idx="0">
+            <a:schemeClr val="accent1"/>
+          </a:fillRef>
+          <a:effectRef idx="0">
+            <a:schemeClr val="accent1"/>
+          </a:effectRef>
+          <a:fontRef idx="minor">
+            <a:schemeClr val="tx1"/>
+          </a:fontRef>
+        </p:style>
+      </p:cxnSp>
+      <p:cxnSp>
+        <p:nvCxnSpPr>
+          <p:cNvPr id="21" name="" hidden="0"/>
+          <p:cNvCxnSpPr>
+            <a:cxnSpLocks/>
+          </p:cNvCxnSpPr>
+          <p:nvPr isPhoto="0" userDrawn="0"/>
+        </p:nvCxnSpPr>
+        <p:spPr bwMode="auto">
+          <a:xfrm flipH="1" flipV="1">
+            <a:off x="3981683" y="4843069"/>
+            <a:ext cx="905345" cy="1216557"/>
+          </a:xfrm>
+          <a:prstGeom prst="line">
+            <a:avLst/>
+          </a:prstGeom>
+          <a:ln w="38099" cap="flat" cmpd="sng" algn="ctr">
+            <a:solidFill>
+              <a:srgbClr val="FF0000"/>
+            </a:solidFill>
+            <a:prstDash val="solid"/>
+            <a:miter/>
+            <a:headEnd type="arrow" len="med"/>
+            <a:tailEnd type="arrow" len="med"/>
+          </a:ln>
+        </p:spPr>
+        <p:style>
+          <a:lnRef idx="1">
+            <a:schemeClr val="accent1">
+              <a:shade val="50000"/>
+            </a:schemeClr>
+          </a:lnRef>
+          <a:fillRef idx="0">
+            <a:schemeClr val="accent1"/>
+          </a:fillRef>
+          <a:effectRef idx="0">
+            <a:schemeClr val="accent1"/>
+          </a:effectRef>
+          <a:fontRef idx="minor">
+            <a:schemeClr val="tx1"/>
+          </a:fontRef>
+        </p:style>
+      </p:cxnSp>
+      <p:pic>
+        <p:nvPicPr>
+          <p:cNvPr id="22" name="" hidden="0"/>
+          <p:cNvPicPr>
+            <a:picLocks noChangeAspect="1"/>
+          </p:cNvPicPr>
+          <p:nvPr isPhoto="0" userDrawn="0"/>
+        </p:nvPicPr>
+        <p:blipFill>
+          <a:blip r:embed="rId5"/>
+          <a:stretch/>
+        </p:blipFill>
+        <p:spPr bwMode="auto">
+          <a:xfrm rot="0" flipH="0" flipV="0">
+            <a:off x="5245199" y="3664800"/>
+            <a:ext cx="3934800" cy="237600"/>
+          </a:xfrm>
+          <a:prstGeom prst="rect">
+            <a:avLst/>
+          </a:prstGeom>
+        </p:spPr>
+      </p:pic>
+      <p:pic>
+        <p:nvPicPr>
+          <p:cNvPr id="23" name="" hidden="0"/>
+          <p:cNvPicPr>
+            <a:picLocks noChangeAspect="1"/>
+          </p:cNvPicPr>
+          <p:nvPr isPhoto="0" userDrawn="0"/>
+        </p:nvPicPr>
+        <p:blipFill>
+          <a:blip r:embed="rId4"/>
+          <a:srcRect l="0" t="95186" r="0" b="332"/>
+          <a:stretch/>
+        </p:blipFill>
+        <p:spPr bwMode="auto">
+          <a:xfrm flipH="0" flipV="0">
+            <a:off x="94305" y="6484009"/>
+            <a:ext cx="4610099" cy="292351"/>
+          </a:xfrm>
+          <a:prstGeom prst="rect">
+            <a:avLst/>
+          </a:prstGeom>
+        </p:spPr>
+      </p:pic>
     </p:spTree>
   </p:cSld>
   <p:clrMapOvr>

--- a/B_Pandas_tips/Assets/Pandas_Tricks_Slides.pptx
+++ b/B_Pandas_tips/Assets/Pandas_Tricks_Slides.pptx
@@ -8,6 +8,7 @@
     <p:sldId id="256" r:id="rId3"/>
     <p:sldId id="257" r:id="rId4"/>
     <p:sldId id="258" r:id="rId5"/>
+    <p:sldId id="259" r:id="rId6"/>
   </p:sldIdLst>
   <p:sldSz cx="12192000" cy="6858000"/>
   <p:notesSz cx="6858000" cy="12192000"/>
@@ -4940,7 +4941,7 @@
         </p:nvSpPr>
         <p:spPr bwMode="auto">
           <a:xfrm>
-            <a:off x="6110020" y="3574760"/>
+            <a:off x="6110019" y="3574759"/>
             <a:ext cx="254916" cy="365795"/>
           </a:xfrm>
         </p:spPr>
@@ -4972,7 +4973,7 @@
         </p:blipFill>
         <p:spPr bwMode="auto">
           <a:xfrm flipH="0" flipV="0">
-            <a:off x="94306" y="2329381"/>
+            <a:off x="94305" y="2329381"/>
             <a:ext cx="4610099" cy="4192351"/>
           </a:xfrm>
           <a:prstGeom prst="rect">
@@ -5033,7 +5034,7 @@
         </p:nvCxnSpPr>
         <p:spPr bwMode="auto">
           <a:xfrm flipH="1" flipV="1">
-            <a:off x="3981683" y="4843069"/>
+            <a:off x="3981683" y="4843068"/>
             <a:ext cx="905345" cy="1216557"/>
           </a:xfrm>
           <a:prstGeom prst="line">
@@ -5098,13 +5099,601 @@
         </p:nvPicPr>
         <p:blipFill>
           <a:blip r:embed="rId4"/>
-          <a:srcRect l="0" t="95186" r="0" b="332"/>
+          <a:srcRect l="0" t="95186" r="0" b="331"/>
           <a:stretch/>
         </p:blipFill>
         <p:spPr bwMode="auto">
           <a:xfrm flipH="0" flipV="0">
             <a:off x="94305" y="6484009"/>
             <a:ext cx="4610099" cy="292351"/>
+          </a:xfrm>
+          <a:prstGeom prst="rect">
+            <a:avLst/>
+          </a:prstGeom>
+        </p:spPr>
+      </p:pic>
+    </p:spTree>
+  </p:cSld>
+  <p:clrMapOvr>
+    <a:masterClrMapping/>
+  </p:clrMapOvr>
+  <mc:AlternateContent xmlns:mc="http://schemas.openxmlformats.org/markup-compatibility/2006">
+    <mc:Choice xmlns:p14="http://schemas.microsoft.com/office/powerpoint/2010/main" Requires="p14">
+      <p:transition p14:dur="2000" advClick="1"/>
+    </mc:Choice>
+    <mc:Fallback>
+      <p:transition advClick="1"/>
+    </mc:Fallback>
+  </mc:AlternateContent>
+</p:sld>
+</file>
+
+<file path=ppt/slides/slide4.xml><?xml version="1.0" encoding="utf-8"?>
+<p:sld xmlns:a="http://schemas.openxmlformats.org/drawingml/2006/main" xmlns:r="http://schemas.openxmlformats.org/officeDocument/2006/relationships" xmlns:p="http://schemas.openxmlformats.org/presentationml/2006/main" xmlns:m="http://schemas.openxmlformats.org/officeDocument/2006/math" xmlns:w="http://schemas.openxmlformats.org/wordprocessingml/2006/main" showMasterPhAnim="0" show="1">
+  <p:cSld name="">
+    <p:spTree>
+      <p:nvGrpSpPr>
+        <p:cNvPr id="1" name="" hidden="0"/>
+        <p:cNvGrpSpPr/>
+        <p:nvPr isPhoto="0" userDrawn="0"/>
+      </p:nvGrpSpPr>
+      <p:grpSpPr bwMode="auto">
+        <a:xfrm>
+          <a:off x="0" y="0"/>
+          <a:ext cx="0" cy="0"/>
+          <a:chOff x="0" y="0"/>
+          <a:chExt cx="0" cy="0"/>
+        </a:xfrm>
+      </p:grpSpPr>
+      <p:sp>
+        <p:nvSpPr>
+          <p:cNvPr id="4" name="" hidden="0"/>
+          <p:cNvSpPr/>
+          <p:nvPr isPhoto="0" userDrawn="0"/>
+        </p:nvSpPr>
+        <p:spPr bwMode="auto">
+          <a:xfrm flipH="0" flipV="0">
+            <a:off x="5509455" y="72752"/>
+            <a:ext cx="6639207" cy="2357694"/>
+          </a:xfrm>
+          <a:prstGeom prst="rect">
+            <a:avLst/>
+          </a:prstGeom>
+          <a:noFill/>
+        </p:spPr>
+        <p:txBody>
+          <a:bodyPr vertOverflow="overflow" horzOverflow="clip" vert="horz" wrap="square" lIns="91440" tIns="45720" rIns="91440" bIns="45720" numCol="1" spcCol="0" rtlCol="0" fromWordArt="0" anchor="t" anchorCtr="0" forceAA="0" upright="0" compatLnSpc="0">
+            <a:noAutofit/>
+          </a:bodyPr>
+          <a:p>
+            <a:pPr algn="l">
+              <a:defRPr/>
+            </a:pPr>
+            <a:r>
+              <a:rPr sz="3600">
+                <a:solidFill>
+                  <a:schemeClr val="tx1">
+                    <a:lumMod val="85000"/>
+                    <a:lumOff val="15000"/>
+                  </a:schemeClr>
+                </a:solidFill>
+                <a:latin typeface="Helvetica 65 Medium"/>
+                <a:ea typeface="Helvetica 65 Medium"/>
+                <a:cs typeface="Helvetica 65 Medium"/>
+              </a:rPr>
+              <a:t>Chunking directly in Pandas!</a:t>
+            </a:r>
+            <a:endParaRPr sz="3600">
+              <a:solidFill>
+                <a:schemeClr val="tx1">
+                  <a:lumMod val="85000"/>
+                  <a:lumOff val="15000"/>
+                </a:schemeClr>
+              </a:solidFill>
+              <a:latin typeface="Helvetica 65 Medium"/>
+              <a:ea typeface="Helvetica 65 Medium"/>
+              <a:cs typeface="Helvetica 65 Medium"/>
+            </a:endParaRPr>
+          </a:p>
+        </p:txBody>
+      </p:sp>
+      <p:sp>
+        <p:nvSpPr>
+          <p:cNvPr id="5" name="" hidden="0"/>
+          <p:cNvSpPr/>
+          <p:nvPr isPhoto="0" userDrawn="0"/>
+        </p:nvSpPr>
+        <p:spPr bwMode="auto">
+          <a:xfrm flipH="0" flipV="0">
+            <a:off x="11743142" y="6512301"/>
+            <a:ext cx="471260" cy="365791"/>
+          </a:xfrm>
+          <a:prstGeom prst="rect">
+            <a:avLst/>
+          </a:prstGeom>
+          <a:noFill/>
+        </p:spPr>
+        <p:txBody>
+          <a:bodyPr vertOverflow="overflow" horzOverflow="clip" vert="horz" wrap="square" lIns="91440" tIns="45720" rIns="91440" bIns="45720" numCol="1" spcCol="0" rtlCol="0" fromWordArt="0" anchor="t" anchorCtr="0" forceAA="0" upright="0" compatLnSpc="0">
+            <a:noAutofit/>
+          </a:bodyPr>
+          <a:p>
+            <a:pPr algn="r">
+              <a:defRPr/>
+            </a:pPr>
+            <a:r>
+              <a:rPr>
+                <a:solidFill>
+                  <a:schemeClr val="tx1">
+                    <a:lumMod val="75000"/>
+                    <a:lumOff val="25000"/>
+                  </a:schemeClr>
+                </a:solidFill>
+              </a:rPr>
+              <a:t>#4</a:t>
+            </a:r>
+            <a:endParaRPr/>
+          </a:p>
+        </p:txBody>
+      </p:sp>
+      <p:sp>
+        <p:nvSpPr>
+          <p:cNvPr id="6" name="" hidden="0"/>
+          <p:cNvSpPr/>
+          <p:nvPr isPhoto="0" userDrawn="0"/>
+        </p:nvSpPr>
+        <p:spPr bwMode="auto">
+          <a:xfrm>
+            <a:off x="12776609" y="5690768"/>
+            <a:ext cx="254916" cy="365793"/>
+          </a:xfrm>
+        </p:spPr>
+        <p:txBody>
+          <a:bodyPr rot="0" spcFirstLastPara="0" vertOverflow="overflow" horzOverflow="clip" vert="horz" wrap="square" lIns="91440" tIns="45720" rIns="91440" bIns="45720" numCol="1" spcCol="0" rtlCol="0" fromWordArt="0" anchor="t" anchorCtr="0" forceAA="0" upright="0" compatLnSpc="1">
+            <a:prstTxWarp prst="textNoShape"/>
+            <a:spAutoFit/>
+          </a:bodyPr>
+          <a:p>
+            <a:pPr>
+              <a:defRPr/>
+            </a:pPr>
+            <a:endParaRPr/>
+          </a:p>
+        </p:txBody>
+      </p:sp>
+      <p:sp>
+        <p:nvSpPr>
+          <p:cNvPr id="7" name="" hidden="0"/>
+          <p:cNvSpPr/>
+          <p:nvPr isPhoto="0" userDrawn="0"/>
+        </p:nvSpPr>
+        <p:spPr bwMode="auto">
+          <a:xfrm>
+            <a:off x="12904067" y="3417803"/>
+            <a:ext cx="254916" cy="365795"/>
+          </a:xfrm>
+        </p:spPr>
+        <p:txBody>
+          <a:bodyPr rot="0" spcFirstLastPara="0" vertOverflow="overflow" horzOverflow="clip" vert="horz" wrap="square" lIns="91440" tIns="45720" rIns="91440" bIns="45720" numCol="1" spcCol="0" rtlCol="0" fromWordArt="0" anchor="t" anchorCtr="0" forceAA="0" upright="0" compatLnSpc="1">
+            <a:prstTxWarp prst="textNoShape"/>
+            <a:spAutoFit/>
+          </a:bodyPr>
+          <a:p>
+            <a:pPr>
+              <a:defRPr/>
+            </a:pPr>
+            <a:endParaRPr/>
+          </a:p>
+        </p:txBody>
+      </p:sp>
+      <p:pic>
+        <p:nvPicPr>
+          <p:cNvPr id="8" name="" hidden="0"/>
+          <p:cNvPicPr>
+            <a:picLocks noChangeAspect="1"/>
+          </p:cNvPicPr>
+          <p:nvPr isPhoto="0" userDrawn="0"/>
+        </p:nvPicPr>
+        <p:blipFill>
+          <a:blip r:embed="rId2"/>
+          <a:stretch/>
+        </p:blipFill>
+        <p:spPr bwMode="auto">
+          <a:xfrm>
+            <a:off x="69962" y="261366"/>
+            <a:ext cx="5210174" cy="2790824"/>
+          </a:xfrm>
+          <a:prstGeom prst="rect">
+            <a:avLst/>
+          </a:prstGeom>
+        </p:spPr>
+      </p:pic>
+      <p:sp>
+        <p:nvSpPr>
+          <p:cNvPr id="9" name="" hidden="0"/>
+          <p:cNvSpPr/>
+          <p:nvPr isPhoto="0" userDrawn="0"/>
+        </p:nvSpPr>
+        <p:spPr bwMode="auto">
+          <a:xfrm>
+            <a:off x="12904067" y="6260809"/>
+            <a:ext cx="254916" cy="365795"/>
+          </a:xfrm>
+        </p:spPr>
+        <p:txBody>
+          <a:bodyPr rot="0" spcFirstLastPara="0" vertOverflow="overflow" horzOverflow="clip" vert="horz" wrap="square" lIns="91440" tIns="45720" rIns="91440" bIns="45720" numCol="1" spcCol="0" rtlCol="0" fromWordArt="0" anchor="t" anchorCtr="0" forceAA="0" upright="0" compatLnSpc="1">
+            <a:prstTxWarp prst="textNoShape"/>
+            <a:spAutoFit/>
+          </a:bodyPr>
+          <a:p>
+            <a:pPr>
+              <a:defRPr/>
+            </a:pPr>
+            <a:endParaRPr/>
+          </a:p>
+        </p:txBody>
+      </p:sp>
+      <p:pic>
+        <p:nvPicPr>
+          <p:cNvPr id="10" name="" hidden="0"/>
+          <p:cNvPicPr>
+            <a:picLocks noChangeAspect="1"/>
+          </p:cNvPicPr>
+          <p:nvPr isPhoto="0" userDrawn="0"/>
+        </p:nvPicPr>
+        <p:blipFill>
+          <a:blip r:embed="rId3"/>
+          <a:stretch/>
+        </p:blipFill>
+        <p:spPr bwMode="auto">
+          <a:xfrm rot="0" flipH="0" flipV="0">
+            <a:off x="6769572" y="1543637"/>
+            <a:ext cx="5209200" cy="601200"/>
+          </a:xfrm>
+          <a:prstGeom prst="rect">
+            <a:avLst/>
+          </a:prstGeom>
+        </p:spPr>
+      </p:pic>
+      <p:pic>
+        <p:nvPicPr>
+          <p:cNvPr id="11" name="" hidden="0"/>
+          <p:cNvPicPr>
+            <a:picLocks noChangeAspect="1"/>
+          </p:cNvPicPr>
+          <p:nvPr isPhoto="0" userDrawn="0"/>
+        </p:nvPicPr>
+        <p:blipFill>
+          <a:blip r:embed="rId4"/>
+          <a:stretch/>
+        </p:blipFill>
+        <p:spPr bwMode="auto">
+          <a:xfrm rot="0" flipH="0" flipV="0">
+            <a:off x="6766317" y="2226848"/>
+            <a:ext cx="5209200" cy="1047600"/>
+          </a:xfrm>
+          <a:prstGeom prst="rect">
+            <a:avLst/>
+          </a:prstGeom>
+        </p:spPr>
+      </p:pic>
+      <p:sp>
+        <p:nvSpPr>
+          <p:cNvPr id="12" name="" hidden="0"/>
+          <p:cNvSpPr/>
+          <p:nvPr isPhoto="0" userDrawn="0"/>
+        </p:nvSpPr>
+        <p:spPr bwMode="auto">
+          <a:xfrm>
+            <a:off x="6034709" y="8035641"/>
+            <a:ext cx="254916" cy="365795"/>
+          </a:xfrm>
+        </p:spPr>
+        <p:txBody>
+          <a:bodyPr rot="0" spcFirstLastPara="0" vertOverflow="overflow" horzOverflow="clip" vert="horz" wrap="square" lIns="91440" tIns="45720" rIns="91440" bIns="45720" numCol="1" spcCol="0" rtlCol="0" fromWordArt="0" anchor="t" anchorCtr="0" forceAA="0" upright="0" compatLnSpc="1">
+            <a:prstTxWarp prst="textNoShape"/>
+            <a:spAutoFit/>
+          </a:bodyPr>
+          <a:p>
+            <a:pPr>
+              <a:defRPr/>
+            </a:pPr>
+            <a:endParaRPr/>
+          </a:p>
+        </p:txBody>
+      </p:sp>
+      <p:pic>
+        <p:nvPicPr>
+          <p:cNvPr id="13" name="" hidden="0"/>
+          <p:cNvPicPr>
+            <a:picLocks noChangeAspect="1"/>
+          </p:cNvPicPr>
+          <p:nvPr isPhoto="0" userDrawn="0"/>
+        </p:nvPicPr>
+        <p:blipFill>
+          <a:blip r:embed="rId5"/>
+          <a:stretch/>
+        </p:blipFill>
+        <p:spPr bwMode="auto">
+          <a:xfrm>
+            <a:off x="6774867" y="3370650"/>
+            <a:ext cx="5200650" cy="1047749"/>
+          </a:xfrm>
+          <a:prstGeom prst="rect">
+            <a:avLst/>
+          </a:prstGeom>
+        </p:spPr>
+      </p:pic>
+      <p:pic>
+        <p:nvPicPr>
+          <p:cNvPr id="14" name="" hidden="0"/>
+          <p:cNvPicPr>
+            <a:picLocks noChangeAspect="1"/>
+          </p:cNvPicPr>
+          <p:nvPr isPhoto="0" userDrawn="0"/>
+        </p:nvPicPr>
+        <p:blipFill>
+          <a:blip r:embed="rId6"/>
+          <a:stretch/>
+        </p:blipFill>
+        <p:spPr bwMode="auto">
+          <a:xfrm>
+            <a:off x="69962" y="3146498"/>
+            <a:ext cx="5210174" cy="1266824"/>
+          </a:xfrm>
+          <a:prstGeom prst="rect">
+            <a:avLst/>
+          </a:prstGeom>
+        </p:spPr>
+      </p:pic>
+      <p:pic>
+        <p:nvPicPr>
+          <p:cNvPr id="15" name="" hidden="0"/>
+          <p:cNvPicPr>
+            <a:picLocks noChangeAspect="1"/>
+          </p:cNvPicPr>
+          <p:nvPr isPhoto="0" userDrawn="0"/>
+        </p:nvPicPr>
+        <p:blipFill>
+          <a:blip r:embed="rId7"/>
+          <a:stretch/>
+        </p:blipFill>
+        <p:spPr bwMode="auto">
+          <a:xfrm>
+            <a:off x="6766317" y="4766490"/>
+            <a:ext cx="2228850" cy="2019299"/>
+          </a:xfrm>
+          <a:prstGeom prst="rect">
+            <a:avLst/>
+          </a:prstGeom>
+          <a:ln w="12699">
+            <a:solidFill>
+              <a:schemeClr val="bg2">
+                <a:lumMod val="50196"/>
+              </a:schemeClr>
+            </a:solidFill>
+            <a:prstDash val="solid"/>
+          </a:ln>
+        </p:spPr>
+      </p:pic>
+      <p:pic>
+        <p:nvPicPr>
+          <p:cNvPr id="16" name="" hidden="0"/>
+          <p:cNvPicPr>
+            <a:picLocks noChangeAspect="1"/>
+          </p:cNvPicPr>
+          <p:nvPr isPhoto="0" userDrawn="0"/>
+        </p:nvPicPr>
+        <p:blipFill>
+          <a:blip r:embed="rId7"/>
+          <a:stretch/>
+        </p:blipFill>
+        <p:spPr bwMode="auto">
+          <a:xfrm>
+            <a:off x="3003595" y="4766490"/>
+            <a:ext cx="2228850" cy="2019299"/>
+          </a:xfrm>
+          <a:prstGeom prst="rect">
+            <a:avLst/>
+          </a:prstGeom>
+          <a:ln w="12699">
+            <a:solidFill>
+              <a:schemeClr val="bg2">
+                <a:lumMod val="50196"/>
+              </a:schemeClr>
+            </a:solidFill>
+            <a:prstDash val="solid"/>
+          </a:ln>
+        </p:spPr>
+      </p:pic>
+      <p:cxnSp>
+        <p:nvCxnSpPr>
+          <p:cNvPr id="17" name="" hidden="0"/>
+          <p:cNvCxnSpPr>
+            <a:cxnSpLocks/>
+          </p:cNvCxnSpPr>
+          <p:nvPr isPhoto="0" userDrawn="0"/>
+        </p:nvCxnSpPr>
+        <p:spPr bwMode="auto">
+          <a:xfrm flipH="0" flipV="0">
+            <a:off x="5386856" y="1938415"/>
+            <a:ext cx="1292004" cy="0"/>
+          </a:xfrm>
+          <a:prstGeom prst="line">
+            <a:avLst/>
+          </a:prstGeom>
+          <a:ln w="38099" cap="flat" cmpd="sng" algn="ctr">
+            <a:solidFill>
+              <a:srgbClr val="FF0000"/>
+            </a:solidFill>
+            <a:prstDash val="solid"/>
+            <a:miter/>
+            <a:tailEnd type="arrow" len="med"/>
+          </a:ln>
+        </p:spPr>
+        <p:style>
+          <a:lnRef idx="1">
+            <a:schemeClr val="accent1">
+              <a:shade val="50000"/>
+            </a:schemeClr>
+          </a:lnRef>
+          <a:fillRef idx="0">
+            <a:schemeClr val="accent1"/>
+          </a:fillRef>
+          <a:effectRef idx="0">
+            <a:schemeClr val="accent1"/>
+          </a:effectRef>
+          <a:fontRef idx="minor">
+            <a:schemeClr val="tx1"/>
+          </a:fontRef>
+        </p:style>
+      </p:cxnSp>
+      <p:cxnSp>
+        <p:nvCxnSpPr>
+          <p:cNvPr id="18" name="" hidden="0"/>
+          <p:cNvCxnSpPr>
+            <a:cxnSpLocks/>
+          </p:cNvCxnSpPr>
+          <p:nvPr isPhoto="0" userDrawn="0"/>
+        </p:nvCxnSpPr>
+        <p:spPr bwMode="auto">
+          <a:xfrm flipH="0" flipV="0">
+            <a:off x="1756039" y="4475271"/>
+            <a:ext cx="999653" cy="1018514"/>
+          </a:xfrm>
+          <a:prstGeom prst="line">
+            <a:avLst/>
+          </a:prstGeom>
+          <a:ln w="38099" cap="flat" cmpd="sng" algn="ctr">
+            <a:solidFill>
+              <a:srgbClr val="FF0000"/>
+            </a:solidFill>
+            <a:prstDash val="solid"/>
+            <a:miter/>
+            <a:tailEnd type="arrow" len="med"/>
+          </a:ln>
+        </p:spPr>
+        <p:style>
+          <a:lnRef idx="1">
+            <a:schemeClr val="accent1">
+              <a:shade val="50000"/>
+            </a:schemeClr>
+          </a:lnRef>
+          <a:fillRef idx="0">
+            <a:schemeClr val="accent1"/>
+          </a:fillRef>
+          <a:effectRef idx="0">
+            <a:schemeClr val="accent1"/>
+          </a:effectRef>
+          <a:fontRef idx="minor">
+            <a:schemeClr val="tx1"/>
+          </a:fontRef>
+        </p:style>
+      </p:cxnSp>
+      <p:cxnSp>
+        <p:nvCxnSpPr>
+          <p:cNvPr id="19" name="" hidden="0"/>
+          <p:cNvCxnSpPr>
+            <a:cxnSpLocks/>
+          </p:cNvCxnSpPr>
+          <p:nvPr isPhoto="0" userDrawn="0"/>
+        </p:nvCxnSpPr>
+        <p:spPr bwMode="auto">
+          <a:xfrm flipH="1" flipV="0">
+            <a:off x="9149702" y="4503564"/>
+            <a:ext cx="556410" cy="528118"/>
+          </a:xfrm>
+          <a:prstGeom prst="line">
+            <a:avLst/>
+          </a:prstGeom>
+          <a:ln w="38099" cap="flat" cmpd="sng" algn="ctr">
+            <a:solidFill>
+              <a:srgbClr val="FF0000"/>
+            </a:solidFill>
+            <a:prstDash val="solid"/>
+            <a:miter/>
+            <a:tailEnd type="arrow" len="med"/>
+          </a:ln>
+        </p:spPr>
+        <p:style>
+          <a:lnRef idx="1">
+            <a:schemeClr val="accent1">
+              <a:shade val="50000"/>
+            </a:schemeClr>
+          </a:lnRef>
+          <a:fillRef idx="0">
+            <a:schemeClr val="accent1"/>
+          </a:fillRef>
+          <a:effectRef idx="0">
+            <a:schemeClr val="accent1"/>
+          </a:effectRef>
+          <a:fontRef idx="minor">
+            <a:schemeClr val="tx1"/>
+          </a:fontRef>
+        </p:style>
+      </p:cxnSp>
+      <p:sp>
+        <p:nvSpPr>
+          <p:cNvPr id="20" name="" hidden="0"/>
+          <p:cNvSpPr/>
+          <p:nvPr isPhoto="0" userDrawn="0"/>
+        </p:nvSpPr>
+        <p:spPr bwMode="auto">
+          <a:xfrm flipH="0" flipV="0">
+            <a:off x="5566039" y="4975098"/>
+            <a:ext cx="914652" cy="1554516"/>
+          </a:xfrm>
+          <a:prstGeom prst="rect">
+            <a:avLst/>
+          </a:prstGeom>
+          <a:noFill/>
+        </p:spPr>
+        <p:txBody>
+          <a:bodyPr vertOverflow="overflow" horzOverflow="clip" vert="horz" wrap="square" lIns="91440" tIns="45720" rIns="91440" bIns="45720" numCol="1" spcCol="0" rtlCol="0" fromWordArt="0" anchor="t" anchorCtr="0" forceAA="0" upright="0" compatLnSpc="0">
+            <a:spAutoFit/>
+          </a:bodyPr>
+          <a:p>
+            <a:pPr>
+              <a:defRPr/>
+            </a:pPr>
+            <a:r>
+              <a:rPr sz="9600" b="1">
+                <a:solidFill>
+                  <a:srgbClr val="FF0000"/>
+                </a:solidFill>
+                <a:latin typeface="Helvetica Neue"/>
+                <a:ea typeface="Helvetica Neue"/>
+                <a:cs typeface="Helvetica Neue"/>
+              </a:rPr>
+              <a:t>=</a:t>
+            </a:r>
+            <a:endParaRPr sz="9600" b="1">
+              <a:solidFill>
+                <a:srgbClr val="FF0000"/>
+              </a:solidFill>
+              <a:latin typeface="Helvetica Neue"/>
+              <a:ea typeface="Helvetica Neue"/>
+              <a:cs typeface="Helvetica Neue"/>
+            </a:endParaRPr>
+          </a:p>
+        </p:txBody>
+      </p:sp>
+      <p:pic>
+        <p:nvPicPr>
+          <p:cNvPr id="21" name="" hidden="0"/>
+          <p:cNvPicPr>
+            <a:picLocks noChangeAspect="1"/>
+          </p:cNvPicPr>
+          <p:nvPr isPhoto="0" userDrawn="0"/>
+        </p:nvPicPr>
+        <p:blipFill>
+          <a:blip r:embed="rId8"/>
+          <a:stretch/>
+        </p:blipFill>
+        <p:spPr bwMode="auto">
+          <a:xfrm rot="0" flipH="0" flipV="0">
+            <a:off x="6814505" y="3894525"/>
+            <a:ext cx="3934800" cy="237600"/>
           </a:xfrm>
           <a:prstGeom prst="rect">
             <a:avLst/>

--- a/B_Pandas_tips/Assets/Pandas_Tricks_Slides.pptx
+++ b/B_Pandas_tips/Assets/Pandas_Tricks_Slides.pptx
@@ -9,6 +9,7 @@
     <p:sldId id="257" r:id="rId4"/>
     <p:sldId id="258" r:id="rId5"/>
     <p:sldId id="259" r:id="rId6"/>
+    <p:sldId id="260" r:id="rId7"/>
   </p:sldIdLst>
   <p:sldSz cx="12192000" cy="6858000"/>
   <p:notesSz cx="6858000" cy="12192000"/>
@@ -5206,7 +5207,7 @@
         <p:spPr bwMode="auto">
           <a:xfrm flipH="0" flipV="0">
             <a:off x="11743142" y="6512301"/>
-            <a:ext cx="471260" cy="365791"/>
+            <a:ext cx="471260" cy="365790"/>
           </a:xfrm>
           <a:prstGeom prst="rect">
             <a:avLst/>
@@ -5516,7 +5517,7 @@
         </p:nvCxnSpPr>
         <p:spPr bwMode="auto">
           <a:xfrm flipH="0" flipV="0">
-            <a:off x="5386856" y="1938415"/>
+            <a:off x="5386856" y="1938414"/>
             <a:ext cx="1292004" cy="0"/>
           </a:xfrm>
           <a:prstGeom prst="line">
@@ -5700,6 +5701,625 @@
           </a:prstGeom>
         </p:spPr>
       </p:pic>
+    </p:spTree>
+  </p:cSld>
+  <p:clrMapOvr>
+    <a:masterClrMapping/>
+  </p:clrMapOvr>
+  <mc:AlternateContent xmlns:mc="http://schemas.openxmlformats.org/markup-compatibility/2006">
+    <mc:Choice xmlns:p14="http://schemas.microsoft.com/office/powerpoint/2010/main" Requires="p14">
+      <p:transition p14:dur="2000" advClick="1"/>
+    </mc:Choice>
+    <mc:Fallback>
+      <p:transition advClick="1"/>
+    </mc:Fallback>
+  </mc:AlternateContent>
+</p:sld>
+</file>
+
+<file path=ppt/slides/slide5.xml><?xml version="1.0" encoding="utf-8"?>
+<p:sld xmlns:a="http://schemas.openxmlformats.org/drawingml/2006/main" xmlns:r="http://schemas.openxmlformats.org/officeDocument/2006/relationships" xmlns:p="http://schemas.openxmlformats.org/presentationml/2006/main" xmlns:m="http://schemas.openxmlformats.org/officeDocument/2006/math" xmlns:w="http://schemas.openxmlformats.org/wordprocessingml/2006/main" showMasterPhAnim="0" show="1">
+  <p:cSld name="">
+    <p:spTree>
+      <p:nvGrpSpPr>
+        <p:cNvPr id="1" name="" hidden="0"/>
+        <p:cNvGrpSpPr/>
+        <p:nvPr isPhoto="0" userDrawn="0"/>
+      </p:nvGrpSpPr>
+      <p:grpSpPr bwMode="auto">
+        <a:xfrm>
+          <a:off x="0" y="0"/>
+          <a:ext cx="0" cy="0"/>
+          <a:chOff x="0" y="0"/>
+          <a:chExt cx="0" cy="0"/>
+        </a:xfrm>
+      </p:grpSpPr>
+      <p:sp>
+        <p:nvSpPr>
+          <p:cNvPr id="4" name="" hidden="0"/>
+          <p:cNvSpPr/>
+          <p:nvPr isPhoto="0" userDrawn="0"/>
+        </p:nvSpPr>
+        <p:spPr bwMode="auto">
+          <a:xfrm flipH="0" flipV="0">
+            <a:off x="5234281" y="72750"/>
+            <a:ext cx="6847333" cy="2357694"/>
+          </a:xfrm>
+          <a:prstGeom prst="rect">
+            <a:avLst/>
+          </a:prstGeom>
+          <a:noFill/>
+        </p:spPr>
+        <p:txBody>
+          <a:bodyPr vertOverflow="overflow" horzOverflow="clip" vert="horz" wrap="square" lIns="91440" tIns="45720" rIns="91440" bIns="45720" numCol="1" spcCol="0" rtlCol="0" fromWordArt="0" anchor="t" anchorCtr="0" forceAA="0" upright="0" compatLnSpc="0">
+            <a:noAutofit/>
+          </a:bodyPr>
+          <a:p>
+            <a:pPr algn="r">
+              <a:defRPr/>
+            </a:pPr>
+            <a:r>
+              <a:rPr sz="3000">
+                <a:solidFill>
+                  <a:schemeClr val="tx1">
+                    <a:lumMod val="85000"/>
+                    <a:lumOff val="15000"/>
+                  </a:schemeClr>
+                </a:solidFill>
+                <a:latin typeface="Helvetica 65 Medium"/>
+                <a:ea typeface="Helvetica 65 Medium"/>
+                <a:cs typeface="Helvetica 65 Medium"/>
+              </a:rPr>
+              <a:t>Two ways of binning in Pandas</a:t>
+            </a:r>
+            <a:endParaRPr sz="3000">
+              <a:solidFill>
+                <a:schemeClr val="tx1">
+                  <a:lumMod val="85000"/>
+                  <a:lumOff val="15000"/>
+                </a:schemeClr>
+              </a:solidFill>
+              <a:latin typeface="Helvetica 65 Medium"/>
+              <a:ea typeface="Helvetica 65 Medium"/>
+              <a:cs typeface="Helvetica 65 Medium"/>
+            </a:endParaRPr>
+          </a:p>
+        </p:txBody>
+      </p:sp>
+      <p:sp>
+        <p:nvSpPr>
+          <p:cNvPr id="5" name="" hidden="0"/>
+          <p:cNvSpPr/>
+          <p:nvPr isPhoto="0" userDrawn="0"/>
+        </p:nvSpPr>
+        <p:spPr bwMode="auto">
+          <a:xfrm flipH="0" flipV="0">
+            <a:off x="11743142" y="6512301"/>
+            <a:ext cx="471259" cy="365789"/>
+          </a:xfrm>
+          <a:prstGeom prst="rect">
+            <a:avLst/>
+          </a:prstGeom>
+          <a:noFill/>
+        </p:spPr>
+        <p:txBody>
+          <a:bodyPr vertOverflow="overflow" horzOverflow="clip" vert="horz" wrap="square" lIns="91440" tIns="45720" rIns="91440" bIns="45720" numCol="1" spcCol="0" rtlCol="0" fromWordArt="0" anchor="t" anchorCtr="0" forceAA="0" upright="0" compatLnSpc="0">
+            <a:noAutofit/>
+          </a:bodyPr>
+          <a:p>
+            <a:pPr algn="r">
+              <a:defRPr/>
+            </a:pPr>
+            <a:r>
+              <a:rPr>
+                <a:solidFill>
+                  <a:schemeClr val="tx1">
+                    <a:lumMod val="75000"/>
+                    <a:lumOff val="25000"/>
+                  </a:schemeClr>
+                </a:solidFill>
+              </a:rPr>
+              <a:t>#5</a:t>
+            </a:r>
+            <a:endParaRPr/>
+          </a:p>
+        </p:txBody>
+      </p:sp>
+      <p:sp>
+        <p:nvSpPr>
+          <p:cNvPr id="6" name="" hidden="0"/>
+          <p:cNvSpPr/>
+          <p:nvPr isPhoto="0" userDrawn="0"/>
+        </p:nvSpPr>
+        <p:spPr bwMode="auto">
+          <a:xfrm>
+            <a:off x="12776609" y="5690767"/>
+            <a:ext cx="254916" cy="365792"/>
+          </a:xfrm>
+        </p:spPr>
+        <p:txBody>
+          <a:bodyPr rot="0" spcFirstLastPara="0" vertOverflow="overflow" horzOverflow="clip" vert="horz" wrap="square" lIns="91440" tIns="45720" rIns="91440" bIns="45720" numCol="1" spcCol="0" rtlCol="0" fromWordArt="0" anchor="t" anchorCtr="0" forceAA="0" upright="0" compatLnSpc="1">
+            <a:prstTxWarp prst="textNoShape"/>
+            <a:spAutoFit/>
+          </a:bodyPr>
+          <a:p>
+            <a:pPr>
+              <a:defRPr/>
+            </a:pPr>
+            <a:endParaRPr/>
+          </a:p>
+        </p:txBody>
+      </p:sp>
+      <p:sp>
+        <p:nvSpPr>
+          <p:cNvPr id="7" name="" hidden="0"/>
+          <p:cNvSpPr/>
+          <p:nvPr isPhoto="0" userDrawn="0"/>
+        </p:nvSpPr>
+        <p:spPr bwMode="auto">
+          <a:xfrm>
+            <a:off x="12904067" y="3417802"/>
+            <a:ext cx="254916" cy="365794"/>
+          </a:xfrm>
+        </p:spPr>
+        <p:txBody>
+          <a:bodyPr rot="0" spcFirstLastPara="0" vertOverflow="overflow" horzOverflow="clip" vert="horz" wrap="square" lIns="91440" tIns="45720" rIns="91440" bIns="45720" numCol="1" spcCol="0" rtlCol="0" fromWordArt="0" anchor="t" anchorCtr="0" forceAA="0" upright="0" compatLnSpc="1">
+            <a:prstTxWarp prst="textNoShape"/>
+            <a:spAutoFit/>
+          </a:bodyPr>
+          <a:p>
+            <a:pPr>
+              <a:defRPr/>
+            </a:pPr>
+            <a:endParaRPr/>
+          </a:p>
+        </p:txBody>
+      </p:sp>
+      <p:sp>
+        <p:nvSpPr>
+          <p:cNvPr id="8" name="" hidden="0"/>
+          <p:cNvSpPr/>
+          <p:nvPr isPhoto="0" userDrawn="0"/>
+        </p:nvSpPr>
+        <p:spPr bwMode="auto">
+          <a:xfrm>
+            <a:off x="12904067" y="6260808"/>
+            <a:ext cx="254916" cy="365794"/>
+          </a:xfrm>
+        </p:spPr>
+        <p:txBody>
+          <a:bodyPr rot="0" spcFirstLastPara="0" vertOverflow="overflow" horzOverflow="clip" vert="horz" wrap="square" lIns="91440" tIns="45720" rIns="91440" bIns="45720" numCol="1" spcCol="0" rtlCol="0" fromWordArt="0" anchor="t" anchorCtr="0" forceAA="0" upright="0" compatLnSpc="1">
+            <a:prstTxWarp prst="textNoShape"/>
+            <a:spAutoFit/>
+          </a:bodyPr>
+          <a:p>
+            <a:pPr>
+              <a:defRPr/>
+            </a:pPr>
+            <a:endParaRPr/>
+          </a:p>
+        </p:txBody>
+      </p:sp>
+      <p:sp>
+        <p:nvSpPr>
+          <p:cNvPr id="9" name="" hidden="0"/>
+          <p:cNvSpPr/>
+          <p:nvPr isPhoto="0" userDrawn="0"/>
+        </p:nvSpPr>
+        <p:spPr bwMode="auto">
+          <a:xfrm>
+            <a:off x="6034708" y="8035641"/>
+            <a:ext cx="254916" cy="365794"/>
+          </a:xfrm>
+        </p:spPr>
+        <p:txBody>
+          <a:bodyPr rot="0" spcFirstLastPara="0" vertOverflow="overflow" horzOverflow="clip" vert="horz" wrap="square" lIns="91440" tIns="45720" rIns="91440" bIns="45720" numCol="1" spcCol="0" rtlCol="0" fromWordArt="0" anchor="t" anchorCtr="0" forceAA="0" upright="0" compatLnSpc="1">
+            <a:prstTxWarp prst="textNoShape"/>
+            <a:spAutoFit/>
+          </a:bodyPr>
+          <a:p>
+            <a:pPr>
+              <a:defRPr/>
+            </a:pPr>
+            <a:endParaRPr/>
+          </a:p>
+        </p:txBody>
+      </p:sp>
+      <p:sp>
+        <p:nvSpPr>
+          <p:cNvPr id="10" name="" hidden="0"/>
+          <p:cNvSpPr/>
+          <p:nvPr isPhoto="0" userDrawn="0"/>
+        </p:nvSpPr>
+        <p:spPr bwMode="auto">
+          <a:xfrm>
+            <a:off x="6028835" y="3364591"/>
+            <a:ext cx="254916" cy="365795"/>
+          </a:xfrm>
+        </p:spPr>
+        <p:txBody>
+          <a:bodyPr rot="0" spcFirstLastPara="0" vertOverflow="overflow" horzOverflow="clip" vert="horz" wrap="square" lIns="91440" tIns="45720" rIns="91440" bIns="45720" numCol="1" spcCol="0" rtlCol="0" fromWordArt="0" anchor="t" anchorCtr="0" forceAA="0" upright="0" compatLnSpc="1">
+            <a:prstTxWarp prst="textNoShape"/>
+            <a:spAutoFit/>
+          </a:bodyPr>
+          <a:p>
+            <a:pPr>
+              <a:defRPr/>
+            </a:pPr>
+            <a:endParaRPr/>
+          </a:p>
+        </p:txBody>
+      </p:sp>
+      <p:pic>
+        <p:nvPicPr>
+          <p:cNvPr id="11" name="" hidden="0"/>
+          <p:cNvPicPr>
+            <a:picLocks noChangeAspect="1"/>
+          </p:cNvPicPr>
+          <p:nvPr isPhoto="0" userDrawn="0"/>
+        </p:nvPicPr>
+        <p:blipFill>
+          <a:blip r:embed="rId2"/>
+          <a:stretch/>
+        </p:blipFill>
+        <p:spPr bwMode="auto">
+          <a:xfrm>
+            <a:off x="60274" y="295994"/>
+            <a:ext cx="6229350" cy="2838449"/>
+          </a:xfrm>
+          <a:prstGeom prst="rect">
+            <a:avLst/>
+          </a:prstGeom>
+        </p:spPr>
+      </p:pic>
+      <p:sp>
+        <p:nvSpPr>
+          <p:cNvPr id="12" name="" hidden="0"/>
+          <p:cNvSpPr/>
+          <p:nvPr isPhoto="0" userDrawn="0"/>
+        </p:nvSpPr>
+        <p:spPr bwMode="auto">
+          <a:xfrm>
+            <a:off x="6022960" y="6260808"/>
+            <a:ext cx="254916" cy="365795"/>
+          </a:xfrm>
+        </p:spPr>
+        <p:txBody>
+          <a:bodyPr rot="0" spcFirstLastPara="0" vertOverflow="overflow" horzOverflow="clip" vert="horz" wrap="square" lIns="91440" tIns="45720" rIns="91440" bIns="45720" numCol="1" spcCol="0" rtlCol="0" fromWordArt="0" anchor="t" anchorCtr="0" forceAA="0" upright="0" compatLnSpc="1">
+            <a:prstTxWarp prst="textNoShape"/>
+            <a:spAutoFit/>
+          </a:bodyPr>
+          <a:p>
+            <a:pPr>
+              <a:defRPr/>
+            </a:pPr>
+            <a:endParaRPr/>
+          </a:p>
+        </p:txBody>
+      </p:sp>
+      <p:pic>
+        <p:nvPicPr>
+          <p:cNvPr id="13" name="" hidden="0"/>
+          <p:cNvPicPr>
+            <a:picLocks noChangeAspect="1"/>
+          </p:cNvPicPr>
+          <p:nvPr isPhoto="0" userDrawn="0"/>
+        </p:nvPicPr>
+        <p:blipFill>
+          <a:blip r:embed="rId3"/>
+          <a:stretch/>
+        </p:blipFill>
+        <p:spPr bwMode="auto">
+          <a:xfrm>
+            <a:off x="54401" y="3192211"/>
+            <a:ext cx="6229350" cy="2124074"/>
+          </a:xfrm>
+          <a:prstGeom prst="rect">
+            <a:avLst/>
+          </a:prstGeom>
+        </p:spPr>
+      </p:pic>
+      <p:sp>
+        <p:nvSpPr>
+          <p:cNvPr id="14" name="" hidden="0"/>
+          <p:cNvSpPr/>
+          <p:nvPr isPhoto="0" userDrawn="0"/>
+        </p:nvSpPr>
+        <p:spPr bwMode="auto">
+          <a:xfrm>
+            <a:off x="6022960" y="8468721"/>
+            <a:ext cx="254916" cy="365795"/>
+          </a:xfrm>
+        </p:spPr>
+        <p:txBody>
+          <a:bodyPr rot="0" spcFirstLastPara="0" vertOverflow="overflow" horzOverflow="clip" vert="horz" wrap="square" lIns="91440" tIns="45720" rIns="91440" bIns="45720" numCol="1" spcCol="0" rtlCol="0" fromWordArt="0" anchor="t" anchorCtr="0" forceAA="0" upright="0" compatLnSpc="1">
+            <a:prstTxWarp prst="textNoShape"/>
+            <a:spAutoFit/>
+          </a:bodyPr>
+          <a:p>
+            <a:pPr>
+              <a:defRPr/>
+            </a:pPr>
+            <a:endParaRPr/>
+          </a:p>
+        </p:txBody>
+      </p:sp>
+      <p:sp>
+        <p:nvSpPr>
+          <p:cNvPr id="15" name="" hidden="0"/>
+          <p:cNvSpPr/>
+          <p:nvPr isPhoto="0" userDrawn="0"/>
+        </p:nvSpPr>
+        <p:spPr bwMode="auto">
+          <a:xfrm flipH="0" flipV="0">
+            <a:off x="6022960" y="8651619"/>
+            <a:ext cx="247345" cy="317868"/>
+          </a:xfrm>
+        </p:spPr>
+        <p:txBody>
+          <a:bodyPr rot="0" spcFirstLastPara="0" vertOverflow="overflow" horzOverflow="clip" vert="horz" wrap="square" lIns="91440" tIns="45720" rIns="91440" bIns="45720" numCol="1" spcCol="0" rtlCol="0" fromWordArt="0" anchor="t" anchorCtr="0" forceAA="0" upright="0" compatLnSpc="1">
+            <a:prstTxWarp prst="textNoShape"/>
+            <a:noAutofit/>
+          </a:bodyPr>
+          <a:p>
+            <a:pPr>
+              <a:defRPr/>
+            </a:pPr>
+            <a:endParaRPr/>
+          </a:p>
+        </p:txBody>
+      </p:sp>
+      <p:pic>
+        <p:nvPicPr>
+          <p:cNvPr id="16" name="" hidden="0"/>
+          <p:cNvPicPr>
+            <a:picLocks noChangeAspect="1"/>
+          </p:cNvPicPr>
+          <p:nvPr isPhoto="0" userDrawn="0"/>
+        </p:nvPicPr>
+        <p:blipFill>
+          <a:blip r:embed="rId4"/>
+          <a:stretch/>
+        </p:blipFill>
+        <p:spPr bwMode="auto">
+          <a:xfrm flipH="0" flipV="0">
+            <a:off x="54401" y="5434192"/>
+            <a:ext cx="6229192" cy="1219960"/>
+          </a:xfrm>
+          <a:prstGeom prst="rect">
+            <a:avLst/>
+          </a:prstGeom>
+        </p:spPr>
+      </p:pic>
+      <p:sp>
+        <p:nvSpPr>
+          <p:cNvPr id="17" name="" hidden="0"/>
+          <p:cNvSpPr/>
+          <p:nvPr isPhoto="0" userDrawn="0"/>
+        </p:nvSpPr>
+        <p:spPr bwMode="auto">
+          <a:xfrm flipH="0" flipV="0">
+            <a:off x="11770075" y="3946918"/>
+            <a:ext cx="208775" cy="307329"/>
+          </a:xfrm>
+        </p:spPr>
+        <p:txBody>
+          <a:bodyPr rot="0" spcFirstLastPara="0" vertOverflow="overflow" horzOverflow="clip" vert="horz" wrap="square" lIns="91440" tIns="45720" rIns="91440" bIns="45720" numCol="1" spcCol="0" rtlCol="0" fromWordArt="0" anchor="t" anchorCtr="0" forceAA="0" upright="0" compatLnSpc="1">
+            <a:prstTxWarp prst="textNoShape"/>
+            <a:noAutofit/>
+          </a:bodyPr>
+          <a:p>
+            <a:pPr>
+              <a:defRPr/>
+            </a:pPr>
+            <a:endParaRPr/>
+          </a:p>
+        </p:txBody>
+      </p:sp>
+      <p:sp>
+        <p:nvSpPr>
+          <p:cNvPr id="18" name="" hidden="0"/>
+          <p:cNvSpPr/>
+          <p:nvPr isPhoto="0" userDrawn="0"/>
+        </p:nvSpPr>
+        <p:spPr bwMode="auto">
+          <a:xfrm flipH="0" flipV="0">
+            <a:off x="11787420" y="6098452"/>
+            <a:ext cx="210637" cy="311517"/>
+          </a:xfrm>
+        </p:spPr>
+        <p:txBody>
+          <a:bodyPr rot="0" spcFirstLastPara="0" vertOverflow="overflow" horzOverflow="clip" vert="horz" wrap="square" lIns="91440" tIns="45720" rIns="91440" bIns="45720" numCol="1" spcCol="0" rtlCol="0" fromWordArt="0" anchor="t" anchorCtr="0" forceAA="0" upright="0" compatLnSpc="1">
+            <a:prstTxWarp prst="textNoShape"/>
+            <a:noAutofit/>
+          </a:bodyPr>
+          <a:p>
+            <a:pPr>
+              <a:defRPr/>
+            </a:pPr>
+            <a:endParaRPr/>
+          </a:p>
+        </p:txBody>
+      </p:sp>
+      <p:sp>
+        <p:nvSpPr>
+          <p:cNvPr id="19" name="" hidden="0"/>
+          <p:cNvSpPr/>
+          <p:nvPr isPhoto="0" userDrawn="0"/>
+        </p:nvSpPr>
+        <p:spPr bwMode="auto">
+          <a:xfrm>
+            <a:off x="11851314" y="6426284"/>
+            <a:ext cx="254916" cy="365795"/>
+          </a:xfrm>
+        </p:spPr>
+        <p:txBody>
+          <a:bodyPr rot="0" spcFirstLastPara="0" vertOverflow="overflow" horzOverflow="clip" vert="horz" wrap="square" lIns="91440" tIns="45720" rIns="91440" bIns="45720" numCol="1" spcCol="0" rtlCol="0" fromWordArt="0" anchor="t" anchorCtr="0" forceAA="0" upright="0" compatLnSpc="1">
+            <a:prstTxWarp prst="textNoShape"/>
+            <a:spAutoFit/>
+          </a:bodyPr>
+          <a:p>
+            <a:pPr>
+              <a:defRPr/>
+            </a:pPr>
+            <a:endParaRPr/>
+          </a:p>
+        </p:txBody>
+      </p:sp>
+      <p:pic>
+        <p:nvPicPr>
+          <p:cNvPr id="20" name="" hidden="0"/>
+          <p:cNvPicPr>
+            <a:picLocks noChangeAspect="1"/>
+          </p:cNvPicPr>
+          <p:nvPr isPhoto="0" userDrawn="0"/>
+        </p:nvPicPr>
+        <p:blipFill>
+          <a:blip r:embed="rId5"/>
+          <a:stretch/>
+        </p:blipFill>
+        <p:spPr bwMode="auto">
+          <a:xfrm flipH="0" flipV="0">
+            <a:off x="6763394" y="3479893"/>
+            <a:ext cx="5415384" cy="3039497"/>
+          </a:xfrm>
+          <a:prstGeom prst="rect">
+            <a:avLst/>
+          </a:prstGeom>
+        </p:spPr>
+      </p:pic>
+      <p:sp>
+        <p:nvSpPr>
+          <p:cNvPr id="21" name="" hidden="0"/>
+          <p:cNvSpPr/>
+          <p:nvPr isPhoto="0" userDrawn="0"/>
+        </p:nvSpPr>
+        <p:spPr bwMode="auto">
+          <a:xfrm flipH="0" flipV="0">
+            <a:off x="11828946" y="3916797"/>
+            <a:ext cx="213390" cy="285099"/>
+          </a:xfrm>
+        </p:spPr>
+        <p:txBody>
+          <a:bodyPr rot="0" spcFirstLastPara="0" vertOverflow="overflow" horzOverflow="clip" vert="horz" wrap="square" lIns="91440" tIns="45720" rIns="91440" bIns="45720" numCol="1" spcCol="0" rtlCol="0" fromWordArt="0" anchor="t" anchorCtr="0" forceAA="0" upright="0" compatLnSpc="1">
+            <a:prstTxWarp prst="textNoShape"/>
+            <a:noAutofit/>
+          </a:bodyPr>
+          <a:p>
+            <a:pPr>
+              <a:defRPr/>
+            </a:pPr>
+            <a:endParaRPr/>
+          </a:p>
+        </p:txBody>
+      </p:sp>
+      <p:pic>
+        <p:nvPicPr>
+          <p:cNvPr id="22" name="" hidden="0"/>
+          <p:cNvPicPr>
+            <a:picLocks noChangeAspect="1"/>
+          </p:cNvPicPr>
+          <p:nvPr isPhoto="0" userDrawn="0"/>
+        </p:nvPicPr>
+        <p:blipFill>
+          <a:blip r:embed="rId6"/>
+          <a:stretch/>
+        </p:blipFill>
+        <p:spPr bwMode="auto">
+          <a:xfrm flipH="0" flipV="0">
+            <a:off x="6849140" y="975611"/>
+            <a:ext cx="5294319" cy="2216597"/>
+          </a:xfrm>
+          <a:prstGeom prst="rect">
+            <a:avLst/>
+          </a:prstGeom>
+        </p:spPr>
+      </p:pic>
+      <p:cxnSp>
+        <p:nvCxnSpPr>
+          <p:cNvPr id="23" name="" hidden="0"/>
+          <p:cNvCxnSpPr>
+            <a:cxnSpLocks/>
+            <a:stCxn id="12" idx="3"/>
+          </p:cNvCxnSpPr>
+          <p:nvPr isPhoto="0" userDrawn="0"/>
+        </p:nvCxnSpPr>
+        <p:spPr bwMode="auto">
+          <a:xfrm rot="0" flipH="0" flipV="1">
+            <a:off x="6277875" y="5727198"/>
+            <a:ext cx="690325" cy="716508"/>
+          </a:xfrm>
+          <a:prstGeom prst="line">
+            <a:avLst/>
+          </a:prstGeom>
+          <a:ln w="38099" cap="flat" cmpd="sng" algn="ctr">
+            <a:solidFill>
+              <a:srgbClr val="FF0000"/>
+            </a:solidFill>
+            <a:prstDash val="solid"/>
+            <a:miter/>
+            <a:tailEnd type="arrow" len="med"/>
+          </a:ln>
+        </p:spPr>
+        <p:style>
+          <a:lnRef idx="1">
+            <a:schemeClr val="accent1">
+              <a:shade val="50000"/>
+            </a:schemeClr>
+          </a:lnRef>
+          <a:fillRef idx="0">
+            <a:schemeClr val="accent1"/>
+          </a:fillRef>
+          <a:effectRef idx="0">
+            <a:schemeClr val="accent1"/>
+          </a:effectRef>
+          <a:fontRef idx="minor">
+            <a:schemeClr val="tx1"/>
+          </a:fontRef>
+        </p:style>
+      </p:cxnSp>
+      <p:cxnSp>
+        <p:nvCxnSpPr>
+          <p:cNvPr id="24" name="" hidden="0"/>
+          <p:cNvCxnSpPr>
+            <a:cxnSpLocks/>
+          </p:cNvCxnSpPr>
+          <p:nvPr isPhoto="0" userDrawn="0"/>
+        </p:nvCxnSpPr>
+        <p:spPr bwMode="auto">
+          <a:xfrm rot="0" flipH="0" flipV="1">
+            <a:off x="6073068" y="2916479"/>
+            <a:ext cx="612361" cy="0"/>
+          </a:xfrm>
+          <a:prstGeom prst="line">
+            <a:avLst/>
+          </a:prstGeom>
+          <a:ln w="38099" cap="flat" cmpd="sng" algn="ctr">
+            <a:solidFill>
+              <a:srgbClr val="FF0000"/>
+            </a:solidFill>
+            <a:prstDash val="solid"/>
+            <a:miter/>
+            <a:tailEnd type="arrow" len="med"/>
+          </a:ln>
+        </p:spPr>
+        <p:style>
+          <a:lnRef idx="1">
+            <a:schemeClr val="accent1">
+              <a:shade val="50000"/>
+            </a:schemeClr>
+          </a:lnRef>
+          <a:fillRef idx="0">
+            <a:schemeClr val="accent1"/>
+          </a:fillRef>
+          <a:effectRef idx="0">
+            <a:schemeClr val="accent1"/>
+          </a:effectRef>
+          <a:fontRef idx="minor">
+            <a:schemeClr val="tx1"/>
+          </a:fontRef>
+        </p:style>
+      </p:cxnSp>
     </p:spTree>
   </p:cSld>
   <p:clrMapOvr>

--- a/B_Pandas_tips/Assets/Pandas_Tricks_Slides.pptx
+++ b/B_Pandas_tips/Assets/Pandas_Tricks_Slides.pptx
@@ -10,6 +10,7 @@
     <p:sldId id="258" r:id="rId5"/>
     <p:sldId id="259" r:id="rId6"/>
     <p:sldId id="260" r:id="rId7"/>
+    <p:sldId id="261" r:id="rId8"/>
   </p:sldIdLst>
   <p:sldSz cx="12192000" cy="6858000"/>
   <p:notesSz cx="6858000" cy="12192000"/>
@@ -6336,6 +6337,578 @@
 </p:sld>
 </file>
 
+<file path=ppt/slides/slide6.xml><?xml version="1.0" encoding="utf-8"?>
+<p:sld xmlns:a="http://schemas.openxmlformats.org/drawingml/2006/main" xmlns:r="http://schemas.openxmlformats.org/officeDocument/2006/relationships" xmlns:p="http://schemas.openxmlformats.org/presentationml/2006/main" xmlns:m="http://schemas.openxmlformats.org/officeDocument/2006/math" xmlns:w="http://schemas.openxmlformats.org/wordprocessingml/2006/main" showMasterPhAnim="0" show="1">
+  <p:cSld name="">
+    <p:spTree>
+      <p:nvGrpSpPr>
+        <p:cNvPr id="1" name="" hidden="0"/>
+        <p:cNvGrpSpPr/>
+        <p:nvPr isPhoto="0" userDrawn="0"/>
+      </p:nvGrpSpPr>
+      <p:grpSpPr bwMode="auto">
+        <a:xfrm>
+          <a:off x="0" y="0"/>
+          <a:ext cx="0" cy="0"/>
+          <a:chOff x="0" y="0"/>
+          <a:chExt cx="0" cy="0"/>
+        </a:xfrm>
+      </p:grpSpPr>
+      <p:pic>
+        <p:nvPicPr>
+          <p:cNvPr id="4" name="" hidden="0"/>
+          <p:cNvPicPr>
+            <a:picLocks noChangeAspect="1"/>
+          </p:cNvPicPr>
+          <p:nvPr isPhoto="0" userDrawn="0"/>
+        </p:nvPicPr>
+        <p:blipFill>
+          <a:blip r:embed="rId2"/>
+          <a:stretch/>
+        </p:blipFill>
+        <p:spPr bwMode="auto">
+          <a:xfrm>
+            <a:off x="5755294" y="5518712"/>
+            <a:ext cx="6400800" cy="1162049"/>
+          </a:xfrm>
+          <a:prstGeom prst="rect">
+            <a:avLst/>
+          </a:prstGeom>
+        </p:spPr>
+      </p:pic>
+      <p:sp>
+        <p:nvSpPr>
+          <p:cNvPr id="5" name="" hidden="0"/>
+          <p:cNvSpPr/>
+          <p:nvPr isPhoto="0" userDrawn="0"/>
+        </p:nvSpPr>
+        <p:spPr bwMode="auto">
+          <a:xfrm flipH="0" flipV="0">
+            <a:off x="47398" y="47152"/>
+            <a:ext cx="5669529" cy="523812"/>
+          </a:xfrm>
+          <a:prstGeom prst="rect">
+            <a:avLst/>
+          </a:prstGeom>
+          <a:noFill/>
+        </p:spPr>
+        <p:txBody>
+          <a:bodyPr vertOverflow="overflow" horzOverflow="clip" vert="horz" wrap="square" lIns="91440" tIns="45720" rIns="91440" bIns="45720" numCol="1" spcCol="0" rtlCol="0" fromWordArt="0" anchor="t" anchorCtr="0" forceAA="0" upright="0" compatLnSpc="0">
+            <a:noAutofit/>
+          </a:bodyPr>
+          <a:p>
+            <a:pPr algn="ctr">
+              <a:defRPr/>
+            </a:pPr>
+            <a:r>
+              <a:rPr sz="3000">
+                <a:solidFill>
+                  <a:schemeClr val="tx1">
+                    <a:lumMod val="85000"/>
+                    <a:lumOff val="15000"/>
+                  </a:schemeClr>
+                </a:solidFill>
+                <a:latin typeface="Helvetica 65 Medium"/>
+                <a:ea typeface="Helvetica 65 Medium"/>
+                <a:cs typeface="Helvetica 65 Medium"/>
+              </a:rPr>
+              <a:t>Selecting ranges in Pandas</a:t>
+            </a:r>
+            <a:endParaRPr sz="3000">
+              <a:solidFill>
+                <a:schemeClr val="tx1">
+                  <a:lumMod val="85000"/>
+                  <a:lumOff val="15000"/>
+                </a:schemeClr>
+              </a:solidFill>
+              <a:latin typeface="Helvetica 65 Medium"/>
+              <a:ea typeface="Helvetica 65 Medium"/>
+              <a:cs typeface="Helvetica 65 Medium"/>
+            </a:endParaRPr>
+          </a:p>
+        </p:txBody>
+      </p:sp>
+      <p:sp>
+        <p:nvSpPr>
+          <p:cNvPr id="6" name="" hidden="0"/>
+          <p:cNvSpPr/>
+          <p:nvPr isPhoto="0" userDrawn="0"/>
+        </p:nvSpPr>
+        <p:spPr bwMode="auto">
+          <a:xfrm flipH="0" flipV="0">
+            <a:off x="11743142" y="6512301"/>
+            <a:ext cx="471258" cy="365788"/>
+          </a:xfrm>
+          <a:prstGeom prst="rect">
+            <a:avLst/>
+          </a:prstGeom>
+          <a:noFill/>
+        </p:spPr>
+        <p:txBody>
+          <a:bodyPr vertOverflow="overflow" horzOverflow="clip" vert="horz" wrap="square" lIns="91440" tIns="45720" rIns="91440" bIns="45720" numCol="1" spcCol="0" rtlCol="0" fromWordArt="0" anchor="t" anchorCtr="0" forceAA="0" upright="0" compatLnSpc="0">
+            <a:noAutofit/>
+          </a:bodyPr>
+          <a:p>
+            <a:pPr algn="r">
+              <a:defRPr/>
+            </a:pPr>
+            <a:r>
+              <a:rPr>
+                <a:solidFill>
+                  <a:schemeClr val="tx1">
+                    <a:lumMod val="75000"/>
+                    <a:lumOff val="25000"/>
+                  </a:schemeClr>
+                </a:solidFill>
+              </a:rPr>
+              <a:t>#6</a:t>
+            </a:r>
+            <a:endParaRPr/>
+          </a:p>
+        </p:txBody>
+      </p:sp>
+      <p:sp>
+        <p:nvSpPr>
+          <p:cNvPr id="7" name="" hidden="0"/>
+          <p:cNvSpPr/>
+          <p:nvPr isPhoto="0" userDrawn="0"/>
+        </p:nvSpPr>
+        <p:spPr bwMode="auto">
+          <a:xfrm>
+            <a:off x="12776609" y="5690766"/>
+            <a:ext cx="254916" cy="365790"/>
+          </a:xfrm>
+        </p:spPr>
+        <p:txBody>
+          <a:bodyPr rot="0" spcFirstLastPara="0" vertOverflow="overflow" horzOverflow="clip" vert="horz" wrap="square" lIns="91440" tIns="45720" rIns="91440" bIns="45720" numCol="1" spcCol="0" rtlCol="0" fromWordArt="0" anchor="t" anchorCtr="0" forceAA="0" upright="0" compatLnSpc="1">
+            <a:prstTxWarp prst="textNoShape"/>
+            <a:spAutoFit/>
+          </a:bodyPr>
+          <a:p>
+            <a:pPr>
+              <a:defRPr/>
+            </a:pPr>
+            <a:endParaRPr/>
+          </a:p>
+        </p:txBody>
+      </p:sp>
+      <p:sp>
+        <p:nvSpPr>
+          <p:cNvPr id="8" name="" hidden="0"/>
+          <p:cNvSpPr/>
+          <p:nvPr isPhoto="0" userDrawn="0"/>
+        </p:nvSpPr>
+        <p:spPr bwMode="auto">
+          <a:xfrm>
+            <a:off x="12904067" y="3417801"/>
+            <a:ext cx="254916" cy="365793"/>
+          </a:xfrm>
+        </p:spPr>
+        <p:txBody>
+          <a:bodyPr rot="0" spcFirstLastPara="0" vertOverflow="overflow" horzOverflow="clip" vert="horz" wrap="square" lIns="91440" tIns="45720" rIns="91440" bIns="45720" numCol="1" spcCol="0" rtlCol="0" fromWordArt="0" anchor="t" anchorCtr="0" forceAA="0" upright="0" compatLnSpc="1">
+            <a:prstTxWarp prst="textNoShape"/>
+            <a:spAutoFit/>
+          </a:bodyPr>
+          <a:p>
+            <a:pPr>
+              <a:defRPr/>
+            </a:pPr>
+            <a:endParaRPr/>
+          </a:p>
+        </p:txBody>
+      </p:sp>
+      <p:sp>
+        <p:nvSpPr>
+          <p:cNvPr id="9" name="" hidden="0"/>
+          <p:cNvSpPr/>
+          <p:nvPr isPhoto="0" userDrawn="0"/>
+        </p:nvSpPr>
+        <p:spPr bwMode="auto">
+          <a:xfrm>
+            <a:off x="12904067" y="6260807"/>
+            <a:ext cx="254916" cy="365793"/>
+          </a:xfrm>
+        </p:spPr>
+        <p:txBody>
+          <a:bodyPr rot="0" spcFirstLastPara="0" vertOverflow="overflow" horzOverflow="clip" vert="horz" wrap="square" lIns="91440" tIns="45720" rIns="91440" bIns="45720" numCol="1" spcCol="0" rtlCol="0" fromWordArt="0" anchor="t" anchorCtr="0" forceAA="0" upright="0" compatLnSpc="1">
+            <a:prstTxWarp prst="textNoShape"/>
+            <a:spAutoFit/>
+          </a:bodyPr>
+          <a:p>
+            <a:pPr>
+              <a:defRPr/>
+            </a:pPr>
+            <a:endParaRPr/>
+          </a:p>
+        </p:txBody>
+      </p:sp>
+      <p:sp>
+        <p:nvSpPr>
+          <p:cNvPr id="10" name="" hidden="0"/>
+          <p:cNvSpPr/>
+          <p:nvPr isPhoto="0" userDrawn="0"/>
+        </p:nvSpPr>
+        <p:spPr bwMode="auto">
+          <a:xfrm>
+            <a:off x="6034708" y="8035641"/>
+            <a:ext cx="254916" cy="365793"/>
+          </a:xfrm>
+        </p:spPr>
+        <p:txBody>
+          <a:bodyPr rot="0" spcFirstLastPara="0" vertOverflow="overflow" horzOverflow="clip" vert="horz" wrap="square" lIns="91440" tIns="45720" rIns="91440" bIns="45720" numCol="1" spcCol="0" rtlCol="0" fromWordArt="0" anchor="t" anchorCtr="0" forceAA="0" upright="0" compatLnSpc="1">
+            <a:prstTxWarp prst="textNoShape"/>
+            <a:spAutoFit/>
+          </a:bodyPr>
+          <a:p>
+            <a:pPr>
+              <a:defRPr/>
+            </a:pPr>
+            <a:endParaRPr/>
+          </a:p>
+        </p:txBody>
+      </p:sp>
+      <p:sp>
+        <p:nvSpPr>
+          <p:cNvPr id="11" name="" hidden="0"/>
+          <p:cNvSpPr/>
+          <p:nvPr isPhoto="0" userDrawn="0"/>
+        </p:nvSpPr>
+        <p:spPr bwMode="auto">
+          <a:xfrm>
+            <a:off x="6022959" y="6260807"/>
+            <a:ext cx="254916" cy="365794"/>
+          </a:xfrm>
+        </p:spPr>
+        <p:txBody>
+          <a:bodyPr rot="0" spcFirstLastPara="0" vertOverflow="overflow" horzOverflow="clip" vert="horz" wrap="square" lIns="91440" tIns="45720" rIns="91440" bIns="45720" numCol="1" spcCol="0" rtlCol="0" fromWordArt="0" anchor="t" anchorCtr="0" forceAA="0" upright="0" compatLnSpc="1">
+            <a:prstTxWarp prst="textNoShape"/>
+            <a:spAutoFit/>
+          </a:bodyPr>
+          <a:p>
+            <a:pPr>
+              <a:defRPr/>
+            </a:pPr>
+            <a:endParaRPr/>
+          </a:p>
+        </p:txBody>
+      </p:sp>
+      <p:sp>
+        <p:nvSpPr>
+          <p:cNvPr id="12" name="" hidden="0"/>
+          <p:cNvSpPr/>
+          <p:nvPr isPhoto="0" userDrawn="0"/>
+        </p:nvSpPr>
+        <p:spPr bwMode="auto">
+          <a:xfrm>
+            <a:off x="6022959" y="8468721"/>
+            <a:ext cx="254916" cy="365794"/>
+          </a:xfrm>
+        </p:spPr>
+        <p:txBody>
+          <a:bodyPr rot="0" spcFirstLastPara="0" vertOverflow="overflow" horzOverflow="clip" vert="horz" wrap="square" lIns="91440" tIns="45720" rIns="91440" bIns="45720" numCol="1" spcCol="0" rtlCol="0" fromWordArt="0" anchor="t" anchorCtr="0" forceAA="0" upright="0" compatLnSpc="1">
+            <a:prstTxWarp prst="textNoShape"/>
+            <a:spAutoFit/>
+          </a:bodyPr>
+          <a:p>
+            <a:pPr>
+              <a:defRPr/>
+            </a:pPr>
+            <a:endParaRPr/>
+          </a:p>
+        </p:txBody>
+      </p:sp>
+      <p:sp>
+        <p:nvSpPr>
+          <p:cNvPr id="13" name="" hidden="0"/>
+          <p:cNvSpPr/>
+          <p:nvPr isPhoto="0" userDrawn="0"/>
+        </p:nvSpPr>
+        <p:spPr bwMode="auto">
+          <a:xfrm flipH="0" flipV="0">
+            <a:off x="6022959" y="8651619"/>
+            <a:ext cx="247344" cy="317867"/>
+          </a:xfrm>
+        </p:spPr>
+        <p:txBody>
+          <a:bodyPr rot="0" spcFirstLastPara="0" vertOverflow="overflow" horzOverflow="clip" vert="horz" wrap="square" lIns="91440" tIns="45720" rIns="91440" bIns="45720" numCol="1" spcCol="0" rtlCol="0" fromWordArt="0" anchor="t" anchorCtr="0" forceAA="0" upright="0" compatLnSpc="1">
+            <a:prstTxWarp prst="textNoShape"/>
+            <a:noAutofit/>
+          </a:bodyPr>
+          <a:p>
+            <a:pPr>
+              <a:defRPr/>
+            </a:pPr>
+            <a:endParaRPr/>
+          </a:p>
+        </p:txBody>
+      </p:sp>
+      <p:sp>
+        <p:nvSpPr>
+          <p:cNvPr id="14" name="" hidden="0"/>
+          <p:cNvSpPr/>
+          <p:nvPr isPhoto="0" userDrawn="0"/>
+        </p:nvSpPr>
+        <p:spPr bwMode="auto">
+          <a:xfrm flipH="0" flipV="0">
+            <a:off x="11770075" y="3946917"/>
+            <a:ext cx="208774" cy="307328"/>
+          </a:xfrm>
+        </p:spPr>
+        <p:txBody>
+          <a:bodyPr rot="0" spcFirstLastPara="0" vertOverflow="overflow" horzOverflow="clip" vert="horz" wrap="square" lIns="91440" tIns="45720" rIns="91440" bIns="45720" numCol="1" spcCol="0" rtlCol="0" fromWordArt="0" anchor="t" anchorCtr="0" forceAA="0" upright="0" compatLnSpc="1">
+            <a:prstTxWarp prst="textNoShape"/>
+            <a:noAutofit/>
+          </a:bodyPr>
+          <a:p>
+            <a:pPr>
+              <a:defRPr/>
+            </a:pPr>
+            <a:endParaRPr/>
+          </a:p>
+        </p:txBody>
+      </p:sp>
+      <p:sp>
+        <p:nvSpPr>
+          <p:cNvPr id="15" name="" hidden="0"/>
+          <p:cNvSpPr/>
+          <p:nvPr isPhoto="0" userDrawn="0"/>
+        </p:nvSpPr>
+        <p:spPr bwMode="auto">
+          <a:xfrm flipH="0" flipV="0">
+            <a:off x="11828945" y="3916796"/>
+            <a:ext cx="213390" cy="285098"/>
+          </a:xfrm>
+        </p:spPr>
+        <p:txBody>
+          <a:bodyPr rot="0" spcFirstLastPara="0" vertOverflow="overflow" horzOverflow="clip" vert="horz" wrap="square" lIns="91440" tIns="45720" rIns="91440" bIns="45720" numCol="1" spcCol="0" rtlCol="0" fromWordArt="0" anchor="t" anchorCtr="0" forceAA="0" upright="0" compatLnSpc="1">
+            <a:prstTxWarp prst="textNoShape"/>
+            <a:noAutofit/>
+          </a:bodyPr>
+          <a:p>
+            <a:pPr>
+              <a:defRPr/>
+            </a:pPr>
+            <a:endParaRPr/>
+          </a:p>
+        </p:txBody>
+      </p:sp>
+      <p:cxnSp>
+        <p:nvCxnSpPr>
+          <p:cNvPr id="16" name="" hidden="0"/>
+          <p:cNvCxnSpPr>
+            <a:cxnSpLocks/>
+          </p:cNvCxnSpPr>
+          <p:nvPr isPhoto="0" userDrawn="0"/>
+        </p:nvCxnSpPr>
+        <p:spPr bwMode="auto">
+          <a:xfrm rot="0" flipH="1" flipV="1">
+            <a:off x="4302326" y="5229727"/>
+            <a:ext cx="1452967" cy="780051"/>
+          </a:xfrm>
+          <a:prstGeom prst="line">
+            <a:avLst/>
+          </a:prstGeom>
+          <a:ln w="38099" cap="flat" cmpd="sng" algn="ctr">
+            <a:solidFill>
+              <a:srgbClr val="FF0000"/>
+            </a:solidFill>
+            <a:prstDash val="solid"/>
+            <a:miter/>
+            <a:tailEnd type="arrow" len="med"/>
+          </a:ln>
+        </p:spPr>
+        <p:style>
+          <a:lnRef idx="1">
+            <a:schemeClr val="accent1">
+              <a:shade val="50000"/>
+            </a:schemeClr>
+          </a:lnRef>
+          <a:fillRef idx="0">
+            <a:schemeClr val="accent1"/>
+          </a:fillRef>
+          <a:effectRef idx="0">
+            <a:schemeClr val="accent1"/>
+          </a:effectRef>
+          <a:fontRef idx="minor">
+            <a:schemeClr val="tx1"/>
+          </a:fontRef>
+        </p:style>
+      </p:cxnSp>
+      <p:pic>
+        <p:nvPicPr>
+          <p:cNvPr id="17" name="" hidden="0"/>
+          <p:cNvPicPr>
+            <a:picLocks noChangeAspect="1"/>
+          </p:cNvPicPr>
+          <p:nvPr isPhoto="0" userDrawn="0"/>
+        </p:nvPicPr>
+        <p:blipFill>
+          <a:blip r:embed="rId3"/>
+          <a:stretch/>
+        </p:blipFill>
+        <p:spPr bwMode="auto">
+          <a:xfrm>
+            <a:off x="5747397" y="47152"/>
+            <a:ext cx="6419849" cy="5362574"/>
+          </a:xfrm>
+          <a:prstGeom prst="rect">
+            <a:avLst/>
+          </a:prstGeom>
+        </p:spPr>
+      </p:pic>
+      <p:sp>
+        <p:nvSpPr>
+          <p:cNvPr id="18" name="" hidden="0"/>
+          <p:cNvSpPr/>
+          <p:nvPr isPhoto="0" userDrawn="0"/>
+        </p:nvSpPr>
+        <p:spPr bwMode="auto">
+          <a:xfrm>
+            <a:off x="11723854" y="8810552"/>
+            <a:ext cx="254916" cy="365795"/>
+          </a:xfrm>
+        </p:spPr>
+        <p:txBody>
+          <a:bodyPr rot="0" spcFirstLastPara="0" vertOverflow="overflow" horzOverflow="clip" vert="horz" wrap="square" lIns="91440" tIns="45720" rIns="91440" bIns="45720" numCol="1" spcCol="0" rtlCol="0" fromWordArt="0" anchor="t" anchorCtr="0" forceAA="0" upright="0" compatLnSpc="1">
+            <a:prstTxWarp prst="textNoShape"/>
+            <a:spAutoFit/>
+          </a:bodyPr>
+          <a:p>
+            <a:pPr>
+              <a:defRPr/>
+            </a:pPr>
+            <a:endParaRPr/>
+          </a:p>
+        </p:txBody>
+      </p:sp>
+      <p:sp>
+        <p:nvSpPr>
+          <p:cNvPr id="19" name="" hidden="0"/>
+          <p:cNvSpPr/>
+          <p:nvPr isPhoto="0" userDrawn="0"/>
+        </p:nvSpPr>
+        <p:spPr bwMode="auto">
+          <a:xfrm>
+            <a:off x="11851314" y="6426283"/>
+            <a:ext cx="254916" cy="365794"/>
+          </a:xfrm>
+        </p:spPr>
+        <p:txBody>
+          <a:bodyPr rot="0" spcFirstLastPara="0" vertOverflow="overflow" horzOverflow="clip" vert="horz" wrap="square" lIns="91440" tIns="45720" rIns="91440" bIns="45720" numCol="1" spcCol="0" rtlCol="0" fromWordArt="0" anchor="t" anchorCtr="0" forceAA="0" upright="0" compatLnSpc="1">
+            <a:prstTxWarp prst="textNoShape"/>
+            <a:spAutoFit/>
+          </a:bodyPr>
+          <a:p>
+            <a:pPr>
+              <a:defRPr/>
+            </a:pPr>
+            <a:endParaRPr/>
+          </a:p>
+        </p:txBody>
+      </p:sp>
+      <p:pic>
+        <p:nvPicPr>
+          <p:cNvPr id="20" name="" hidden="0"/>
+          <p:cNvPicPr>
+            <a:picLocks noChangeAspect="1"/>
+          </p:cNvPicPr>
+          <p:nvPr isPhoto="0" userDrawn="0"/>
+        </p:nvPicPr>
+        <p:blipFill>
+          <a:blip r:embed="rId4"/>
+          <a:stretch/>
+        </p:blipFill>
+        <p:spPr bwMode="auto">
+          <a:xfrm>
+            <a:off x="1367450" y="689000"/>
+            <a:ext cx="2762249" cy="4962524"/>
+          </a:xfrm>
+          <a:prstGeom prst="rect">
+            <a:avLst/>
+          </a:prstGeom>
+        </p:spPr>
+      </p:pic>
+      <p:cxnSp>
+        <p:nvCxnSpPr>
+          <p:cNvPr id="21" name="" hidden="0"/>
+          <p:cNvCxnSpPr>
+            <a:cxnSpLocks/>
+          </p:cNvCxnSpPr>
+          <p:nvPr isPhoto="0" userDrawn="0"/>
+        </p:nvCxnSpPr>
+        <p:spPr bwMode="auto">
+          <a:xfrm rot="0" flipH="1" flipV="1">
+            <a:off x="4321188" y="4484702"/>
+            <a:ext cx="1442894" cy="5903"/>
+          </a:xfrm>
+          <a:prstGeom prst="line">
+            <a:avLst/>
+          </a:prstGeom>
+          <a:ln w="38099" cap="flat" cmpd="sng" algn="ctr">
+            <a:solidFill>
+              <a:srgbClr val="FF0000"/>
+            </a:solidFill>
+            <a:prstDash val="solid"/>
+            <a:miter/>
+            <a:tailEnd type="arrow" len="med"/>
+          </a:ln>
+        </p:spPr>
+        <p:style>
+          <a:lnRef idx="1">
+            <a:schemeClr val="accent1">
+              <a:shade val="50000"/>
+            </a:schemeClr>
+          </a:lnRef>
+          <a:fillRef idx="0">
+            <a:schemeClr val="accent1"/>
+          </a:fillRef>
+          <a:effectRef idx="0">
+            <a:schemeClr val="accent1"/>
+          </a:effectRef>
+          <a:fontRef idx="minor">
+            <a:schemeClr val="tx1"/>
+          </a:fontRef>
+        </p:style>
+      </p:cxnSp>
+      <p:pic>
+        <p:nvPicPr>
+          <p:cNvPr id="22" name="" hidden="0"/>
+          <p:cNvPicPr>
+            <a:picLocks noChangeAspect="1"/>
+          </p:cNvPicPr>
+          <p:nvPr isPhoto="0" userDrawn="0"/>
+        </p:nvPicPr>
+        <p:blipFill>
+          <a:blip r:embed="rId5"/>
+          <a:srcRect l="0" t="-4396" r="12291" b="0"/>
+          <a:stretch/>
+        </p:blipFill>
+        <p:spPr bwMode="auto">
+          <a:xfrm flipH="0" flipV="0">
+            <a:off x="47398" y="6223348"/>
+            <a:ext cx="5622378" cy="457413"/>
+          </a:xfrm>
+          <a:prstGeom prst="rect">
+            <a:avLst/>
+          </a:prstGeom>
+        </p:spPr>
+      </p:pic>
+    </p:spTree>
+  </p:cSld>
+  <p:clrMapOvr>
+    <a:masterClrMapping/>
+  </p:clrMapOvr>
+  <mc:AlternateContent xmlns:mc="http://schemas.openxmlformats.org/markup-compatibility/2006">
+    <mc:Choice xmlns:p14="http://schemas.microsoft.com/office/powerpoint/2010/main" Requires="p14">
+      <p:transition p14:dur="2000" advClick="1"/>
+    </mc:Choice>
+    <mc:Fallback>
+      <p:transition advClick="1"/>
+    </mc:Fallback>
+  </mc:AlternateContent>
+</p:sld>
+</file>
+
 <file path=ppt/theme/theme1.xml><?xml version="1.0" encoding="utf-8"?>
 <a:theme xmlns:a="http://schemas.openxmlformats.org/drawingml/2006/main" xmlns:r="http://schemas.openxmlformats.org/officeDocument/2006/relationships" xmlns:p="http://schemas.openxmlformats.org/presentationml/2006/main" name="Office Theme">
   <a:themeElements>

--- a/B_Pandas_tips/Assets/Pandas_Tricks_Slides.pptx
+++ b/B_Pandas_tips/Assets/Pandas_Tricks_Slides.pptx
@@ -11,6 +11,7 @@
     <p:sldId id="259" r:id="rId6"/>
     <p:sldId id="260" r:id="rId7"/>
     <p:sldId id="261" r:id="rId8"/>
+    <p:sldId id="262" r:id="rId9"/>
   </p:sldIdLst>
   <p:sldSz cx="12192000" cy="6858000"/>
   <p:notesSz cx="6858000" cy="12192000"/>
@@ -6880,7 +6881,7 @@
         </p:nvPicPr>
         <p:blipFill>
           <a:blip r:embed="rId5"/>
-          <a:srcRect l="0" t="-4396" r="12291" b="0"/>
+          <a:srcRect l="0" t="-4396" r="12290" b="0"/>
           <a:stretch/>
         </p:blipFill>
         <p:spPr bwMode="auto">
@@ -6893,6 +6894,710 @@
           </a:prstGeom>
         </p:spPr>
       </p:pic>
+    </p:spTree>
+  </p:cSld>
+  <p:clrMapOvr>
+    <a:masterClrMapping/>
+  </p:clrMapOvr>
+  <mc:AlternateContent xmlns:mc="http://schemas.openxmlformats.org/markup-compatibility/2006">
+    <mc:Choice xmlns:p14="http://schemas.microsoft.com/office/powerpoint/2010/main" Requires="p14">
+      <p:transition p14:dur="2000" advClick="1"/>
+    </mc:Choice>
+    <mc:Fallback>
+      <p:transition advClick="1"/>
+    </mc:Fallback>
+  </mc:AlternateContent>
+</p:sld>
+</file>
+
+<file path=ppt/slides/slide7.xml><?xml version="1.0" encoding="utf-8"?>
+<p:sld xmlns:a="http://schemas.openxmlformats.org/drawingml/2006/main" xmlns:r="http://schemas.openxmlformats.org/officeDocument/2006/relationships" xmlns:p="http://schemas.openxmlformats.org/presentationml/2006/main" xmlns:m="http://schemas.openxmlformats.org/officeDocument/2006/math" xmlns:w="http://schemas.openxmlformats.org/wordprocessingml/2006/main" showMasterPhAnim="0" show="1">
+  <p:cSld name="">
+    <p:spTree>
+      <p:nvGrpSpPr>
+        <p:cNvPr id="1" name="" hidden="0"/>
+        <p:cNvGrpSpPr/>
+        <p:nvPr isPhoto="0" userDrawn="0"/>
+      </p:nvGrpSpPr>
+      <p:grpSpPr bwMode="auto">
+        <a:xfrm>
+          <a:off x="0" y="0"/>
+          <a:ext cx="0" cy="0"/>
+          <a:chOff x="0" y="0"/>
+          <a:chExt cx="0" cy="0"/>
+        </a:xfrm>
+      </p:grpSpPr>
+      <p:sp>
+        <p:nvSpPr>
+          <p:cNvPr id="4" name="" hidden="0"/>
+          <p:cNvSpPr/>
+          <p:nvPr isPhoto="0" userDrawn="0"/>
+        </p:nvSpPr>
+        <p:spPr bwMode="auto">
+          <a:xfrm flipH="0" flipV="0">
+            <a:off x="6372806" y="47151"/>
+            <a:ext cx="5669528" cy="523811"/>
+          </a:xfrm>
+          <a:prstGeom prst="rect">
+            <a:avLst/>
+          </a:prstGeom>
+          <a:noFill/>
+        </p:spPr>
+        <p:txBody>
+          <a:bodyPr vertOverflow="overflow" horzOverflow="clip" vert="horz" wrap="square" lIns="91440" tIns="45720" rIns="91440" bIns="45720" numCol="1" spcCol="0" rtlCol="0" fromWordArt="0" anchor="t" anchorCtr="0" forceAA="0" upright="0" compatLnSpc="0">
+            <a:noAutofit/>
+          </a:bodyPr>
+          <a:p>
+            <a:pPr algn="ctr">
+              <a:defRPr/>
+            </a:pPr>
+            <a:r>
+              <a:rPr sz="3000">
+                <a:solidFill>
+                  <a:schemeClr val="tx1">
+                    <a:lumMod val="85000"/>
+                    <a:lumOff val="15000"/>
+                  </a:schemeClr>
+                </a:solidFill>
+                <a:latin typeface="Helvetica 65 Medium"/>
+                <a:ea typeface="Helvetica 65 Medium"/>
+                <a:cs typeface="Helvetica 65 Medium"/>
+              </a:rPr>
+              <a:t>Renaming aggregations</a:t>
+            </a:r>
+            <a:endParaRPr sz="3000">
+              <a:solidFill>
+                <a:schemeClr val="tx1">
+                  <a:lumMod val="85000"/>
+                  <a:lumOff val="15000"/>
+                </a:schemeClr>
+              </a:solidFill>
+              <a:latin typeface="Helvetica 65 Medium"/>
+              <a:ea typeface="Helvetica 65 Medium"/>
+              <a:cs typeface="Helvetica 65 Medium"/>
+            </a:endParaRPr>
+          </a:p>
+        </p:txBody>
+      </p:sp>
+      <p:sp>
+        <p:nvSpPr>
+          <p:cNvPr id="5" name="" hidden="0"/>
+          <p:cNvSpPr/>
+          <p:nvPr isPhoto="0" userDrawn="0"/>
+        </p:nvSpPr>
+        <p:spPr bwMode="auto">
+          <a:xfrm flipH="0" flipV="0">
+            <a:off x="11743142" y="6512301"/>
+            <a:ext cx="471258" cy="365787"/>
+          </a:xfrm>
+          <a:prstGeom prst="rect">
+            <a:avLst/>
+          </a:prstGeom>
+          <a:noFill/>
+        </p:spPr>
+        <p:txBody>
+          <a:bodyPr vertOverflow="overflow" horzOverflow="clip" vert="horz" wrap="square" lIns="91440" tIns="45720" rIns="91440" bIns="45720" numCol="1" spcCol="0" rtlCol="0" fromWordArt="0" anchor="t" anchorCtr="0" forceAA="0" upright="0" compatLnSpc="0">
+            <a:noAutofit/>
+          </a:bodyPr>
+          <a:p>
+            <a:pPr algn="r">
+              <a:defRPr/>
+            </a:pPr>
+            <a:r>
+              <a:rPr>
+                <a:solidFill>
+                  <a:schemeClr val="tx1">
+                    <a:lumMod val="75000"/>
+                    <a:lumOff val="25000"/>
+                  </a:schemeClr>
+                </a:solidFill>
+              </a:rPr>
+              <a:t>#7</a:t>
+            </a:r>
+            <a:endParaRPr/>
+          </a:p>
+        </p:txBody>
+      </p:sp>
+      <p:sp>
+        <p:nvSpPr>
+          <p:cNvPr id="6" name="" hidden="0"/>
+          <p:cNvSpPr/>
+          <p:nvPr isPhoto="0" userDrawn="0"/>
+        </p:nvSpPr>
+        <p:spPr bwMode="auto">
+          <a:xfrm>
+            <a:off x="12776609" y="5690765"/>
+            <a:ext cx="254916" cy="365789"/>
+          </a:xfrm>
+        </p:spPr>
+        <p:txBody>
+          <a:bodyPr rot="0" spcFirstLastPara="0" vertOverflow="overflow" horzOverflow="clip" vert="horz" wrap="square" lIns="91440" tIns="45720" rIns="91440" bIns="45720" numCol="1" spcCol="0" rtlCol="0" fromWordArt="0" anchor="t" anchorCtr="0" forceAA="0" upright="0" compatLnSpc="1">
+            <a:prstTxWarp prst="textNoShape"/>
+            <a:spAutoFit/>
+          </a:bodyPr>
+          <a:p>
+            <a:pPr>
+              <a:defRPr/>
+            </a:pPr>
+            <a:endParaRPr/>
+          </a:p>
+        </p:txBody>
+      </p:sp>
+      <p:sp>
+        <p:nvSpPr>
+          <p:cNvPr id="7" name="" hidden="0"/>
+          <p:cNvSpPr/>
+          <p:nvPr isPhoto="0" userDrawn="0"/>
+        </p:nvSpPr>
+        <p:spPr bwMode="auto">
+          <a:xfrm>
+            <a:off x="12904067" y="3417800"/>
+            <a:ext cx="254916" cy="365792"/>
+          </a:xfrm>
+        </p:spPr>
+        <p:txBody>
+          <a:bodyPr rot="0" spcFirstLastPara="0" vertOverflow="overflow" horzOverflow="clip" vert="horz" wrap="square" lIns="91440" tIns="45720" rIns="91440" bIns="45720" numCol="1" spcCol="0" rtlCol="0" fromWordArt="0" anchor="t" anchorCtr="0" forceAA="0" upright="0" compatLnSpc="1">
+            <a:prstTxWarp prst="textNoShape"/>
+            <a:spAutoFit/>
+          </a:bodyPr>
+          <a:p>
+            <a:pPr>
+              <a:defRPr/>
+            </a:pPr>
+            <a:endParaRPr/>
+          </a:p>
+        </p:txBody>
+      </p:sp>
+      <p:sp>
+        <p:nvSpPr>
+          <p:cNvPr id="8" name="" hidden="0"/>
+          <p:cNvSpPr/>
+          <p:nvPr isPhoto="0" userDrawn="0"/>
+        </p:nvSpPr>
+        <p:spPr bwMode="auto">
+          <a:xfrm>
+            <a:off x="12904067" y="6260806"/>
+            <a:ext cx="254916" cy="365792"/>
+          </a:xfrm>
+        </p:spPr>
+        <p:txBody>
+          <a:bodyPr rot="0" spcFirstLastPara="0" vertOverflow="overflow" horzOverflow="clip" vert="horz" wrap="square" lIns="91440" tIns="45720" rIns="91440" bIns="45720" numCol="1" spcCol="0" rtlCol="0" fromWordArt="0" anchor="t" anchorCtr="0" forceAA="0" upright="0" compatLnSpc="1">
+            <a:prstTxWarp prst="textNoShape"/>
+            <a:spAutoFit/>
+          </a:bodyPr>
+          <a:p>
+            <a:pPr>
+              <a:defRPr/>
+            </a:pPr>
+            <a:endParaRPr/>
+          </a:p>
+        </p:txBody>
+      </p:sp>
+      <p:sp>
+        <p:nvSpPr>
+          <p:cNvPr id="9" name="" hidden="0"/>
+          <p:cNvSpPr/>
+          <p:nvPr isPhoto="0" userDrawn="0"/>
+        </p:nvSpPr>
+        <p:spPr bwMode="auto">
+          <a:xfrm>
+            <a:off x="6034708" y="8035641"/>
+            <a:ext cx="254916" cy="365792"/>
+          </a:xfrm>
+        </p:spPr>
+        <p:txBody>
+          <a:bodyPr rot="0" spcFirstLastPara="0" vertOverflow="overflow" horzOverflow="clip" vert="horz" wrap="square" lIns="91440" tIns="45720" rIns="91440" bIns="45720" numCol="1" spcCol="0" rtlCol="0" fromWordArt="0" anchor="t" anchorCtr="0" forceAA="0" upright="0" compatLnSpc="1">
+            <a:prstTxWarp prst="textNoShape"/>
+            <a:spAutoFit/>
+          </a:bodyPr>
+          <a:p>
+            <a:pPr>
+              <a:defRPr/>
+            </a:pPr>
+            <a:endParaRPr/>
+          </a:p>
+        </p:txBody>
+      </p:sp>
+      <p:sp>
+        <p:nvSpPr>
+          <p:cNvPr id="10" name="" hidden="0"/>
+          <p:cNvSpPr/>
+          <p:nvPr isPhoto="0" userDrawn="0"/>
+        </p:nvSpPr>
+        <p:spPr bwMode="auto">
+          <a:xfrm>
+            <a:off x="6022958" y="8468721"/>
+            <a:ext cx="254916" cy="365793"/>
+          </a:xfrm>
+        </p:spPr>
+        <p:txBody>
+          <a:bodyPr rot="0" spcFirstLastPara="0" vertOverflow="overflow" horzOverflow="clip" vert="horz" wrap="square" lIns="91440" tIns="45720" rIns="91440" bIns="45720" numCol="1" spcCol="0" rtlCol="0" fromWordArt="0" anchor="t" anchorCtr="0" forceAA="0" upright="0" compatLnSpc="1">
+            <a:prstTxWarp prst="textNoShape"/>
+            <a:spAutoFit/>
+          </a:bodyPr>
+          <a:p>
+            <a:pPr>
+              <a:defRPr/>
+            </a:pPr>
+            <a:endParaRPr/>
+          </a:p>
+        </p:txBody>
+      </p:sp>
+      <p:sp>
+        <p:nvSpPr>
+          <p:cNvPr id="11" name="" hidden="0"/>
+          <p:cNvSpPr/>
+          <p:nvPr isPhoto="0" userDrawn="0"/>
+        </p:nvSpPr>
+        <p:spPr bwMode="auto">
+          <a:xfrm flipH="0" flipV="0">
+            <a:off x="6022958" y="8651619"/>
+            <a:ext cx="247343" cy="317866"/>
+          </a:xfrm>
+        </p:spPr>
+        <p:txBody>
+          <a:bodyPr rot="0" spcFirstLastPara="0" vertOverflow="overflow" horzOverflow="clip" vert="horz" wrap="square" lIns="91440" tIns="45720" rIns="91440" bIns="45720" numCol="1" spcCol="0" rtlCol="0" fromWordArt="0" anchor="t" anchorCtr="0" forceAA="0" upright="0" compatLnSpc="1">
+            <a:prstTxWarp prst="textNoShape"/>
+            <a:noAutofit/>
+          </a:bodyPr>
+          <a:p>
+            <a:pPr>
+              <a:defRPr/>
+            </a:pPr>
+            <a:endParaRPr/>
+          </a:p>
+        </p:txBody>
+      </p:sp>
+      <p:sp>
+        <p:nvSpPr>
+          <p:cNvPr id="12" name="" hidden="0"/>
+          <p:cNvSpPr/>
+          <p:nvPr isPhoto="0" userDrawn="0"/>
+        </p:nvSpPr>
+        <p:spPr bwMode="auto">
+          <a:xfrm flipH="0" flipV="0">
+            <a:off x="11770075" y="3946916"/>
+            <a:ext cx="208773" cy="307327"/>
+          </a:xfrm>
+        </p:spPr>
+        <p:txBody>
+          <a:bodyPr rot="0" spcFirstLastPara="0" vertOverflow="overflow" horzOverflow="clip" vert="horz" wrap="square" lIns="91440" tIns="45720" rIns="91440" bIns="45720" numCol="1" spcCol="0" rtlCol="0" fromWordArt="0" anchor="t" anchorCtr="0" forceAA="0" upright="0" compatLnSpc="1">
+            <a:prstTxWarp prst="textNoShape"/>
+            <a:noAutofit/>
+          </a:bodyPr>
+          <a:p>
+            <a:pPr>
+              <a:defRPr/>
+            </a:pPr>
+            <a:endParaRPr/>
+          </a:p>
+        </p:txBody>
+      </p:sp>
+      <p:sp>
+        <p:nvSpPr>
+          <p:cNvPr id="13" name="" hidden="0"/>
+          <p:cNvSpPr/>
+          <p:nvPr isPhoto="0" userDrawn="0"/>
+        </p:nvSpPr>
+        <p:spPr bwMode="auto">
+          <a:xfrm flipH="0" flipV="0">
+            <a:off x="11828945" y="3916795"/>
+            <a:ext cx="213390" cy="285097"/>
+          </a:xfrm>
+        </p:spPr>
+        <p:txBody>
+          <a:bodyPr rot="0" spcFirstLastPara="0" vertOverflow="overflow" horzOverflow="clip" vert="horz" wrap="square" lIns="91440" tIns="45720" rIns="91440" bIns="45720" numCol="1" spcCol="0" rtlCol="0" fromWordArt="0" anchor="t" anchorCtr="0" forceAA="0" upright="0" compatLnSpc="1">
+            <a:prstTxWarp prst="textNoShape"/>
+            <a:noAutofit/>
+          </a:bodyPr>
+          <a:p>
+            <a:pPr>
+              <a:defRPr/>
+            </a:pPr>
+            <a:endParaRPr/>
+          </a:p>
+        </p:txBody>
+      </p:sp>
+      <p:sp>
+        <p:nvSpPr>
+          <p:cNvPr id="14" name="" hidden="0"/>
+          <p:cNvSpPr/>
+          <p:nvPr isPhoto="0" userDrawn="0"/>
+        </p:nvSpPr>
+        <p:spPr bwMode="auto">
+          <a:xfrm>
+            <a:off x="11723853" y="8810551"/>
+            <a:ext cx="254916" cy="365794"/>
+          </a:xfrm>
+        </p:spPr>
+        <p:txBody>
+          <a:bodyPr rot="0" spcFirstLastPara="0" vertOverflow="overflow" horzOverflow="clip" vert="horz" wrap="square" lIns="91440" tIns="45720" rIns="91440" bIns="45720" numCol="1" spcCol="0" rtlCol="0" fromWordArt="0" anchor="t" anchorCtr="0" forceAA="0" upright="0" compatLnSpc="1">
+            <a:prstTxWarp prst="textNoShape"/>
+            <a:spAutoFit/>
+          </a:bodyPr>
+          <a:p>
+            <a:pPr>
+              <a:defRPr/>
+            </a:pPr>
+            <a:endParaRPr/>
+          </a:p>
+        </p:txBody>
+      </p:sp>
+      <p:pic>
+        <p:nvPicPr>
+          <p:cNvPr id="15" name="" hidden="0"/>
+          <p:cNvPicPr>
+            <a:picLocks noChangeAspect="1"/>
+          </p:cNvPicPr>
+          <p:nvPr isPhoto="0" userDrawn="0"/>
+        </p:nvPicPr>
+        <p:blipFill>
+          <a:blip r:embed="rId2"/>
+          <a:stretch/>
+        </p:blipFill>
+        <p:spPr bwMode="auto">
+          <a:xfrm>
+            <a:off x="113357" y="120729"/>
+            <a:ext cx="6296024" cy="2876549"/>
+          </a:xfrm>
+          <a:prstGeom prst="rect">
+            <a:avLst/>
+          </a:prstGeom>
+        </p:spPr>
+      </p:pic>
+      <p:sp>
+        <p:nvSpPr>
+          <p:cNvPr id="16" name="" hidden="0"/>
+          <p:cNvSpPr/>
+          <p:nvPr isPhoto="0" userDrawn="0"/>
+        </p:nvSpPr>
+        <p:spPr bwMode="auto">
+          <a:xfrm>
+            <a:off x="6096017" y="6365821"/>
+            <a:ext cx="254916" cy="365795"/>
+          </a:xfrm>
+        </p:spPr>
+        <p:txBody>
+          <a:bodyPr rot="0" spcFirstLastPara="0" vertOverflow="overflow" horzOverflow="clip" vert="horz" wrap="square" lIns="91440" tIns="45720" rIns="91440" bIns="45720" numCol="1" spcCol="0" rtlCol="0" fromWordArt="0" anchor="t" anchorCtr="0" forceAA="0" upright="0" compatLnSpc="1">
+            <a:prstTxWarp prst="textNoShape"/>
+            <a:spAutoFit/>
+          </a:bodyPr>
+          <a:p>
+            <a:pPr>
+              <a:defRPr/>
+            </a:pPr>
+            <a:endParaRPr/>
+          </a:p>
+        </p:txBody>
+      </p:sp>
+      <p:pic>
+        <p:nvPicPr>
+          <p:cNvPr id="17" name="" hidden="0"/>
+          <p:cNvPicPr>
+            <a:picLocks noChangeAspect="1"/>
+          </p:cNvPicPr>
+          <p:nvPr isPhoto="0" userDrawn="0"/>
+        </p:nvPicPr>
+        <p:blipFill>
+          <a:blip r:embed="rId3"/>
+          <a:stretch/>
+        </p:blipFill>
+        <p:spPr bwMode="auto">
+          <a:xfrm>
+            <a:off x="113357" y="3073981"/>
+            <a:ext cx="6305549" cy="1419224"/>
+          </a:xfrm>
+          <a:prstGeom prst="rect">
+            <a:avLst/>
+          </a:prstGeom>
+        </p:spPr>
+      </p:pic>
+      <p:sp>
+        <p:nvSpPr>
+          <p:cNvPr id="18" name="" hidden="0"/>
+          <p:cNvSpPr/>
+          <p:nvPr isPhoto="0" userDrawn="0"/>
+        </p:nvSpPr>
+        <p:spPr bwMode="auto">
+          <a:xfrm>
+            <a:off x="6096017" y="7880332"/>
+            <a:ext cx="254916" cy="365795"/>
+          </a:xfrm>
+        </p:spPr>
+        <p:txBody>
+          <a:bodyPr rot="0" spcFirstLastPara="0" vertOverflow="overflow" horzOverflow="clip" vert="horz" wrap="square" lIns="91440" tIns="45720" rIns="91440" bIns="45720" numCol="1" spcCol="0" rtlCol="0" fromWordArt="0" anchor="t" anchorCtr="0" forceAA="0" upright="0" compatLnSpc="1">
+            <a:prstTxWarp prst="textNoShape"/>
+            <a:spAutoFit/>
+          </a:bodyPr>
+          <a:p>
+            <a:pPr>
+              <a:defRPr/>
+            </a:pPr>
+            <a:endParaRPr/>
+          </a:p>
+        </p:txBody>
+      </p:sp>
+      <p:pic>
+        <p:nvPicPr>
+          <p:cNvPr id="19" name="" hidden="0"/>
+          <p:cNvPicPr>
+            <a:picLocks noChangeAspect="1"/>
+          </p:cNvPicPr>
+          <p:nvPr isPhoto="0" userDrawn="0"/>
+        </p:nvPicPr>
+        <p:blipFill>
+          <a:blip r:embed="rId4"/>
+          <a:stretch/>
+        </p:blipFill>
+        <p:spPr bwMode="auto">
+          <a:xfrm>
+            <a:off x="113357" y="4588492"/>
+            <a:ext cx="6296024" cy="2143125"/>
+          </a:xfrm>
+          <a:prstGeom prst="rect">
+            <a:avLst/>
+          </a:prstGeom>
+        </p:spPr>
+      </p:pic>
+      <p:sp>
+        <p:nvSpPr>
+          <p:cNvPr id="20" name="" hidden="0"/>
+          <p:cNvSpPr/>
+          <p:nvPr isPhoto="0" userDrawn="0"/>
+        </p:nvSpPr>
+        <p:spPr bwMode="auto">
+          <a:xfrm>
+            <a:off x="13978218" y="7622914"/>
+            <a:ext cx="254916" cy="365795"/>
+          </a:xfrm>
+        </p:spPr>
+        <p:txBody>
+          <a:bodyPr rot="0" spcFirstLastPara="0" vertOverflow="overflow" horzOverflow="clip" vert="horz" wrap="square" lIns="91440" tIns="45720" rIns="91440" bIns="45720" numCol="1" spcCol="0" rtlCol="0" fromWordArt="0" anchor="t" anchorCtr="0" forceAA="0" upright="0" compatLnSpc="1">
+            <a:prstTxWarp prst="textNoShape"/>
+            <a:spAutoFit/>
+          </a:bodyPr>
+          <a:p>
+            <a:pPr>
+              <a:defRPr/>
+            </a:pPr>
+            <a:endParaRPr/>
+          </a:p>
+        </p:txBody>
+      </p:sp>
+      <p:pic>
+        <p:nvPicPr>
+          <p:cNvPr id="21" name="" hidden="0"/>
+          <p:cNvPicPr>
+            <a:picLocks noChangeAspect="1"/>
+          </p:cNvPicPr>
+          <p:nvPr isPhoto="0" userDrawn="0"/>
+        </p:nvPicPr>
+        <p:blipFill>
+          <a:blip r:embed="rId5"/>
+          <a:stretch/>
+        </p:blipFill>
+        <p:spPr bwMode="auto">
+          <a:xfrm>
+            <a:off x="8009659" y="4475392"/>
+            <a:ext cx="2562224" cy="2295524"/>
+          </a:xfrm>
+          <a:prstGeom prst="rect">
+            <a:avLst/>
+          </a:prstGeom>
+        </p:spPr>
+      </p:pic>
+      <p:cxnSp>
+        <p:nvCxnSpPr>
+          <p:cNvPr id="22" name="" hidden="0"/>
+          <p:cNvCxnSpPr>
+            <a:cxnSpLocks/>
+          </p:cNvCxnSpPr>
+          <p:nvPr isPhoto="0" userDrawn="0"/>
+        </p:nvCxnSpPr>
+        <p:spPr bwMode="auto">
+          <a:xfrm rot="0" flipH="0" flipV="0">
+            <a:off x="4709027" y="5561524"/>
+            <a:ext cx="2740745" cy="2566"/>
+          </a:xfrm>
+          <a:prstGeom prst="line">
+            <a:avLst/>
+          </a:prstGeom>
+          <a:ln w="38099" cap="flat" cmpd="sng" algn="ctr">
+            <a:solidFill>
+              <a:srgbClr val="FF0000"/>
+            </a:solidFill>
+            <a:prstDash val="solid"/>
+            <a:miter/>
+            <a:tailEnd type="arrow" len="med"/>
+          </a:ln>
+        </p:spPr>
+        <p:style>
+          <a:lnRef idx="1">
+            <a:schemeClr val="accent1">
+              <a:shade val="50000"/>
+            </a:schemeClr>
+          </a:lnRef>
+          <a:fillRef idx="0">
+            <a:schemeClr val="accent1"/>
+          </a:fillRef>
+          <a:effectRef idx="0">
+            <a:schemeClr val="accent1"/>
+          </a:effectRef>
+          <a:fontRef idx="minor">
+            <a:schemeClr val="tx1"/>
+          </a:fontRef>
+        </p:style>
+      </p:cxnSp>
+      <p:pic>
+        <p:nvPicPr>
+          <p:cNvPr id="23" name="" hidden="0"/>
+          <p:cNvPicPr>
+            <a:picLocks noChangeAspect="1"/>
+          </p:cNvPicPr>
+          <p:nvPr isPhoto="0" userDrawn="0"/>
+        </p:nvPicPr>
+        <p:blipFill>
+          <a:blip r:embed="rId6"/>
+          <a:stretch/>
+        </p:blipFill>
+        <p:spPr bwMode="auto">
+          <a:xfrm>
+            <a:off x="6923592" y="602465"/>
+            <a:ext cx="4838699" cy="1152524"/>
+          </a:xfrm>
+          <a:prstGeom prst="rect">
+            <a:avLst/>
+          </a:prstGeom>
+        </p:spPr>
+      </p:pic>
+      <p:pic>
+        <p:nvPicPr>
+          <p:cNvPr id="24" name="" hidden="0"/>
+          <p:cNvPicPr>
+            <a:picLocks noChangeAspect="1"/>
+          </p:cNvPicPr>
+          <p:nvPr isPhoto="0" userDrawn="0"/>
+        </p:nvPicPr>
+        <p:blipFill>
+          <a:blip r:embed="rId7"/>
+          <a:stretch/>
+        </p:blipFill>
+        <p:spPr bwMode="auto">
+          <a:xfrm>
+            <a:off x="10219408" y="1970568"/>
+            <a:ext cx="1543050" cy="2286000"/>
+          </a:xfrm>
+          <a:prstGeom prst="rect">
+            <a:avLst/>
+          </a:prstGeom>
+        </p:spPr>
+      </p:pic>
+      <p:cxnSp>
+        <p:nvCxnSpPr>
+          <p:cNvPr id="25" name="" hidden="0"/>
+          <p:cNvCxnSpPr>
+            <a:cxnSpLocks/>
+          </p:cNvCxnSpPr>
+          <p:nvPr isPhoto="0" userDrawn="0"/>
+        </p:nvCxnSpPr>
+        <p:spPr bwMode="auto">
+          <a:xfrm rot="0" flipH="0" flipV="0">
+            <a:off x="8387840" y="1479886"/>
+            <a:ext cx="1919431" cy="779317"/>
+          </a:xfrm>
+          <a:prstGeom prst="line">
+            <a:avLst/>
+          </a:prstGeom>
+          <a:ln w="38099" cap="flat" cmpd="sng" algn="ctr">
+            <a:solidFill>
+              <a:srgbClr val="FF0000"/>
+            </a:solidFill>
+            <a:prstDash val="solid"/>
+            <a:miter/>
+            <a:tailEnd type="arrow" len="med"/>
+          </a:ln>
+        </p:spPr>
+        <p:style>
+          <a:lnRef idx="1">
+            <a:schemeClr val="accent1">
+              <a:shade val="50000"/>
+            </a:schemeClr>
+          </a:lnRef>
+          <a:fillRef idx="0">
+            <a:schemeClr val="accent1"/>
+          </a:fillRef>
+          <a:effectRef idx="0">
+            <a:schemeClr val="accent1"/>
+          </a:effectRef>
+          <a:fontRef idx="minor">
+            <a:schemeClr val="tx1"/>
+          </a:fontRef>
+        </p:style>
+      </p:cxnSp>
+      <p:pic>
+        <p:nvPicPr>
+          <p:cNvPr id="26" name="" hidden="0"/>
+          <p:cNvPicPr>
+            <a:picLocks noChangeAspect="1"/>
+          </p:cNvPicPr>
+          <p:nvPr isPhoto="0" userDrawn="0"/>
+        </p:nvPicPr>
+        <p:blipFill>
+          <a:blip r:embed="rId8"/>
+          <a:stretch/>
+        </p:blipFill>
+        <p:spPr bwMode="auto">
+          <a:xfrm>
+            <a:off x="6898408" y="1970568"/>
+            <a:ext cx="2038349" cy="2324099"/>
+          </a:xfrm>
+          <a:prstGeom prst="rect">
+            <a:avLst/>
+          </a:prstGeom>
+        </p:spPr>
+      </p:pic>
+      <p:cxnSp>
+        <p:nvCxnSpPr>
+          <p:cNvPr id="27" name="" hidden="0"/>
+          <p:cNvCxnSpPr>
+            <a:cxnSpLocks/>
+          </p:cNvCxnSpPr>
+          <p:nvPr isPhoto="0" userDrawn="0"/>
+        </p:nvCxnSpPr>
+        <p:spPr bwMode="auto">
+          <a:xfrm rot="0" flipH="0" flipV="1">
+            <a:off x="5176838" y="3413749"/>
+            <a:ext cx="1609069" cy="643028"/>
+          </a:xfrm>
+          <a:prstGeom prst="line">
+            <a:avLst/>
+          </a:prstGeom>
+          <a:ln w="38099" cap="flat" cmpd="sng" algn="ctr">
+            <a:solidFill>
+              <a:srgbClr val="FF0000"/>
+            </a:solidFill>
+            <a:prstDash val="solid"/>
+            <a:miter/>
+            <a:tailEnd type="arrow" len="med"/>
+          </a:ln>
+        </p:spPr>
+        <p:style>
+          <a:lnRef idx="1">
+            <a:schemeClr val="accent1">
+              <a:shade val="50000"/>
+            </a:schemeClr>
+          </a:lnRef>
+          <a:fillRef idx="0">
+            <a:schemeClr val="accent1"/>
+          </a:fillRef>
+          <a:effectRef idx="0">
+            <a:schemeClr val="accent1"/>
+          </a:effectRef>
+          <a:fontRef idx="minor">
+            <a:schemeClr val="tx1"/>
+          </a:fontRef>
+        </p:style>
+      </p:cxnSp>
     </p:spTree>
   </p:cSld>
   <p:clrMapOvr>

--- a/B_Pandas_tips/Assets/Pandas_Tricks_Slides.pptx
+++ b/B_Pandas_tips/Assets/Pandas_Tricks_Slides.pptx
@@ -12,6 +12,7 @@
     <p:sldId id="260" r:id="rId7"/>
     <p:sldId id="261" r:id="rId8"/>
     <p:sldId id="262" r:id="rId9"/>
+    <p:sldId id="263" r:id="rId10"/>
   </p:sldIdLst>
   <p:sldSz cx="12192000" cy="6858000"/>
   <p:notesSz cx="6858000" cy="12192000"/>
@@ -6881,7 +6882,7 @@
         </p:nvPicPr>
         <p:blipFill>
           <a:blip r:embed="rId5"/>
-          <a:srcRect l="0" t="-4396" r="12290" b="0"/>
+          <a:srcRect l="0" t="-4396" r="12289" b="0"/>
           <a:stretch/>
         </p:blipFill>
         <p:spPr bwMode="auto">
@@ -7367,7 +7368,7 @@
         </p:nvSpPr>
         <p:spPr bwMode="auto">
           <a:xfrm>
-            <a:off x="13978218" y="7622914"/>
+            <a:off x="13978218" y="7622913"/>
             <a:ext cx="254916" cy="365795"/>
           </a:xfrm>
         </p:spPr>
@@ -7549,7 +7550,7 @@
         <p:spPr bwMode="auto">
           <a:xfrm>
             <a:off x="6898408" y="1970568"/>
-            <a:ext cx="2038349" cy="2324099"/>
+            <a:ext cx="2038349" cy="2324098"/>
           </a:xfrm>
           <a:prstGeom prst="rect">
             <a:avLst/>
@@ -7598,6 +7599,390 @@
           </a:fontRef>
         </p:style>
       </p:cxnSp>
+    </p:spTree>
+  </p:cSld>
+  <p:clrMapOvr>
+    <a:masterClrMapping/>
+  </p:clrMapOvr>
+  <mc:AlternateContent xmlns:mc="http://schemas.openxmlformats.org/markup-compatibility/2006">
+    <mc:Choice xmlns:p14="http://schemas.microsoft.com/office/powerpoint/2010/main" Requires="p14">
+      <p:transition p14:dur="2000" advClick="1"/>
+    </mc:Choice>
+    <mc:Fallback>
+      <p:transition advClick="1"/>
+    </mc:Fallback>
+  </mc:AlternateContent>
+</p:sld>
+</file>
+
+<file path=ppt/slides/slide8.xml><?xml version="1.0" encoding="utf-8"?>
+<p:sld xmlns:a="http://schemas.openxmlformats.org/drawingml/2006/main" xmlns:r="http://schemas.openxmlformats.org/officeDocument/2006/relationships" xmlns:p="http://schemas.openxmlformats.org/presentationml/2006/main" xmlns:m="http://schemas.openxmlformats.org/officeDocument/2006/math" xmlns:w="http://schemas.openxmlformats.org/wordprocessingml/2006/main" showMasterPhAnim="0" show="1">
+  <p:cSld name="">
+    <p:spTree>
+      <p:nvGrpSpPr>
+        <p:cNvPr id="1" name="" hidden="0"/>
+        <p:cNvGrpSpPr/>
+        <p:nvPr isPhoto="0" userDrawn="0"/>
+      </p:nvGrpSpPr>
+      <p:grpSpPr bwMode="auto">
+        <a:xfrm>
+          <a:off x="0" y="0"/>
+          <a:ext cx="0" cy="0"/>
+          <a:chOff x="0" y="0"/>
+          <a:chExt cx="0" cy="0"/>
+        </a:xfrm>
+      </p:grpSpPr>
+      <p:pic>
+        <p:nvPicPr>
+          <p:cNvPr id="4" name="" hidden="0"/>
+          <p:cNvPicPr>
+            <a:picLocks noChangeAspect="1"/>
+          </p:cNvPicPr>
+          <p:nvPr isPhoto="0" userDrawn="0"/>
+        </p:nvPicPr>
+        <p:blipFill>
+          <a:blip r:embed="rId2"/>
+          <a:stretch/>
+        </p:blipFill>
+        <p:spPr bwMode="auto">
+          <a:xfrm>
+            <a:off x="8100819" y="767891"/>
+            <a:ext cx="4019549" cy="5876924"/>
+          </a:xfrm>
+          <a:prstGeom prst="rect">
+            <a:avLst/>
+          </a:prstGeom>
+        </p:spPr>
+      </p:pic>
+      <p:sp>
+        <p:nvSpPr>
+          <p:cNvPr id="5" name="" hidden="0"/>
+          <p:cNvSpPr/>
+          <p:nvPr isPhoto="0" userDrawn="0"/>
+        </p:nvSpPr>
+        <p:spPr bwMode="auto">
+          <a:xfrm flipH="0" flipV="0">
+            <a:off x="1482549" y="47151"/>
+            <a:ext cx="9119480" cy="523810"/>
+          </a:xfrm>
+          <a:prstGeom prst="rect">
+            <a:avLst/>
+          </a:prstGeom>
+          <a:noFill/>
+        </p:spPr>
+        <p:txBody>
+          <a:bodyPr vertOverflow="overflow" horzOverflow="clip" vert="horz" wrap="square" lIns="91440" tIns="45720" rIns="91440" bIns="45720" numCol="1" spcCol="0" rtlCol="0" fromWordArt="0" anchor="t" anchorCtr="0" forceAA="0" upright="0" compatLnSpc="0">
+            <a:noAutofit/>
+          </a:bodyPr>
+          <a:p>
+            <a:pPr algn="ctr">
+              <a:defRPr/>
+            </a:pPr>
+            <a:r>
+              <a:rPr sz="3600">
+                <a:solidFill>
+                  <a:schemeClr val="tx1">
+                    <a:lumMod val="85000"/>
+                    <a:lumOff val="15000"/>
+                  </a:schemeClr>
+                </a:solidFill>
+                <a:latin typeface="Helvetica 65 Medium"/>
+                <a:ea typeface="Helvetica 65 Medium"/>
+                <a:cs typeface="Helvetica 65 Medium"/>
+              </a:rPr>
+              <a:t>Exploding your DataFrames</a:t>
+            </a:r>
+            <a:endParaRPr sz="3600">
+              <a:solidFill>
+                <a:schemeClr val="tx1">
+                  <a:lumMod val="85000"/>
+                  <a:lumOff val="15000"/>
+                </a:schemeClr>
+              </a:solidFill>
+              <a:latin typeface="Helvetica 65 Medium"/>
+              <a:ea typeface="Helvetica 65 Medium"/>
+              <a:cs typeface="Helvetica 65 Medium"/>
+            </a:endParaRPr>
+          </a:p>
+        </p:txBody>
+      </p:sp>
+      <p:sp>
+        <p:nvSpPr>
+          <p:cNvPr id="6" name="" hidden="0"/>
+          <p:cNvSpPr/>
+          <p:nvPr isPhoto="0" userDrawn="0"/>
+        </p:nvSpPr>
+        <p:spPr bwMode="auto">
+          <a:xfrm flipH="0" flipV="0">
+            <a:off x="11743142" y="6512301"/>
+            <a:ext cx="471258" cy="365787"/>
+          </a:xfrm>
+          <a:prstGeom prst="rect">
+            <a:avLst/>
+          </a:prstGeom>
+          <a:noFill/>
+        </p:spPr>
+        <p:txBody>
+          <a:bodyPr vertOverflow="overflow" horzOverflow="clip" vert="horz" wrap="square" lIns="91440" tIns="45720" rIns="91440" bIns="45720" numCol="1" spcCol="0" rtlCol="0" fromWordArt="0" anchor="t" anchorCtr="0" forceAA="0" upright="0" compatLnSpc="0">
+            <a:noAutofit/>
+          </a:bodyPr>
+          <a:p>
+            <a:pPr algn="r">
+              <a:defRPr/>
+            </a:pPr>
+            <a:r>
+              <a:rPr>
+                <a:solidFill>
+                  <a:schemeClr val="tx1">
+                    <a:lumMod val="75000"/>
+                    <a:lumOff val="25000"/>
+                  </a:schemeClr>
+                </a:solidFill>
+              </a:rPr>
+              <a:t>#8</a:t>
+            </a:r>
+            <a:endParaRPr/>
+          </a:p>
+        </p:txBody>
+      </p:sp>
+      <p:sp>
+        <p:nvSpPr>
+          <p:cNvPr id="7" name="" hidden="0"/>
+          <p:cNvSpPr/>
+          <p:nvPr isPhoto="0" userDrawn="0"/>
+        </p:nvSpPr>
+        <p:spPr bwMode="auto">
+          <a:xfrm>
+            <a:off x="6034708" y="8035641"/>
+            <a:ext cx="254916" cy="365791"/>
+          </a:xfrm>
+        </p:spPr>
+        <p:txBody>
+          <a:bodyPr rot="0" spcFirstLastPara="0" vertOverflow="overflow" horzOverflow="clip" vert="horz" wrap="square" lIns="91440" tIns="45720" rIns="91440" bIns="45720" numCol="1" spcCol="0" rtlCol="0" fromWordArt="0" anchor="t" anchorCtr="0" forceAA="0" upright="0" compatLnSpc="1">
+            <a:prstTxWarp prst="textNoShape"/>
+            <a:spAutoFit/>
+          </a:bodyPr>
+          <a:p>
+            <a:pPr>
+              <a:defRPr/>
+            </a:pPr>
+            <a:endParaRPr/>
+          </a:p>
+        </p:txBody>
+      </p:sp>
+      <p:sp>
+        <p:nvSpPr>
+          <p:cNvPr id="8" name="" hidden="0"/>
+          <p:cNvSpPr/>
+          <p:nvPr isPhoto="0" userDrawn="0"/>
+        </p:nvSpPr>
+        <p:spPr bwMode="auto">
+          <a:xfrm>
+            <a:off x="6022958" y="8468721"/>
+            <a:ext cx="254916" cy="365792"/>
+          </a:xfrm>
+        </p:spPr>
+        <p:txBody>
+          <a:bodyPr rot="0" spcFirstLastPara="0" vertOverflow="overflow" horzOverflow="clip" vert="horz" wrap="square" lIns="91440" tIns="45720" rIns="91440" bIns="45720" numCol="1" spcCol="0" rtlCol="0" fromWordArt="0" anchor="t" anchorCtr="0" forceAA="0" upright="0" compatLnSpc="1">
+            <a:prstTxWarp prst="textNoShape"/>
+            <a:spAutoFit/>
+          </a:bodyPr>
+          <a:p>
+            <a:pPr>
+              <a:defRPr/>
+            </a:pPr>
+            <a:endParaRPr/>
+          </a:p>
+        </p:txBody>
+      </p:sp>
+      <p:sp>
+        <p:nvSpPr>
+          <p:cNvPr id="9" name="" hidden="0"/>
+          <p:cNvSpPr/>
+          <p:nvPr isPhoto="0" userDrawn="0"/>
+        </p:nvSpPr>
+        <p:spPr bwMode="auto">
+          <a:xfrm flipH="0" flipV="0">
+            <a:off x="6022958" y="8651619"/>
+            <a:ext cx="247342" cy="317865"/>
+          </a:xfrm>
+        </p:spPr>
+        <p:txBody>
+          <a:bodyPr rot="0" spcFirstLastPara="0" vertOverflow="overflow" horzOverflow="clip" vert="horz" wrap="square" lIns="91440" tIns="45720" rIns="91440" bIns="45720" numCol="1" spcCol="0" rtlCol="0" fromWordArt="0" anchor="t" anchorCtr="0" forceAA="0" upright="0" compatLnSpc="1">
+            <a:prstTxWarp prst="textNoShape"/>
+            <a:noAutofit/>
+          </a:bodyPr>
+          <a:p>
+            <a:pPr>
+              <a:defRPr/>
+            </a:pPr>
+            <a:endParaRPr/>
+          </a:p>
+        </p:txBody>
+      </p:sp>
+      <p:sp>
+        <p:nvSpPr>
+          <p:cNvPr id="10" name="" hidden="0"/>
+          <p:cNvSpPr/>
+          <p:nvPr isPhoto="0" userDrawn="0"/>
+        </p:nvSpPr>
+        <p:spPr bwMode="auto">
+          <a:xfrm>
+            <a:off x="11723852" y="8810550"/>
+            <a:ext cx="254916" cy="365793"/>
+          </a:xfrm>
+        </p:spPr>
+        <p:txBody>
+          <a:bodyPr rot="0" spcFirstLastPara="0" vertOverflow="overflow" horzOverflow="clip" vert="horz" wrap="square" lIns="91440" tIns="45720" rIns="91440" bIns="45720" numCol="1" spcCol="0" rtlCol="0" fromWordArt="0" anchor="t" anchorCtr="0" forceAA="0" upright="0" compatLnSpc="1">
+            <a:prstTxWarp prst="textNoShape"/>
+            <a:spAutoFit/>
+          </a:bodyPr>
+          <a:p>
+            <a:pPr>
+              <a:defRPr/>
+            </a:pPr>
+            <a:endParaRPr/>
+          </a:p>
+        </p:txBody>
+      </p:sp>
+      <p:sp>
+        <p:nvSpPr>
+          <p:cNvPr id="11" name="" hidden="0"/>
+          <p:cNvSpPr/>
+          <p:nvPr isPhoto="0" userDrawn="0"/>
+        </p:nvSpPr>
+        <p:spPr bwMode="auto">
+          <a:xfrm>
+            <a:off x="6096016" y="7880331"/>
+            <a:ext cx="254916" cy="365794"/>
+          </a:xfrm>
+        </p:spPr>
+        <p:txBody>
+          <a:bodyPr rot="0" spcFirstLastPara="0" vertOverflow="overflow" horzOverflow="clip" vert="horz" wrap="square" lIns="91440" tIns="45720" rIns="91440" bIns="45720" numCol="1" spcCol="0" rtlCol="0" fromWordArt="0" anchor="t" anchorCtr="0" forceAA="0" upright="0" compatLnSpc="1">
+            <a:prstTxWarp prst="textNoShape"/>
+            <a:spAutoFit/>
+          </a:bodyPr>
+          <a:p>
+            <a:pPr>
+              <a:defRPr/>
+            </a:pPr>
+            <a:endParaRPr/>
+          </a:p>
+        </p:txBody>
+      </p:sp>
+      <p:sp>
+        <p:nvSpPr>
+          <p:cNvPr id="12" name="" hidden="0"/>
+          <p:cNvSpPr/>
+          <p:nvPr isPhoto="0" userDrawn="0"/>
+        </p:nvSpPr>
+        <p:spPr bwMode="auto">
+          <a:xfrm>
+            <a:off x="13978218" y="7622912"/>
+            <a:ext cx="254916" cy="365794"/>
+          </a:xfrm>
+        </p:spPr>
+        <p:txBody>
+          <a:bodyPr rot="0" spcFirstLastPara="0" vertOverflow="overflow" horzOverflow="clip" vert="horz" wrap="square" lIns="91440" tIns="45720" rIns="91440" bIns="45720" numCol="1" spcCol="0" rtlCol="0" fromWordArt="0" anchor="t" anchorCtr="0" forceAA="0" upright="0" compatLnSpc="1">
+            <a:prstTxWarp prst="textNoShape"/>
+            <a:spAutoFit/>
+          </a:bodyPr>
+          <a:p>
+            <a:pPr>
+              <a:defRPr/>
+            </a:pPr>
+            <a:endParaRPr/>
+          </a:p>
+        </p:txBody>
+      </p:sp>
+      <p:pic>
+        <p:nvPicPr>
+          <p:cNvPr id="13" name="" hidden="0"/>
+          <p:cNvPicPr>
+            <a:picLocks noChangeAspect="1"/>
+          </p:cNvPicPr>
+          <p:nvPr isPhoto="0" userDrawn="0"/>
+        </p:nvPicPr>
+        <p:blipFill>
+          <a:blip r:embed="rId3"/>
+          <a:stretch/>
+        </p:blipFill>
+        <p:spPr bwMode="auto">
+          <a:xfrm>
+            <a:off x="144096" y="792175"/>
+            <a:ext cx="7305674" cy="2867024"/>
+          </a:xfrm>
+          <a:prstGeom prst="rect">
+            <a:avLst/>
+          </a:prstGeom>
+        </p:spPr>
+      </p:pic>
+      <p:pic>
+        <p:nvPicPr>
+          <p:cNvPr id="14" name="" hidden="0"/>
+          <p:cNvPicPr>
+            <a:picLocks noChangeAspect="1"/>
+          </p:cNvPicPr>
+          <p:nvPr isPhoto="0" userDrawn="0"/>
+        </p:nvPicPr>
+        <p:blipFill>
+          <a:blip r:embed="rId4"/>
+          <a:stretch/>
+        </p:blipFill>
+        <p:spPr bwMode="auto">
+          <a:xfrm>
+            <a:off x="139117" y="3659200"/>
+            <a:ext cx="7286625" cy="3095624"/>
+          </a:xfrm>
+          <a:prstGeom prst="rect">
+            <a:avLst/>
+          </a:prstGeom>
+        </p:spPr>
+      </p:pic>
+      <p:pic>
+        <p:nvPicPr>
+          <p:cNvPr id="15" name="" hidden="0"/>
+          <p:cNvPicPr>
+            <a:picLocks noChangeAspect="1"/>
+          </p:cNvPicPr>
+          <p:nvPr isPhoto="0" userDrawn="0"/>
+        </p:nvPicPr>
+        <p:blipFill>
+          <a:blip r:embed="rId5"/>
+          <a:stretch/>
+        </p:blipFill>
+        <p:spPr bwMode="auto">
+          <a:xfrm flipH="0" flipV="0">
+            <a:off x="3809999" y="4116905"/>
+            <a:ext cx="3210256" cy="2936654"/>
+          </a:xfrm>
+          <a:prstGeom prst="rect">
+            <a:avLst/>
+          </a:prstGeom>
+        </p:spPr>
+      </p:pic>
+      <p:pic>
+        <p:nvPicPr>
+          <p:cNvPr id="16" name="" hidden="0"/>
+          <p:cNvPicPr>
+            <a:picLocks noChangeAspect="1"/>
+          </p:cNvPicPr>
+          <p:nvPr isPhoto="0" userDrawn="0"/>
+        </p:nvPicPr>
+        <p:blipFill>
+          <a:blip r:embed="rId6"/>
+          <a:stretch/>
+        </p:blipFill>
+        <p:spPr bwMode="auto">
+          <a:xfrm rot="0" flipH="0" flipV="0">
+            <a:off x="3179877" y="3334725"/>
+            <a:ext cx="3934800" cy="237600"/>
+          </a:xfrm>
+          <a:prstGeom prst="rect">
+            <a:avLst/>
+          </a:prstGeom>
+        </p:spPr>
+      </p:pic>
     </p:spTree>
   </p:cSld>
   <p:clrMapOvr>

--- a/B_Pandas_tips/Assets/Pandas_Tricks_Slides.pptx
+++ b/B_Pandas_tips/Assets/Pandas_Tricks_Slides.pptx
@@ -13,6 +13,7 @@
     <p:sldId id="261" r:id="rId8"/>
     <p:sldId id="262" r:id="rId9"/>
     <p:sldId id="263" r:id="rId10"/>
+    <p:sldId id="264" r:id="rId11"/>
   </p:sldIdLst>
   <p:sldSz cx="12192000" cy="6858000"/>
   <p:notesSz cx="6858000" cy="12192000"/>
@@ -7754,7 +7755,7 @@
         <p:spPr bwMode="auto">
           <a:xfrm>
             <a:off x="6034708" y="8035641"/>
-            <a:ext cx="254916" cy="365791"/>
+            <a:ext cx="254916" cy="365790"/>
           </a:xfrm>
         </p:spPr>
         <p:txBody>
@@ -7983,6 +7984,702 @@
           </a:prstGeom>
         </p:spPr>
       </p:pic>
+    </p:spTree>
+  </p:cSld>
+  <p:clrMapOvr>
+    <a:masterClrMapping/>
+  </p:clrMapOvr>
+  <mc:AlternateContent xmlns:mc="http://schemas.openxmlformats.org/markup-compatibility/2006">
+    <mc:Choice xmlns:p14="http://schemas.microsoft.com/office/powerpoint/2010/main" Requires="p14">
+      <p:transition p14:dur="2000" advClick="1"/>
+    </mc:Choice>
+    <mc:Fallback>
+      <p:transition advClick="1"/>
+    </mc:Fallback>
+  </mc:AlternateContent>
+</p:sld>
+</file>
+
+<file path=ppt/slides/slide9.xml><?xml version="1.0" encoding="utf-8"?>
+<p:sld xmlns:a="http://schemas.openxmlformats.org/drawingml/2006/main" xmlns:r="http://schemas.openxmlformats.org/officeDocument/2006/relationships" xmlns:p="http://schemas.openxmlformats.org/presentationml/2006/main" xmlns:m="http://schemas.openxmlformats.org/officeDocument/2006/math" xmlns:w="http://schemas.openxmlformats.org/wordprocessingml/2006/main" showMasterPhAnim="0" show="1">
+  <p:cSld name="">
+    <p:spTree>
+      <p:nvGrpSpPr>
+        <p:cNvPr id="1" name="" hidden="0"/>
+        <p:cNvGrpSpPr/>
+        <p:nvPr isPhoto="0" userDrawn="0"/>
+      </p:nvGrpSpPr>
+      <p:grpSpPr bwMode="auto">
+        <a:xfrm>
+          <a:off x="0" y="0"/>
+          <a:ext cx="0" cy="0"/>
+          <a:chOff x="0" y="0"/>
+          <a:chExt cx="0" cy="0"/>
+        </a:xfrm>
+      </p:grpSpPr>
+      <p:sp>
+        <p:nvSpPr>
+          <p:cNvPr id="4" name="" hidden="0"/>
+          <p:cNvSpPr/>
+          <p:nvPr isPhoto="0" userDrawn="0"/>
+        </p:nvSpPr>
+        <p:spPr bwMode="auto">
+          <a:xfrm flipH="0" flipV="0">
+            <a:off x="633786" y="47151"/>
+            <a:ext cx="9119480" cy="523809"/>
+          </a:xfrm>
+          <a:prstGeom prst="rect">
+            <a:avLst/>
+          </a:prstGeom>
+          <a:noFill/>
+        </p:spPr>
+        <p:txBody>
+          <a:bodyPr vertOverflow="overflow" horzOverflow="clip" vert="horz" wrap="square" lIns="91440" tIns="45720" rIns="91440" bIns="45720" numCol="1" spcCol="0" rtlCol="0" fromWordArt="0" anchor="t" anchorCtr="0" forceAA="0" upright="0" compatLnSpc="0">
+            <a:noAutofit/>
+          </a:bodyPr>
+          <a:p>
+            <a:pPr algn="l">
+              <a:defRPr/>
+            </a:pPr>
+            <a:r>
+              <a:rPr sz="3600">
+                <a:solidFill>
+                  <a:schemeClr val="tx1">
+                    <a:lumMod val="85000"/>
+                    <a:lumOff val="15000"/>
+                  </a:schemeClr>
+                </a:solidFill>
+                <a:latin typeface="Helvetica 65 Medium"/>
+                <a:ea typeface="Helvetica 65 Medium"/>
+                <a:cs typeface="Helvetica 65 Medium"/>
+              </a:rPr>
+              <a:t>.loc[] or .query()?</a:t>
+            </a:r>
+            <a:endParaRPr sz="3600">
+              <a:solidFill>
+                <a:schemeClr val="tx1">
+                  <a:lumMod val="85000"/>
+                  <a:lumOff val="15000"/>
+                </a:schemeClr>
+              </a:solidFill>
+              <a:latin typeface="Helvetica 65 Medium"/>
+              <a:ea typeface="Helvetica 65 Medium"/>
+              <a:cs typeface="Helvetica 65 Medium"/>
+            </a:endParaRPr>
+          </a:p>
+        </p:txBody>
+      </p:sp>
+      <p:sp>
+        <p:nvSpPr>
+          <p:cNvPr id="5" name="" hidden="0"/>
+          <p:cNvSpPr/>
+          <p:nvPr isPhoto="0" userDrawn="0"/>
+        </p:nvSpPr>
+        <p:spPr bwMode="auto">
+          <a:xfrm>
+            <a:off x="6034708" y="8035641"/>
+            <a:ext cx="254916" cy="365789"/>
+          </a:xfrm>
+        </p:spPr>
+        <p:txBody>
+          <a:bodyPr rot="0" spcFirstLastPara="0" vertOverflow="overflow" horzOverflow="clip" vert="horz" wrap="square" lIns="91440" tIns="45720" rIns="91440" bIns="45720" numCol="1" spcCol="0" rtlCol="0" fromWordArt="0" anchor="t" anchorCtr="0" forceAA="0" upright="0" compatLnSpc="1">
+            <a:prstTxWarp prst="textNoShape"/>
+            <a:spAutoFit/>
+          </a:bodyPr>
+          <a:p>
+            <a:pPr>
+              <a:defRPr/>
+            </a:pPr>
+            <a:endParaRPr/>
+          </a:p>
+        </p:txBody>
+      </p:sp>
+      <p:sp>
+        <p:nvSpPr>
+          <p:cNvPr id="6" name="" hidden="0"/>
+          <p:cNvSpPr/>
+          <p:nvPr isPhoto="0" userDrawn="0"/>
+        </p:nvSpPr>
+        <p:spPr bwMode="auto">
+          <a:xfrm>
+            <a:off x="6022958" y="8468721"/>
+            <a:ext cx="254916" cy="365791"/>
+          </a:xfrm>
+        </p:spPr>
+        <p:txBody>
+          <a:bodyPr rot="0" spcFirstLastPara="0" vertOverflow="overflow" horzOverflow="clip" vert="horz" wrap="square" lIns="91440" tIns="45720" rIns="91440" bIns="45720" numCol="1" spcCol="0" rtlCol="0" fromWordArt="0" anchor="t" anchorCtr="0" forceAA="0" upright="0" compatLnSpc="1">
+            <a:prstTxWarp prst="textNoShape"/>
+            <a:spAutoFit/>
+          </a:bodyPr>
+          <a:p>
+            <a:pPr>
+              <a:defRPr/>
+            </a:pPr>
+            <a:endParaRPr/>
+          </a:p>
+        </p:txBody>
+      </p:sp>
+      <p:sp>
+        <p:nvSpPr>
+          <p:cNvPr id="7" name="" hidden="0"/>
+          <p:cNvSpPr/>
+          <p:nvPr isPhoto="0" userDrawn="0"/>
+        </p:nvSpPr>
+        <p:spPr bwMode="auto">
+          <a:xfrm flipH="0" flipV="0">
+            <a:off x="6022958" y="8651619"/>
+            <a:ext cx="247341" cy="317864"/>
+          </a:xfrm>
+        </p:spPr>
+        <p:txBody>
+          <a:bodyPr rot="0" spcFirstLastPara="0" vertOverflow="overflow" horzOverflow="clip" vert="horz" wrap="square" lIns="91440" tIns="45720" rIns="91440" bIns="45720" numCol="1" spcCol="0" rtlCol="0" fromWordArt="0" anchor="t" anchorCtr="0" forceAA="0" upright="0" compatLnSpc="1">
+            <a:prstTxWarp prst="textNoShape"/>
+            <a:noAutofit/>
+          </a:bodyPr>
+          <a:p>
+            <a:pPr>
+              <a:defRPr/>
+            </a:pPr>
+            <a:endParaRPr/>
+          </a:p>
+        </p:txBody>
+      </p:sp>
+      <p:sp>
+        <p:nvSpPr>
+          <p:cNvPr id="8" name="" hidden="0"/>
+          <p:cNvSpPr/>
+          <p:nvPr isPhoto="0" userDrawn="0"/>
+        </p:nvSpPr>
+        <p:spPr bwMode="auto">
+          <a:xfrm>
+            <a:off x="11723852" y="8810550"/>
+            <a:ext cx="254916" cy="365792"/>
+          </a:xfrm>
+        </p:spPr>
+        <p:txBody>
+          <a:bodyPr rot="0" spcFirstLastPara="0" vertOverflow="overflow" horzOverflow="clip" vert="horz" wrap="square" lIns="91440" tIns="45720" rIns="91440" bIns="45720" numCol="1" spcCol="0" rtlCol="0" fromWordArt="0" anchor="t" anchorCtr="0" forceAA="0" upright="0" compatLnSpc="1">
+            <a:prstTxWarp prst="textNoShape"/>
+            <a:spAutoFit/>
+          </a:bodyPr>
+          <a:p>
+            <a:pPr>
+              <a:defRPr/>
+            </a:pPr>
+            <a:endParaRPr/>
+          </a:p>
+        </p:txBody>
+      </p:sp>
+      <p:sp>
+        <p:nvSpPr>
+          <p:cNvPr id="9" name="" hidden="0"/>
+          <p:cNvSpPr/>
+          <p:nvPr isPhoto="0" userDrawn="0"/>
+        </p:nvSpPr>
+        <p:spPr bwMode="auto">
+          <a:xfrm>
+            <a:off x="6096016" y="7880330"/>
+            <a:ext cx="254916" cy="365793"/>
+          </a:xfrm>
+        </p:spPr>
+        <p:txBody>
+          <a:bodyPr rot="0" spcFirstLastPara="0" vertOverflow="overflow" horzOverflow="clip" vert="horz" wrap="square" lIns="91440" tIns="45720" rIns="91440" bIns="45720" numCol="1" spcCol="0" rtlCol="0" fromWordArt="0" anchor="t" anchorCtr="0" forceAA="0" upright="0" compatLnSpc="1">
+            <a:prstTxWarp prst="textNoShape"/>
+            <a:spAutoFit/>
+          </a:bodyPr>
+          <a:p>
+            <a:pPr>
+              <a:defRPr/>
+            </a:pPr>
+            <a:endParaRPr/>
+          </a:p>
+        </p:txBody>
+      </p:sp>
+      <p:sp>
+        <p:nvSpPr>
+          <p:cNvPr id="10" name="" hidden="0"/>
+          <p:cNvSpPr/>
+          <p:nvPr isPhoto="0" userDrawn="0"/>
+        </p:nvSpPr>
+        <p:spPr bwMode="auto">
+          <a:xfrm>
+            <a:off x="13978218" y="7622911"/>
+            <a:ext cx="254916" cy="365793"/>
+          </a:xfrm>
+        </p:spPr>
+        <p:txBody>
+          <a:bodyPr rot="0" spcFirstLastPara="0" vertOverflow="overflow" horzOverflow="clip" vert="horz" wrap="square" lIns="91440" tIns="45720" rIns="91440" bIns="45720" numCol="1" spcCol="0" rtlCol="0" fromWordArt="0" anchor="t" anchorCtr="0" forceAA="0" upright="0" compatLnSpc="1">
+            <a:prstTxWarp prst="textNoShape"/>
+            <a:spAutoFit/>
+          </a:bodyPr>
+          <a:p>
+            <a:pPr>
+              <a:defRPr/>
+            </a:pPr>
+            <a:endParaRPr/>
+          </a:p>
+        </p:txBody>
+      </p:sp>
+      <p:pic>
+        <p:nvPicPr>
+          <p:cNvPr id="11" name="" hidden="0"/>
+          <p:cNvPicPr>
+            <a:picLocks noChangeAspect="1"/>
+          </p:cNvPicPr>
+          <p:nvPr isPhoto="0" userDrawn="0"/>
+        </p:nvPicPr>
+        <p:blipFill>
+          <a:blip r:embed="rId2"/>
+          <a:stretch/>
+        </p:blipFill>
+        <p:spPr bwMode="auto">
+          <a:xfrm>
+            <a:off x="4903960" y="0"/>
+            <a:ext cx="7229475" cy="2876549"/>
+          </a:xfrm>
+          <a:prstGeom prst="rect">
+            <a:avLst/>
+          </a:prstGeom>
+        </p:spPr>
+      </p:pic>
+      <p:pic>
+        <p:nvPicPr>
+          <p:cNvPr id="12" name="" hidden="0"/>
+          <p:cNvPicPr>
+            <a:picLocks noChangeAspect="1"/>
+          </p:cNvPicPr>
+          <p:nvPr isPhoto="0" userDrawn="0"/>
+        </p:nvPicPr>
+        <p:blipFill>
+          <a:blip r:embed="rId3"/>
+          <a:stretch/>
+        </p:blipFill>
+        <p:spPr bwMode="auto">
+          <a:xfrm>
+            <a:off x="4018135" y="2923703"/>
+            <a:ext cx="8115300" cy="1504949"/>
+          </a:xfrm>
+          <a:prstGeom prst="rect">
+            <a:avLst/>
+          </a:prstGeom>
+        </p:spPr>
+      </p:pic>
+      <p:pic>
+        <p:nvPicPr>
+          <p:cNvPr id="13" name="" hidden="0"/>
+          <p:cNvPicPr>
+            <a:picLocks noChangeAspect="1"/>
+          </p:cNvPicPr>
+          <p:nvPr isPhoto="0" userDrawn="0"/>
+        </p:nvPicPr>
+        <p:blipFill>
+          <a:blip r:embed="rId4"/>
+          <a:stretch/>
+        </p:blipFill>
+        <p:spPr bwMode="auto">
+          <a:xfrm>
+            <a:off x="4018135" y="4416204"/>
+            <a:ext cx="8115300" cy="1009649"/>
+          </a:xfrm>
+          <a:prstGeom prst="rect">
+            <a:avLst/>
+          </a:prstGeom>
+        </p:spPr>
+      </p:pic>
+      <p:pic>
+        <p:nvPicPr>
+          <p:cNvPr id="14" name="" hidden="0"/>
+          <p:cNvPicPr>
+            <a:picLocks noChangeAspect="1"/>
+          </p:cNvPicPr>
+          <p:nvPr isPhoto="0" userDrawn="0"/>
+        </p:nvPicPr>
+        <p:blipFill>
+          <a:blip r:embed="rId5"/>
+          <a:stretch/>
+        </p:blipFill>
+        <p:spPr bwMode="auto">
+          <a:xfrm>
+            <a:off x="4018135" y="5473008"/>
+            <a:ext cx="8096249" cy="1171575"/>
+          </a:xfrm>
+          <a:prstGeom prst="rect">
+            <a:avLst/>
+          </a:prstGeom>
+        </p:spPr>
+      </p:pic>
+      <p:sp>
+        <p:nvSpPr>
+          <p:cNvPr id="15" name="" hidden="0"/>
+          <p:cNvSpPr/>
+          <p:nvPr isPhoto="0" userDrawn="0"/>
+        </p:nvSpPr>
+        <p:spPr bwMode="auto">
+          <a:xfrm flipH="0" flipV="0">
+            <a:off x="11743142" y="6512301"/>
+            <a:ext cx="471258" cy="365787"/>
+          </a:xfrm>
+          <a:prstGeom prst="rect">
+            <a:avLst/>
+          </a:prstGeom>
+          <a:noFill/>
+        </p:spPr>
+        <p:txBody>
+          <a:bodyPr vertOverflow="overflow" horzOverflow="clip" vert="horz" wrap="square" lIns="91440" tIns="45720" rIns="91440" bIns="45720" numCol="1" spcCol="0" rtlCol="0" fromWordArt="0" anchor="t" anchorCtr="0" forceAA="0" upright="0" compatLnSpc="0">
+            <a:noAutofit/>
+          </a:bodyPr>
+          <a:p>
+            <a:pPr algn="r">
+              <a:defRPr/>
+            </a:pPr>
+            <a:r>
+              <a:rPr>
+                <a:solidFill>
+                  <a:schemeClr val="tx1">
+                    <a:lumMod val="75000"/>
+                    <a:lumOff val="25000"/>
+                  </a:schemeClr>
+                </a:solidFill>
+              </a:rPr>
+              <a:t>#9</a:t>
+            </a:r>
+            <a:endParaRPr/>
+          </a:p>
+        </p:txBody>
+      </p:sp>
+      <p:pic>
+        <p:nvPicPr>
+          <p:cNvPr id="16" name="" hidden="0"/>
+          <p:cNvPicPr>
+            <a:picLocks noChangeAspect="1"/>
+          </p:cNvPicPr>
+          <p:nvPr isPhoto="0" userDrawn="0"/>
+        </p:nvPicPr>
+        <p:blipFill>
+          <a:blip r:embed="rId6"/>
+          <a:stretch/>
+        </p:blipFill>
+        <p:spPr bwMode="auto">
+          <a:xfrm rot="0" flipH="0" flipV="0">
+            <a:off x="4383532" y="3784165"/>
+            <a:ext cx="3934800" cy="237600"/>
+          </a:xfrm>
+          <a:prstGeom prst="rect">
+            <a:avLst/>
+          </a:prstGeom>
+        </p:spPr>
+      </p:pic>
+      <p:sp>
+        <p:nvSpPr>
+          <p:cNvPr id="17" name="" hidden="0"/>
+          <p:cNvSpPr/>
+          <p:nvPr isPhoto="0" userDrawn="0"/>
+        </p:nvSpPr>
+        <p:spPr bwMode="auto">
+          <a:xfrm flipH="0" flipV="0">
+            <a:off x="3991113" y="4060320"/>
+            <a:ext cx="961930" cy="377226"/>
+          </a:xfrm>
+          <a:prstGeom prst="ellipse">
+            <a:avLst/>
+          </a:prstGeom>
+          <a:noFill/>
+          <a:ln w="28575" cap="flat" cmpd="sng" algn="ctr">
+            <a:solidFill>
+              <a:srgbClr val="FF0000"/>
+            </a:solidFill>
+            <a:prstDash val="solid"/>
+            <a:miter/>
+          </a:ln>
+        </p:spPr>
+        <p:style>
+          <a:lnRef idx="2">
+            <a:schemeClr val="accent1">
+              <a:shade val="50000"/>
+            </a:schemeClr>
+          </a:lnRef>
+          <a:fillRef idx="1">
+            <a:schemeClr val="accent1"/>
+          </a:fillRef>
+          <a:effectRef idx="0">
+            <a:schemeClr val="accent1"/>
+          </a:effectRef>
+          <a:fontRef idx="minor">
+            <a:schemeClr val="lt1"/>
+          </a:fontRef>
+        </p:style>
+      </p:sp>
+      <p:cxnSp>
+        <p:nvCxnSpPr>
+          <p:cNvPr id="18" name="" hidden="0"/>
+          <p:cNvCxnSpPr>
+            <a:cxnSpLocks/>
+          </p:cNvCxnSpPr>
+          <p:nvPr isPhoto="0" userDrawn="0"/>
+        </p:nvCxnSpPr>
+        <p:spPr bwMode="auto">
+          <a:xfrm rot="10799956" flipH="0" flipV="0">
+            <a:off x="2425618" y="3676175"/>
+            <a:ext cx="1565493" cy="556409"/>
+          </a:xfrm>
+          <a:prstGeom prst="line">
+            <a:avLst/>
+          </a:prstGeom>
+          <a:ln w="28575" cap="flat" cmpd="sng" algn="ctr">
+            <a:solidFill>
+              <a:srgbClr val="FF0000"/>
+            </a:solidFill>
+            <a:prstDash val="solid"/>
+            <a:miter/>
+            <a:tailEnd type="arrow" len="med"/>
+          </a:ln>
+        </p:spPr>
+        <p:style>
+          <a:lnRef idx="1">
+            <a:schemeClr val="accent1">
+              <a:shade val="50000"/>
+            </a:schemeClr>
+          </a:lnRef>
+          <a:fillRef idx="0">
+            <a:schemeClr val="accent1"/>
+          </a:fillRef>
+          <a:effectRef idx="0">
+            <a:schemeClr val="accent1"/>
+          </a:effectRef>
+          <a:fontRef idx="minor">
+            <a:schemeClr val="tx1"/>
+          </a:fontRef>
+        </p:style>
+      </p:cxnSp>
+      <p:sp>
+        <p:nvSpPr>
+          <p:cNvPr id="19" name="" hidden="0"/>
+          <p:cNvSpPr/>
+          <p:nvPr isPhoto="0" userDrawn="0"/>
+        </p:nvSpPr>
+        <p:spPr bwMode="auto">
+          <a:xfrm flipH="0" flipV="0">
+            <a:off x="558340" y="3239830"/>
+            <a:ext cx="2084181" cy="822994"/>
+          </a:xfrm>
+          <a:prstGeom prst="rect">
+            <a:avLst/>
+          </a:prstGeom>
+          <a:noFill/>
+        </p:spPr>
+        <p:txBody>
+          <a:bodyPr vertOverflow="overflow" horzOverflow="clip" vert="horz" wrap="square" lIns="91440" tIns="45720" rIns="91440" bIns="45720" numCol="1" spcCol="0" rtlCol="0" fromWordArt="0" anchor="t" anchorCtr="0" forceAA="0" upright="0" compatLnSpc="0">
+            <a:noAutofit/>
+          </a:bodyPr>
+          <a:p>
+            <a:pPr>
+              <a:defRPr/>
+            </a:pPr>
+            <a:r>
+              <a:rPr sz="3600">
+                <a:latin typeface="Helvetica 65 Medium"/>
+                <a:ea typeface="Helvetica 65 Medium"/>
+                <a:cs typeface="Helvetica 65 Medium"/>
+              </a:rPr>
+              <a:t>9.64</a:t>
+            </a:r>
+            <a:r>
+              <a:rPr sz="3600">
+                <a:solidFill>
+                  <a:schemeClr val="tx1">
+                    <a:lumMod val="85000"/>
+                    <a:lumOff val="15000"/>
+                  </a:schemeClr>
+                </a:solidFill>
+                <a:latin typeface="Helvetica 65 Medium"/>
+                <a:ea typeface="Helvetica 65 Medium"/>
+                <a:cs typeface="Helvetica 65 Medium"/>
+              </a:rPr>
+              <a:t> m</a:t>
+            </a:r>
+            <a:r>
+              <a:rPr sz="3600" b="0" i="0" u="none">
+                <a:solidFill>
+                  <a:schemeClr val="tx1">
+                    <a:lumMod val="85000"/>
+                    <a:lumOff val="15000"/>
+                  </a:schemeClr>
+                </a:solidFill>
+                <a:latin typeface="Helvetica 65 Medium"/>
+                <a:ea typeface="Helvetica 65 Medium"/>
+                <a:cs typeface="Helvetica 65 Medium"/>
+              </a:rPr>
+              <a:t>s</a:t>
+            </a:r>
+            <a:endParaRPr sz="3600">
+              <a:solidFill>
+                <a:schemeClr val="tx1">
+                  <a:lumMod val="85000"/>
+                  <a:lumOff val="15000"/>
+                </a:schemeClr>
+              </a:solidFill>
+              <a:latin typeface="Helvetica 65 Medium"/>
+              <a:ea typeface="Helvetica 65 Medium"/>
+              <a:cs typeface="Helvetica 65 Medium"/>
+            </a:endParaRPr>
+          </a:p>
+        </p:txBody>
+      </p:sp>
+      <p:sp>
+        <p:nvSpPr>
+          <p:cNvPr id="20" name="" hidden="0"/>
+          <p:cNvSpPr/>
+          <p:nvPr isPhoto="0" userDrawn="0"/>
+        </p:nvSpPr>
+        <p:spPr bwMode="auto">
+          <a:xfrm flipH="0" flipV="0">
+            <a:off x="3991113" y="5097696"/>
+            <a:ext cx="961929" cy="377226"/>
+          </a:xfrm>
+          <a:prstGeom prst="ellipse">
+            <a:avLst/>
+          </a:prstGeom>
+          <a:noFill/>
+          <a:ln w="28575" cap="flat" cmpd="sng" algn="ctr">
+            <a:solidFill>
+              <a:srgbClr val="FF0000"/>
+            </a:solidFill>
+            <a:prstDash val="solid"/>
+            <a:miter/>
+          </a:ln>
+        </p:spPr>
+        <p:style>
+          <a:lnRef idx="2">
+            <a:schemeClr val="accent1">
+              <a:shade val="50000"/>
+            </a:schemeClr>
+          </a:lnRef>
+          <a:fillRef idx="1">
+            <a:schemeClr val="accent1"/>
+          </a:fillRef>
+          <a:effectRef idx="0">
+            <a:schemeClr val="accent1"/>
+          </a:effectRef>
+          <a:fontRef idx="minor">
+            <a:schemeClr val="lt1"/>
+          </a:fontRef>
+        </p:style>
+      </p:sp>
+      <p:cxnSp>
+        <p:nvCxnSpPr>
+          <p:cNvPr id="21" name="" hidden="0"/>
+          <p:cNvCxnSpPr>
+            <a:cxnSpLocks/>
+          </p:cNvCxnSpPr>
+          <p:nvPr isPhoto="0" userDrawn="0"/>
+        </p:nvCxnSpPr>
+        <p:spPr bwMode="auto">
+          <a:xfrm rot="10799956" flipH="0" flipV="0">
+            <a:off x="2425617" y="4713550"/>
+            <a:ext cx="1565493" cy="556409"/>
+          </a:xfrm>
+          <a:prstGeom prst="line">
+            <a:avLst/>
+          </a:prstGeom>
+          <a:ln w="28575" cap="flat" cmpd="sng" algn="ctr">
+            <a:solidFill>
+              <a:srgbClr val="FF0000"/>
+            </a:solidFill>
+            <a:prstDash val="solid"/>
+            <a:miter/>
+            <a:tailEnd type="arrow" len="med"/>
+          </a:ln>
+        </p:spPr>
+        <p:style>
+          <a:lnRef idx="1">
+            <a:schemeClr val="accent1">
+              <a:shade val="50000"/>
+            </a:schemeClr>
+          </a:lnRef>
+          <a:fillRef idx="0">
+            <a:schemeClr val="accent1"/>
+          </a:fillRef>
+          <a:effectRef idx="0">
+            <a:schemeClr val="accent1"/>
+          </a:effectRef>
+          <a:fontRef idx="minor">
+            <a:schemeClr val="tx1"/>
+          </a:fontRef>
+        </p:style>
+      </p:cxnSp>
+      <p:sp>
+        <p:nvSpPr>
+          <p:cNvPr id="22" name="" hidden="0"/>
+          <p:cNvSpPr/>
+          <p:nvPr isPhoto="0" userDrawn="0"/>
+        </p:nvSpPr>
+        <p:spPr bwMode="auto">
+          <a:xfrm flipH="0" flipV="0">
+            <a:off x="558339" y="4277206"/>
+            <a:ext cx="2084181" cy="822994"/>
+          </a:xfrm>
+          <a:prstGeom prst="rect">
+            <a:avLst/>
+          </a:prstGeom>
+          <a:noFill/>
+        </p:spPr>
+        <p:txBody>
+          <a:bodyPr vertOverflow="overflow" horzOverflow="clip" vert="horz" wrap="square" lIns="91440" tIns="45720" rIns="91440" bIns="45720" numCol="1" spcCol="0" rtlCol="0" fromWordArt="0" anchor="t" anchorCtr="0" forceAA="0" upright="0" compatLnSpc="0">
+            <a:noAutofit/>
+          </a:bodyPr>
+          <a:p>
+            <a:pPr>
+              <a:defRPr/>
+            </a:pPr>
+            <a:r>
+              <a:rPr sz="3600">
+                <a:latin typeface="Helvetica 65 Medium"/>
+                <a:ea typeface="Helvetica 65 Medium"/>
+                <a:cs typeface="Helvetica 65 Medium"/>
+              </a:rPr>
+              <a:t>6.09</a:t>
+            </a:r>
+            <a:r>
+              <a:rPr sz="3600">
+                <a:solidFill>
+                  <a:schemeClr val="tx1">
+                    <a:lumMod val="85000"/>
+                    <a:lumOff val="15000"/>
+                  </a:schemeClr>
+                </a:solidFill>
+                <a:latin typeface="Helvetica 65 Medium"/>
+                <a:ea typeface="Helvetica 65 Medium"/>
+                <a:cs typeface="Helvetica 65 Medium"/>
+              </a:rPr>
+              <a:t> m</a:t>
+            </a:r>
+            <a:r>
+              <a:rPr sz="3600" b="0" i="0" u="none">
+                <a:solidFill>
+                  <a:schemeClr val="tx1">
+                    <a:lumMod val="85000"/>
+                    <a:lumOff val="15000"/>
+                  </a:schemeClr>
+                </a:solidFill>
+                <a:latin typeface="Helvetica 65 Medium"/>
+                <a:ea typeface="Helvetica 65 Medium"/>
+                <a:cs typeface="Helvetica 65 Medium"/>
+              </a:rPr>
+              <a:t>s</a:t>
+            </a:r>
+            <a:endParaRPr sz="3600">
+              <a:solidFill>
+                <a:schemeClr val="tx1">
+                  <a:lumMod val="85000"/>
+                  <a:lumOff val="15000"/>
+                </a:schemeClr>
+              </a:solidFill>
+              <a:latin typeface="Helvetica 65 Medium"/>
+              <a:ea typeface="Helvetica 65 Medium"/>
+              <a:cs typeface="Helvetica 65 Medium"/>
+            </a:endParaRPr>
+          </a:p>
+        </p:txBody>
+      </p:sp>
     </p:spTree>
   </p:cSld>
   <p:clrMapOvr>

--- a/B_Pandas_tips/Assets/Pandas_Tricks_Slides.pptx
+++ b/B_Pandas_tips/Assets/Pandas_Tricks_Slides.pptx
@@ -14,6 +14,7 @@
     <p:sldId id="262" r:id="rId9"/>
     <p:sldId id="263" r:id="rId10"/>
     <p:sldId id="264" r:id="rId11"/>
+    <p:sldId id="265" r:id="rId12"/>
   </p:sldIdLst>
   <p:sldSz cx="12192000" cy="6858000"/>
   <p:notesSz cx="6858000" cy="12192000"/>
@@ -4019,6 +4020,352 @@
 </p:sld>
 </file>
 
+<file path=ppt/slides/slide10.xml><?xml version="1.0" encoding="utf-8"?>
+<p:sld xmlns:a="http://schemas.openxmlformats.org/drawingml/2006/main" xmlns:r="http://schemas.openxmlformats.org/officeDocument/2006/relationships" xmlns:p="http://schemas.openxmlformats.org/presentationml/2006/main" xmlns:m="http://schemas.openxmlformats.org/officeDocument/2006/math" xmlns:w="http://schemas.openxmlformats.org/wordprocessingml/2006/main" showMasterPhAnim="0" show="1">
+  <p:cSld name="">
+    <p:spTree>
+      <p:nvGrpSpPr>
+        <p:cNvPr id="1" name="" hidden="0"/>
+        <p:cNvGrpSpPr/>
+        <p:nvPr isPhoto="0" userDrawn="0"/>
+      </p:nvGrpSpPr>
+      <p:grpSpPr bwMode="auto">
+        <a:xfrm>
+          <a:off x="0" y="0"/>
+          <a:ext cx="0" cy="0"/>
+          <a:chOff x="0" y="0"/>
+          <a:chExt cx="0" cy="0"/>
+        </a:xfrm>
+      </p:grpSpPr>
+      <p:sp>
+        <p:nvSpPr>
+          <p:cNvPr id="4" name="" hidden="0"/>
+          <p:cNvSpPr/>
+          <p:nvPr isPhoto="0" userDrawn="0"/>
+        </p:nvSpPr>
+        <p:spPr bwMode="auto">
+          <a:xfrm flipH="0" flipV="0">
+            <a:off x="1586888" y="-37725"/>
+            <a:ext cx="9119480" cy="523809"/>
+          </a:xfrm>
+          <a:prstGeom prst="rect">
+            <a:avLst/>
+          </a:prstGeom>
+          <a:noFill/>
+        </p:spPr>
+        <p:txBody>
+          <a:bodyPr vertOverflow="overflow" horzOverflow="clip" vert="horz" wrap="square" lIns="91440" tIns="45720" rIns="91440" bIns="45720" numCol="1" spcCol="0" rtlCol="0" fromWordArt="0" anchor="t" anchorCtr="0" forceAA="0" upright="0" compatLnSpc="0">
+            <a:noAutofit/>
+          </a:bodyPr>
+          <a:p>
+            <a:pPr algn="ctr">
+              <a:defRPr/>
+            </a:pPr>
+            <a:r>
+              <a:rPr sz="3600">
+                <a:solidFill>
+                  <a:schemeClr val="tx1">
+                    <a:lumMod val="85000"/>
+                    <a:lumOff val="15000"/>
+                  </a:schemeClr>
+                </a:solidFill>
+                <a:latin typeface="Helvetica 65 Medium"/>
+                <a:ea typeface="Helvetica 65 Medium"/>
+                <a:cs typeface="Helvetica 65 Medium"/>
+              </a:rPr>
+              <a:t>Filter your rows and columns</a:t>
+            </a:r>
+            <a:endParaRPr sz="3600">
+              <a:solidFill>
+                <a:schemeClr val="tx1">
+                  <a:lumMod val="85000"/>
+                  <a:lumOff val="15000"/>
+                </a:schemeClr>
+              </a:solidFill>
+              <a:latin typeface="Helvetica 65 Medium"/>
+              <a:ea typeface="Helvetica 65 Medium"/>
+              <a:cs typeface="Helvetica 65 Medium"/>
+            </a:endParaRPr>
+          </a:p>
+        </p:txBody>
+      </p:sp>
+      <p:sp>
+        <p:nvSpPr>
+          <p:cNvPr id="5" name="" hidden="0"/>
+          <p:cNvSpPr/>
+          <p:nvPr isPhoto="0" userDrawn="0"/>
+        </p:nvSpPr>
+        <p:spPr bwMode="auto">
+          <a:xfrm>
+            <a:off x="11723852" y="8810550"/>
+            <a:ext cx="254916" cy="365791"/>
+          </a:xfrm>
+        </p:spPr>
+        <p:txBody>
+          <a:bodyPr rot="0" spcFirstLastPara="0" vertOverflow="overflow" horzOverflow="clip" vert="horz" wrap="square" lIns="91440" tIns="45720" rIns="91440" bIns="45720" numCol="1" spcCol="0" rtlCol="0" fromWordArt="0" anchor="t" anchorCtr="0" forceAA="0" upright="0" compatLnSpc="1">
+            <a:prstTxWarp prst="textNoShape"/>
+            <a:spAutoFit/>
+          </a:bodyPr>
+          <a:p>
+            <a:pPr>
+              <a:defRPr/>
+            </a:pPr>
+            <a:endParaRPr/>
+          </a:p>
+        </p:txBody>
+      </p:sp>
+      <p:sp>
+        <p:nvSpPr>
+          <p:cNvPr id="6" name="" hidden="0"/>
+          <p:cNvSpPr/>
+          <p:nvPr isPhoto="0" userDrawn="0"/>
+        </p:nvSpPr>
+        <p:spPr bwMode="auto">
+          <a:xfrm>
+            <a:off x="13978218" y="7622910"/>
+            <a:ext cx="254916" cy="365792"/>
+          </a:xfrm>
+        </p:spPr>
+        <p:txBody>
+          <a:bodyPr rot="0" spcFirstLastPara="0" vertOverflow="overflow" horzOverflow="clip" vert="horz" wrap="square" lIns="91440" tIns="45720" rIns="91440" bIns="45720" numCol="1" spcCol="0" rtlCol="0" fromWordArt="0" anchor="t" anchorCtr="0" forceAA="0" upright="0" compatLnSpc="1">
+            <a:prstTxWarp prst="textNoShape"/>
+            <a:spAutoFit/>
+          </a:bodyPr>
+          <a:p>
+            <a:pPr>
+              <a:defRPr/>
+            </a:pPr>
+            <a:endParaRPr/>
+          </a:p>
+        </p:txBody>
+      </p:sp>
+      <p:sp>
+        <p:nvSpPr>
+          <p:cNvPr id="7" name="" hidden="0"/>
+          <p:cNvSpPr/>
+          <p:nvPr isPhoto="0" userDrawn="0"/>
+        </p:nvSpPr>
+        <p:spPr bwMode="auto">
+          <a:xfrm flipH="0" flipV="0">
+            <a:off x="11639405" y="6512301"/>
+            <a:ext cx="574994" cy="365787"/>
+          </a:xfrm>
+          <a:prstGeom prst="rect">
+            <a:avLst/>
+          </a:prstGeom>
+          <a:noFill/>
+        </p:spPr>
+        <p:txBody>
+          <a:bodyPr vertOverflow="overflow" horzOverflow="clip" vert="horz" wrap="square" lIns="91440" tIns="45720" rIns="91440" bIns="45720" numCol="1" spcCol="0" rtlCol="0" fromWordArt="0" anchor="t" anchorCtr="0" forceAA="0" upright="0" compatLnSpc="0">
+            <a:noAutofit/>
+          </a:bodyPr>
+          <a:p>
+            <a:pPr algn="r">
+              <a:defRPr/>
+            </a:pPr>
+            <a:r>
+              <a:rPr>
+                <a:solidFill>
+                  <a:schemeClr val="tx1">
+                    <a:lumMod val="75000"/>
+                    <a:lumOff val="25000"/>
+                  </a:schemeClr>
+                </a:solidFill>
+              </a:rPr>
+              <a:t>#10</a:t>
+            </a:r>
+            <a:endParaRPr/>
+          </a:p>
+        </p:txBody>
+      </p:sp>
+      <p:pic>
+        <p:nvPicPr>
+          <p:cNvPr id="8" name="" hidden="0"/>
+          <p:cNvPicPr>
+            <a:picLocks noChangeAspect="1"/>
+          </p:cNvPicPr>
+          <p:nvPr isPhoto="0" userDrawn="0"/>
+        </p:nvPicPr>
+        <p:blipFill>
+          <a:blip r:embed="rId2"/>
+          <a:stretch/>
+        </p:blipFill>
+        <p:spPr bwMode="auto">
+          <a:xfrm>
+            <a:off x="75445" y="971358"/>
+            <a:ext cx="7191374" cy="3381374"/>
+          </a:xfrm>
+          <a:prstGeom prst="rect">
+            <a:avLst/>
+          </a:prstGeom>
+        </p:spPr>
+      </p:pic>
+      <p:pic>
+        <p:nvPicPr>
+          <p:cNvPr id="9" name="" hidden="0"/>
+          <p:cNvPicPr>
+            <a:picLocks noChangeAspect="1"/>
+          </p:cNvPicPr>
+          <p:nvPr isPhoto="0" userDrawn="0"/>
+        </p:nvPicPr>
+        <p:blipFill>
+          <a:blip r:embed="rId3"/>
+          <a:stretch/>
+        </p:blipFill>
+        <p:spPr bwMode="auto">
+          <a:xfrm>
+            <a:off x="75445" y="4588500"/>
+            <a:ext cx="7219949" cy="1171575"/>
+          </a:xfrm>
+          <a:prstGeom prst="rect">
+            <a:avLst/>
+          </a:prstGeom>
+        </p:spPr>
+      </p:pic>
+      <p:pic>
+        <p:nvPicPr>
+          <p:cNvPr id="10" name="" hidden="0"/>
+          <p:cNvPicPr>
+            <a:picLocks noChangeAspect="1"/>
+          </p:cNvPicPr>
+          <p:nvPr isPhoto="0" userDrawn="0"/>
+        </p:nvPicPr>
+        <p:blipFill>
+          <a:blip r:embed="rId4"/>
+          <a:stretch/>
+        </p:blipFill>
+        <p:spPr bwMode="auto">
+          <a:xfrm>
+            <a:off x="65920" y="5995843"/>
+            <a:ext cx="7210424" cy="438149"/>
+          </a:xfrm>
+          <a:prstGeom prst="rect">
+            <a:avLst/>
+          </a:prstGeom>
+        </p:spPr>
+      </p:pic>
+      <p:pic>
+        <p:nvPicPr>
+          <p:cNvPr id="11" name="" hidden="0"/>
+          <p:cNvPicPr>
+            <a:picLocks noChangeAspect="1"/>
+          </p:cNvPicPr>
+          <p:nvPr isPhoto="0" userDrawn="0"/>
+        </p:nvPicPr>
+        <p:blipFill>
+          <a:blip r:embed="rId5"/>
+          <a:stretch/>
+        </p:blipFill>
+        <p:spPr bwMode="auto">
+          <a:xfrm>
+            <a:off x="8170293" y="1570151"/>
+            <a:ext cx="3667124" cy="4991099"/>
+          </a:xfrm>
+          <a:prstGeom prst="rect">
+            <a:avLst/>
+          </a:prstGeom>
+        </p:spPr>
+      </p:pic>
+      <p:cxnSp>
+        <p:nvCxnSpPr>
+          <p:cNvPr id="12" name="" hidden="0"/>
+          <p:cNvCxnSpPr>
+            <a:cxnSpLocks/>
+          </p:cNvCxnSpPr>
+          <p:nvPr isPhoto="0" userDrawn="0"/>
+        </p:nvCxnSpPr>
+        <p:spPr bwMode="auto">
+          <a:xfrm rot="10799922" flipH="1" flipV="0">
+            <a:off x="5622614" y="3683109"/>
+            <a:ext cx="2376554" cy="1558532"/>
+          </a:xfrm>
+          <a:prstGeom prst="line">
+            <a:avLst/>
+          </a:prstGeom>
+          <a:ln w="28575" cap="flat" cmpd="sng" algn="ctr">
+            <a:solidFill>
+              <a:srgbClr val="FF0000"/>
+            </a:solidFill>
+            <a:prstDash val="solid"/>
+            <a:miter/>
+            <a:tailEnd type="arrow" len="med"/>
+          </a:ln>
+        </p:spPr>
+        <p:style>
+          <a:lnRef idx="1">
+            <a:schemeClr val="accent1">
+              <a:shade val="50000"/>
+            </a:schemeClr>
+          </a:lnRef>
+          <a:fillRef idx="0">
+            <a:schemeClr val="accent1"/>
+          </a:fillRef>
+          <a:effectRef idx="0">
+            <a:schemeClr val="accent1"/>
+          </a:effectRef>
+          <a:fontRef idx="minor">
+            <a:schemeClr val="tx1"/>
+          </a:fontRef>
+        </p:style>
+      </p:cxnSp>
+      <p:cxnSp>
+        <p:nvCxnSpPr>
+          <p:cNvPr id="13" name="" hidden="0"/>
+          <p:cNvCxnSpPr>
+            <a:cxnSpLocks/>
+          </p:cNvCxnSpPr>
+          <p:nvPr isPhoto="0" userDrawn="0"/>
+        </p:nvCxnSpPr>
+        <p:spPr bwMode="auto">
+          <a:xfrm rot="10799922" flipH="1" flipV="0">
+            <a:off x="3770068" y="5324062"/>
+            <a:ext cx="4163080" cy="890827"/>
+          </a:xfrm>
+          <a:prstGeom prst="line">
+            <a:avLst/>
+          </a:prstGeom>
+          <a:ln w="28575" cap="flat" cmpd="sng" algn="ctr">
+            <a:solidFill>
+              <a:srgbClr val="FF0000"/>
+            </a:solidFill>
+            <a:prstDash val="solid"/>
+            <a:miter/>
+            <a:tailEnd type="arrow" len="med"/>
+          </a:ln>
+        </p:spPr>
+        <p:style>
+          <a:lnRef idx="1">
+            <a:schemeClr val="accent1">
+              <a:shade val="50000"/>
+            </a:schemeClr>
+          </a:lnRef>
+          <a:fillRef idx="0">
+            <a:schemeClr val="accent1"/>
+          </a:fillRef>
+          <a:effectRef idx="0">
+            <a:schemeClr val="accent1"/>
+          </a:effectRef>
+          <a:fontRef idx="minor">
+            <a:schemeClr val="tx1"/>
+          </a:fontRef>
+        </p:style>
+      </p:cxnSp>
+    </p:spTree>
+  </p:cSld>
+  <p:clrMapOvr>
+    <a:masterClrMapping/>
+  </p:clrMapOvr>
+  <mc:AlternateContent xmlns:mc="http://schemas.openxmlformats.org/markup-compatibility/2006">
+    <mc:Choice xmlns:p14="http://schemas.microsoft.com/office/powerpoint/2010/main" Requires="p14">
+      <p:transition p14:dur="2000" advClick="1"/>
+    </mc:Choice>
+    <mc:Fallback>
+      <p:transition advClick="1"/>
+    </mc:Fallback>
+  </mc:AlternateContent>
+</p:sld>
+</file>
+
 <file path=ppt/slides/slide2.xml><?xml version="1.0" encoding="utf-8"?>
 <p:sld xmlns:a="http://schemas.openxmlformats.org/drawingml/2006/main" xmlns:r="http://schemas.openxmlformats.org/officeDocument/2006/relationships" xmlns:p="http://schemas.openxmlformats.org/presentationml/2006/main" xmlns:m="http://schemas.openxmlformats.org/officeDocument/2006/math" xmlns:w="http://schemas.openxmlformats.org/wordprocessingml/2006/main" showMasterPhAnim="0" show="1">
   <p:cSld name="">
@@ -8103,7 +8450,7 @@
         <p:spPr bwMode="auto">
           <a:xfrm>
             <a:off x="6022958" y="8468721"/>
-            <a:ext cx="254916" cy="365791"/>
+            <a:ext cx="254916" cy="365790"/>
           </a:xfrm>
         </p:spPr>
         <p:txBody>
@@ -8417,7 +8764,7 @@
           <p:nvPr isPhoto="0" userDrawn="0"/>
         </p:nvCxnSpPr>
         <p:spPr bwMode="auto">
-          <a:xfrm rot="10799956" flipH="0" flipV="0">
+          <a:xfrm rot="10799955" flipH="0" flipV="0">
             <a:off x="2425618" y="3676175"/>
             <a:ext cx="1565493" cy="556409"/>
           </a:xfrm>
@@ -8573,7 +8920,7 @@
           <p:nvPr isPhoto="0" userDrawn="0"/>
         </p:nvCxnSpPr>
         <p:spPr bwMode="auto">
-          <a:xfrm rot="10799956" flipH="0" flipV="0">
+          <a:xfrm rot="10799955" flipH="0" flipV="0">
             <a:off x="2425617" y="4713550"/>
             <a:ext cx="1565493" cy="556409"/>
           </a:xfrm>

--- a/B_Pandas_tips/Assets/Pandas_Tricks_Slides.pptx
+++ b/B_Pandas_tips/Assets/Pandas_Tricks_Slides.pptx
@@ -15,6 +15,7 @@
     <p:sldId id="263" r:id="rId10"/>
     <p:sldId id="264" r:id="rId11"/>
     <p:sldId id="265" r:id="rId12"/>
+    <p:sldId id="266" r:id="rId13"/>
   </p:sldIdLst>
   <p:sldSz cx="12192000" cy="6858000"/>
   <p:notesSz cx="6858000" cy="12192000"/>
@@ -4098,7 +4099,7 @@
         <p:spPr bwMode="auto">
           <a:xfrm>
             <a:off x="11723852" y="8810550"/>
-            <a:ext cx="254916" cy="365791"/>
+            <a:ext cx="254916" cy="365790"/>
           </a:xfrm>
         </p:spPr>
         <p:txBody>
@@ -4350,6 +4351,339 @@
           </a:fontRef>
         </p:style>
       </p:cxnSp>
+      <p:pic>
+        <p:nvPicPr>
+          <p:cNvPr id="14" name="" hidden="0"/>
+          <p:cNvPicPr>
+            <a:picLocks noChangeAspect="1"/>
+          </p:cNvPicPr>
+          <p:nvPr isPhoto="0" userDrawn="0"/>
+        </p:nvPicPr>
+        <p:blipFill>
+          <a:blip r:embed="rId6"/>
+          <a:stretch/>
+        </p:blipFill>
+        <p:spPr bwMode="auto">
+          <a:xfrm rot="0" flipH="0" flipV="0">
+            <a:off x="448731" y="4021764"/>
+            <a:ext cx="3934800" cy="237600"/>
+          </a:xfrm>
+          <a:prstGeom prst="rect">
+            <a:avLst/>
+          </a:prstGeom>
+        </p:spPr>
+      </p:pic>
+    </p:spTree>
+  </p:cSld>
+  <p:clrMapOvr>
+    <a:masterClrMapping/>
+  </p:clrMapOvr>
+  <mc:AlternateContent xmlns:mc="http://schemas.openxmlformats.org/markup-compatibility/2006">
+    <mc:Choice xmlns:p14="http://schemas.microsoft.com/office/powerpoint/2010/main" Requires="p14">
+      <p:transition p14:dur="2000" advClick="1"/>
+    </mc:Choice>
+    <mc:Fallback>
+      <p:transition advClick="1"/>
+    </mc:Fallback>
+  </mc:AlternateContent>
+</p:sld>
+</file>
+
+<file path=ppt/slides/slide11.xml><?xml version="1.0" encoding="utf-8"?>
+<p:sld xmlns:a="http://schemas.openxmlformats.org/drawingml/2006/main" xmlns:r="http://schemas.openxmlformats.org/officeDocument/2006/relationships" xmlns:p="http://schemas.openxmlformats.org/presentationml/2006/main" xmlns:m="http://schemas.openxmlformats.org/officeDocument/2006/math" xmlns:w="http://schemas.openxmlformats.org/wordprocessingml/2006/main" showMasterPhAnim="0" show="1">
+  <p:cSld name="">
+    <p:spTree>
+      <p:nvGrpSpPr>
+        <p:cNvPr id="1" name="" hidden="0"/>
+        <p:cNvGrpSpPr/>
+        <p:nvPr isPhoto="0" userDrawn="0"/>
+      </p:nvGrpSpPr>
+      <p:grpSpPr bwMode="auto">
+        <a:xfrm>
+          <a:off x="0" y="0"/>
+          <a:ext cx="0" cy="0"/>
+          <a:chOff x="0" y="0"/>
+          <a:chExt cx="0" cy="0"/>
+        </a:xfrm>
+      </p:grpSpPr>
+      <p:pic>
+        <p:nvPicPr>
+          <p:cNvPr id="4" name="" hidden="0"/>
+          <p:cNvPicPr>
+            <a:picLocks noChangeAspect="1"/>
+          </p:cNvPicPr>
+          <p:nvPr isPhoto="0" userDrawn="0"/>
+        </p:nvPicPr>
+        <p:blipFill>
+          <a:blip r:embed="rId2"/>
+          <a:srcRect l="0" t="32464" r="0" b="0"/>
+          <a:stretch/>
+        </p:blipFill>
+        <p:spPr bwMode="auto">
+          <a:xfrm flipH="0" flipV="0">
+            <a:off x="6926884" y="2470285"/>
+            <a:ext cx="4924424" cy="4245637"/>
+          </a:xfrm>
+          <a:prstGeom prst="rect">
+            <a:avLst/>
+          </a:prstGeom>
+        </p:spPr>
+      </p:pic>
+      <p:sp>
+        <p:nvSpPr>
+          <p:cNvPr id="5" name="" hidden="0"/>
+          <p:cNvSpPr/>
+          <p:nvPr isPhoto="0" userDrawn="0"/>
+        </p:nvSpPr>
+        <p:spPr bwMode="auto">
+          <a:xfrm flipH="0" flipV="0">
+            <a:off x="1586887" y="98346"/>
+            <a:ext cx="9119480" cy="523809"/>
+          </a:xfrm>
+          <a:prstGeom prst="rect">
+            <a:avLst/>
+          </a:prstGeom>
+          <a:noFill/>
+        </p:spPr>
+        <p:txBody>
+          <a:bodyPr vertOverflow="overflow" horzOverflow="clip" vert="horz" wrap="square" lIns="91440" tIns="45720" rIns="91440" bIns="45720" numCol="1" spcCol="0" rtlCol="0" fromWordArt="0" anchor="t" anchorCtr="0" forceAA="0" upright="0" compatLnSpc="0">
+            <a:noAutofit/>
+          </a:bodyPr>
+          <a:p>
+            <a:pPr algn="ctr">
+              <a:defRPr/>
+            </a:pPr>
+            <a:r>
+              <a:rPr sz="3600">
+                <a:solidFill>
+                  <a:schemeClr val="tx1">
+                    <a:lumMod val="85000"/>
+                    <a:lumOff val="15000"/>
+                  </a:schemeClr>
+                </a:solidFill>
+                <a:latin typeface="Helvetica 65 Medium"/>
+                <a:ea typeface="Helvetica 65 Medium"/>
+                <a:cs typeface="Helvetica 65 Medium"/>
+              </a:rPr>
+              <a:t>value_counts like a pro</a:t>
+            </a:r>
+            <a:endParaRPr sz="3600">
+              <a:solidFill>
+                <a:schemeClr val="tx1">
+                  <a:lumMod val="85000"/>
+                  <a:lumOff val="15000"/>
+                </a:schemeClr>
+              </a:solidFill>
+              <a:latin typeface="Helvetica 65 Medium"/>
+              <a:ea typeface="Helvetica 65 Medium"/>
+              <a:cs typeface="Helvetica 65 Medium"/>
+            </a:endParaRPr>
+          </a:p>
+        </p:txBody>
+      </p:sp>
+      <p:sp>
+        <p:nvSpPr>
+          <p:cNvPr id="6" name="" hidden="0"/>
+          <p:cNvSpPr/>
+          <p:nvPr isPhoto="0" userDrawn="0"/>
+        </p:nvSpPr>
+        <p:spPr bwMode="auto">
+          <a:xfrm>
+            <a:off x="11723852" y="8810550"/>
+            <a:ext cx="254916" cy="365789"/>
+          </a:xfrm>
+        </p:spPr>
+        <p:txBody>
+          <a:bodyPr rot="0" spcFirstLastPara="0" vertOverflow="overflow" horzOverflow="clip" vert="horz" wrap="square" lIns="91440" tIns="45720" rIns="91440" bIns="45720" numCol="1" spcCol="0" rtlCol="0" fromWordArt="0" anchor="t" anchorCtr="0" forceAA="0" upright="0" compatLnSpc="1">
+            <a:prstTxWarp prst="textNoShape"/>
+            <a:spAutoFit/>
+          </a:bodyPr>
+          <a:p>
+            <a:pPr>
+              <a:defRPr/>
+            </a:pPr>
+            <a:endParaRPr/>
+          </a:p>
+        </p:txBody>
+      </p:sp>
+      <p:sp>
+        <p:nvSpPr>
+          <p:cNvPr id="7" name="" hidden="0"/>
+          <p:cNvSpPr/>
+          <p:nvPr isPhoto="0" userDrawn="0"/>
+        </p:nvSpPr>
+        <p:spPr bwMode="auto">
+          <a:xfrm>
+            <a:off x="13978218" y="7622910"/>
+            <a:ext cx="254916" cy="365791"/>
+          </a:xfrm>
+        </p:spPr>
+        <p:txBody>
+          <a:bodyPr rot="0" spcFirstLastPara="0" vertOverflow="overflow" horzOverflow="clip" vert="horz" wrap="square" lIns="91440" tIns="45720" rIns="91440" bIns="45720" numCol="1" spcCol="0" rtlCol="0" fromWordArt="0" anchor="t" anchorCtr="0" forceAA="0" upright="0" compatLnSpc="1">
+            <a:prstTxWarp prst="textNoShape"/>
+            <a:spAutoFit/>
+          </a:bodyPr>
+          <a:p>
+            <a:pPr>
+              <a:defRPr/>
+            </a:pPr>
+            <a:endParaRPr/>
+          </a:p>
+        </p:txBody>
+      </p:sp>
+      <p:sp>
+        <p:nvSpPr>
+          <p:cNvPr id="8" name="" hidden="0"/>
+          <p:cNvSpPr/>
+          <p:nvPr isPhoto="0" userDrawn="0"/>
+        </p:nvSpPr>
+        <p:spPr bwMode="auto">
+          <a:xfrm flipH="0" flipV="0">
+            <a:off x="11639405" y="6512301"/>
+            <a:ext cx="574993" cy="365787"/>
+          </a:xfrm>
+          <a:prstGeom prst="rect">
+            <a:avLst/>
+          </a:prstGeom>
+          <a:noFill/>
+        </p:spPr>
+        <p:txBody>
+          <a:bodyPr vertOverflow="overflow" horzOverflow="clip" vert="horz" wrap="square" lIns="91440" tIns="45720" rIns="91440" bIns="45720" numCol="1" spcCol="0" rtlCol="0" fromWordArt="0" anchor="t" anchorCtr="0" forceAA="0" upright="0" compatLnSpc="0">
+            <a:noAutofit/>
+          </a:bodyPr>
+          <a:p>
+            <a:pPr algn="r">
+              <a:defRPr/>
+            </a:pPr>
+            <a:r>
+              <a:rPr>
+                <a:solidFill>
+                  <a:schemeClr val="tx1">
+                    <a:lumMod val="75000"/>
+                    <a:lumOff val="25000"/>
+                  </a:schemeClr>
+                </a:solidFill>
+              </a:rPr>
+              <a:t>#11</a:t>
+            </a:r>
+            <a:endParaRPr/>
+          </a:p>
+        </p:txBody>
+      </p:sp>
+      <p:pic>
+        <p:nvPicPr>
+          <p:cNvPr id="9" name="" hidden="0"/>
+          <p:cNvPicPr>
+            <a:picLocks noChangeAspect="1"/>
+          </p:cNvPicPr>
+          <p:nvPr isPhoto="0" userDrawn="0"/>
+        </p:nvPicPr>
+        <p:blipFill>
+          <a:blip r:embed="rId3"/>
+          <a:stretch/>
+        </p:blipFill>
+        <p:spPr bwMode="auto">
+          <a:xfrm>
+            <a:off x="59421" y="911678"/>
+            <a:ext cx="6543675" cy="3857625"/>
+          </a:xfrm>
+          <a:prstGeom prst="rect">
+            <a:avLst/>
+          </a:prstGeom>
+        </p:spPr>
+      </p:pic>
+      <p:pic>
+        <p:nvPicPr>
+          <p:cNvPr id="10" name="" hidden="0"/>
+          <p:cNvPicPr>
+            <a:picLocks noChangeAspect="1"/>
+          </p:cNvPicPr>
+          <p:nvPr isPhoto="0" userDrawn="0"/>
+        </p:nvPicPr>
+        <p:blipFill>
+          <a:blip r:embed="rId4"/>
+          <a:stretch/>
+        </p:blipFill>
+        <p:spPr bwMode="auto">
+          <a:xfrm>
+            <a:off x="68947" y="4924697"/>
+            <a:ext cx="6534149" cy="1743075"/>
+          </a:xfrm>
+          <a:prstGeom prst="rect">
+            <a:avLst/>
+          </a:prstGeom>
+        </p:spPr>
+      </p:pic>
+      <p:sp>
+        <p:nvSpPr>
+          <p:cNvPr id="11" name="" hidden="0"/>
+          <p:cNvSpPr/>
+          <p:nvPr isPhoto="0" userDrawn="0"/>
+        </p:nvSpPr>
+        <p:spPr bwMode="auto">
+          <a:xfrm>
+            <a:off x="12895445" y="3857334"/>
+            <a:ext cx="254916" cy="365795"/>
+          </a:xfrm>
+        </p:spPr>
+        <p:txBody>
+          <a:bodyPr rot="0" spcFirstLastPara="0" vertOverflow="overflow" horzOverflow="clip" vert="horz" wrap="square" lIns="91440" tIns="45720" rIns="91440" bIns="45720" numCol="1" spcCol="0" rtlCol="0" fromWordArt="0" anchor="t" anchorCtr="0" forceAA="0" upright="0" compatLnSpc="1">
+            <a:prstTxWarp prst="textNoShape"/>
+            <a:spAutoFit/>
+          </a:bodyPr>
+          <a:p>
+            <a:pPr>
+              <a:defRPr/>
+            </a:pPr>
+            <a:endParaRPr/>
+          </a:p>
+        </p:txBody>
+      </p:sp>
+      <p:pic>
+        <p:nvPicPr>
+          <p:cNvPr id="12" name="" hidden="0"/>
+          <p:cNvPicPr>
+            <a:picLocks noChangeAspect="1"/>
+          </p:cNvPicPr>
+          <p:nvPr isPhoto="0" userDrawn="0"/>
+        </p:nvPicPr>
+        <p:blipFill>
+          <a:blip r:embed="rId2"/>
+          <a:srcRect l="0" t="0" r="0" b="77492"/>
+          <a:stretch/>
+        </p:blipFill>
+        <p:spPr bwMode="auto">
+          <a:xfrm flipH="0" flipV="0">
+            <a:off x="6926884" y="905672"/>
+            <a:ext cx="4924424" cy="1414934"/>
+          </a:xfrm>
+          <a:prstGeom prst="rect">
+            <a:avLst/>
+          </a:prstGeom>
+        </p:spPr>
+      </p:pic>
+      <p:pic>
+        <p:nvPicPr>
+          <p:cNvPr id="13" name="" hidden="0"/>
+          <p:cNvPicPr>
+            <a:picLocks noChangeAspect="1"/>
+          </p:cNvPicPr>
+          <p:nvPr isPhoto="0" userDrawn="0"/>
+        </p:nvPicPr>
+        <p:blipFill>
+          <a:blip r:embed="rId5"/>
+          <a:stretch/>
+        </p:blipFill>
+        <p:spPr bwMode="auto">
+          <a:xfrm rot="0" flipH="0" flipV="0">
+            <a:off x="7184267" y="2007906"/>
+            <a:ext cx="3934800" cy="237600"/>
+          </a:xfrm>
+          <a:prstGeom prst="rect">
+            <a:avLst/>
+          </a:prstGeom>
+        </p:spPr>
+      </p:pic>
     </p:spTree>
   </p:cSld>
   <p:clrMapOvr>
@@ -8764,7 +9098,7 @@
           <p:nvPr isPhoto="0" userDrawn="0"/>
         </p:nvCxnSpPr>
         <p:spPr bwMode="auto">
-          <a:xfrm rot="10799955" flipH="0" flipV="0">
+          <a:xfrm rot="10799954" flipH="0" flipV="0">
             <a:off x="2425618" y="3676175"/>
             <a:ext cx="1565493" cy="556409"/>
           </a:xfrm>
@@ -8920,7 +9254,7 @@
           <p:nvPr isPhoto="0" userDrawn="0"/>
         </p:nvCxnSpPr>
         <p:spPr bwMode="auto">
-          <a:xfrm rot="10799955" flipH="0" flipV="0">
+          <a:xfrm rot="10799954" flipH="0" flipV="0">
             <a:off x="2425617" y="4713550"/>
             <a:ext cx="1565493" cy="556409"/>
           </a:xfrm>

--- a/B_Pandas_tips/Assets/Pandas_Tricks_Slides.pptx
+++ b/B_Pandas_tips/Assets/Pandas_Tricks_Slides.pptx
@@ -16,6 +16,7 @@
     <p:sldId id="264" r:id="rId11"/>
     <p:sldId id="265" r:id="rId12"/>
     <p:sldId id="266" r:id="rId13"/>
+    <p:sldId id="267" r:id="rId14"/>
   </p:sldIdLst>
   <p:sldSz cx="12192000" cy="6858000"/>
   <p:notesSz cx="6858000" cy="12192000"/>
@@ -4515,7 +4516,7 @@
         <p:spPr bwMode="auto">
           <a:xfrm>
             <a:off x="13978218" y="7622910"/>
-            <a:ext cx="254916" cy="365791"/>
+            <a:ext cx="254916" cy="365790"/>
           </a:xfrm>
         </p:spPr>
         <p:txBody>
@@ -4654,7 +4655,7 @@
         </p:blipFill>
         <p:spPr bwMode="auto">
           <a:xfrm flipH="0" flipV="0">
-            <a:off x="6926884" y="905672"/>
+            <a:off x="6926884" y="905671"/>
             <a:ext cx="4924424" cy="1414934"/>
           </a:xfrm>
           <a:prstGeom prst="rect">
@@ -4684,6 +4685,411 @@
           </a:prstGeom>
         </p:spPr>
       </p:pic>
+    </p:spTree>
+  </p:cSld>
+  <p:clrMapOvr>
+    <a:masterClrMapping/>
+  </p:clrMapOvr>
+  <mc:AlternateContent xmlns:mc="http://schemas.openxmlformats.org/markup-compatibility/2006">
+    <mc:Choice xmlns:p14="http://schemas.microsoft.com/office/powerpoint/2010/main" Requires="p14">
+      <p:transition p14:dur="2000" advClick="1"/>
+    </mc:Choice>
+    <mc:Fallback>
+      <p:transition advClick="1"/>
+    </mc:Fallback>
+  </mc:AlternateContent>
+</p:sld>
+</file>
+
+<file path=ppt/slides/slide12.xml><?xml version="1.0" encoding="utf-8"?>
+<p:sld xmlns:a="http://schemas.openxmlformats.org/drawingml/2006/main" xmlns:r="http://schemas.openxmlformats.org/officeDocument/2006/relationships" xmlns:p="http://schemas.openxmlformats.org/presentationml/2006/main" xmlns:m="http://schemas.openxmlformats.org/officeDocument/2006/math" xmlns:w="http://schemas.openxmlformats.org/wordprocessingml/2006/main" showMasterPhAnim="0" show="1">
+  <p:cSld name="">
+    <p:spTree>
+      <p:nvGrpSpPr>
+        <p:cNvPr id="1" name="" hidden="0"/>
+        <p:cNvGrpSpPr/>
+        <p:nvPr isPhoto="0" userDrawn="0"/>
+      </p:nvGrpSpPr>
+      <p:grpSpPr bwMode="auto">
+        <a:xfrm>
+          <a:off x="0" y="0"/>
+          <a:ext cx="0" cy="0"/>
+          <a:chOff x="0" y="0"/>
+          <a:chExt cx="0" cy="0"/>
+        </a:xfrm>
+      </p:grpSpPr>
+      <p:sp>
+        <p:nvSpPr>
+          <p:cNvPr id="4" name="" hidden="0"/>
+          <p:cNvSpPr/>
+          <p:nvPr isPhoto="0" userDrawn="0"/>
+        </p:nvSpPr>
+        <p:spPr bwMode="auto">
+          <a:xfrm flipH="0" flipV="0">
+            <a:off x="6575123" y="51192"/>
+            <a:ext cx="5215772" cy="523809"/>
+          </a:xfrm>
+          <a:prstGeom prst="rect">
+            <a:avLst/>
+          </a:prstGeom>
+          <a:noFill/>
+        </p:spPr>
+        <p:txBody>
+          <a:bodyPr vertOverflow="overflow" horzOverflow="clip" vert="horz" wrap="square" lIns="91440" tIns="45720" rIns="91440" bIns="45720" numCol="1" spcCol="0" rtlCol="0" fromWordArt="0" anchor="t" anchorCtr="0" forceAA="0" upright="0" compatLnSpc="0">
+            <a:noAutofit/>
+          </a:bodyPr>
+          <a:p>
+            <a:pPr algn="ctr">
+              <a:defRPr/>
+            </a:pPr>
+            <a:r>
+              <a:rPr sz="3600">
+                <a:solidFill>
+                  <a:schemeClr val="tx1">
+                    <a:lumMod val="85000"/>
+                    <a:lumOff val="15000"/>
+                  </a:schemeClr>
+                </a:solidFill>
+                <a:latin typeface="Helvetica 65 Medium"/>
+                <a:ea typeface="Helvetica 65 Medium"/>
+                <a:cs typeface="Helvetica 65 Medium"/>
+              </a:rPr>
+              <a:t>.Rank() the stars! </a:t>
+            </a:r>
+            <a:endParaRPr sz="3600">
+              <a:solidFill>
+                <a:schemeClr val="tx1">
+                  <a:lumMod val="85000"/>
+                  <a:lumOff val="15000"/>
+                </a:schemeClr>
+              </a:solidFill>
+              <a:latin typeface="Helvetica 65 Medium"/>
+              <a:ea typeface="Helvetica 65 Medium"/>
+              <a:cs typeface="Helvetica 65 Medium"/>
+            </a:endParaRPr>
+          </a:p>
+        </p:txBody>
+      </p:sp>
+      <p:sp>
+        <p:nvSpPr>
+          <p:cNvPr id="5" name="" hidden="0"/>
+          <p:cNvSpPr/>
+          <p:nvPr isPhoto="0" userDrawn="0"/>
+        </p:nvSpPr>
+        <p:spPr bwMode="auto">
+          <a:xfrm flipH="0" flipV="0">
+            <a:off x="11639405" y="6512301"/>
+            <a:ext cx="574992" cy="365787"/>
+          </a:xfrm>
+          <a:prstGeom prst="rect">
+            <a:avLst/>
+          </a:prstGeom>
+          <a:noFill/>
+        </p:spPr>
+        <p:txBody>
+          <a:bodyPr vertOverflow="overflow" horzOverflow="clip" vert="horz" wrap="square" lIns="91440" tIns="45720" rIns="91440" bIns="45720" numCol="1" spcCol="0" rtlCol="0" fromWordArt="0" anchor="t" anchorCtr="0" forceAA="0" upright="0" compatLnSpc="0">
+            <a:noAutofit/>
+          </a:bodyPr>
+          <a:p>
+            <a:pPr algn="r">
+              <a:defRPr/>
+            </a:pPr>
+            <a:r>
+              <a:rPr>
+                <a:solidFill>
+                  <a:schemeClr val="tx1">
+                    <a:lumMod val="75000"/>
+                    <a:lumOff val="25000"/>
+                  </a:schemeClr>
+                </a:solidFill>
+              </a:rPr>
+              <a:t>#12</a:t>
+            </a:r>
+            <a:endParaRPr/>
+          </a:p>
+        </p:txBody>
+      </p:sp>
+      <p:pic>
+        <p:nvPicPr>
+          <p:cNvPr id="6" name="" hidden="0"/>
+          <p:cNvPicPr>
+            <a:picLocks noChangeAspect="1"/>
+          </p:cNvPicPr>
+          <p:nvPr isPhoto="0" userDrawn="0"/>
+        </p:nvPicPr>
+        <p:blipFill>
+          <a:blip r:embed="rId2"/>
+          <a:stretch/>
+        </p:blipFill>
+        <p:spPr bwMode="auto">
+          <a:xfrm>
+            <a:off x="113455" y="192652"/>
+            <a:ext cx="5915025" cy="2990849"/>
+          </a:xfrm>
+          <a:prstGeom prst="rect">
+            <a:avLst/>
+          </a:prstGeom>
+        </p:spPr>
+      </p:pic>
+      <p:pic>
+        <p:nvPicPr>
+          <p:cNvPr id="7" name="" hidden="0"/>
+          <p:cNvPicPr>
+            <a:picLocks noChangeAspect="1"/>
+          </p:cNvPicPr>
+          <p:nvPr isPhoto="0" userDrawn="0"/>
+        </p:nvPicPr>
+        <p:blipFill>
+          <a:blip r:embed="rId3"/>
+          <a:stretch/>
+        </p:blipFill>
+        <p:spPr bwMode="auto">
+          <a:xfrm>
+            <a:off x="113455" y="3324963"/>
+            <a:ext cx="5924549" cy="1266824"/>
+          </a:xfrm>
+          <a:prstGeom prst="rect">
+            <a:avLst/>
+          </a:prstGeom>
+        </p:spPr>
+      </p:pic>
+      <p:pic>
+        <p:nvPicPr>
+          <p:cNvPr id="8" name="" hidden="0"/>
+          <p:cNvPicPr>
+            <a:picLocks noChangeAspect="1"/>
+          </p:cNvPicPr>
+          <p:nvPr isPhoto="0" userDrawn="0"/>
+        </p:nvPicPr>
+        <p:blipFill>
+          <a:blip r:embed="rId4"/>
+          <a:stretch/>
+        </p:blipFill>
+        <p:spPr bwMode="auto">
+          <a:xfrm>
+            <a:off x="113455" y="4733248"/>
+            <a:ext cx="5915025" cy="1895474"/>
+          </a:xfrm>
+          <a:prstGeom prst="rect">
+            <a:avLst/>
+          </a:prstGeom>
+        </p:spPr>
+      </p:pic>
+      <p:pic>
+        <p:nvPicPr>
+          <p:cNvPr id="9" name="" hidden="0"/>
+          <p:cNvPicPr>
+            <a:picLocks noChangeAspect="1"/>
+          </p:cNvPicPr>
+          <p:nvPr isPhoto="0" userDrawn="0"/>
+        </p:nvPicPr>
+        <p:blipFill>
+          <a:blip r:embed="rId5"/>
+          <a:stretch/>
+        </p:blipFill>
+        <p:spPr bwMode="auto">
+          <a:xfrm>
+            <a:off x="6223475" y="754455"/>
+            <a:ext cx="5924549" cy="1695449"/>
+          </a:xfrm>
+          <a:prstGeom prst="rect">
+            <a:avLst/>
+          </a:prstGeom>
+        </p:spPr>
+      </p:pic>
+      <p:pic>
+        <p:nvPicPr>
+          <p:cNvPr id="10" name="" hidden="0"/>
+          <p:cNvPicPr>
+            <a:picLocks noChangeAspect="1"/>
+          </p:cNvPicPr>
+          <p:nvPr isPhoto="0" userDrawn="0"/>
+        </p:nvPicPr>
+        <p:blipFill>
+          <a:blip r:embed="rId6"/>
+          <a:stretch/>
+        </p:blipFill>
+        <p:spPr bwMode="auto">
+          <a:xfrm>
+            <a:off x="6227133" y="2574578"/>
+            <a:ext cx="2609849" cy="2971800"/>
+          </a:xfrm>
+          <a:prstGeom prst="rect">
+            <a:avLst/>
+          </a:prstGeom>
+        </p:spPr>
+      </p:pic>
+      <p:pic>
+        <p:nvPicPr>
+          <p:cNvPr id="11" name="" hidden="0"/>
+          <p:cNvPicPr>
+            <a:picLocks noChangeAspect="1"/>
+          </p:cNvPicPr>
+          <p:nvPr isPhoto="0" userDrawn="0"/>
+        </p:nvPicPr>
+        <p:blipFill>
+          <a:blip r:embed="rId7"/>
+          <a:stretch/>
+        </p:blipFill>
+        <p:spPr bwMode="auto">
+          <a:xfrm>
+            <a:off x="6227133" y="5752989"/>
+            <a:ext cx="2238374" cy="819149"/>
+          </a:xfrm>
+          <a:prstGeom prst="rect">
+            <a:avLst/>
+          </a:prstGeom>
+        </p:spPr>
+      </p:pic>
+      <p:pic>
+        <p:nvPicPr>
+          <p:cNvPr id="12" name="" hidden="0"/>
+          <p:cNvPicPr>
+            <a:picLocks noChangeAspect="1"/>
+          </p:cNvPicPr>
+          <p:nvPr isPhoto="0" userDrawn="0"/>
+        </p:nvPicPr>
+        <p:blipFill>
+          <a:blip r:embed="rId8"/>
+          <a:srcRect l="19312" t="0" r="39823" b="0"/>
+          <a:stretch/>
+        </p:blipFill>
+        <p:spPr bwMode="auto">
+          <a:xfrm flipH="0" flipV="0">
+            <a:off x="9508668" y="2996308"/>
+            <a:ext cx="2140767" cy="3095624"/>
+          </a:xfrm>
+          <a:prstGeom prst="rect">
+            <a:avLst/>
+          </a:prstGeom>
+        </p:spPr>
+      </p:pic>
+      <p:cxnSp>
+        <p:nvCxnSpPr>
+          <p:cNvPr id="13" name="" hidden="0"/>
+          <p:cNvCxnSpPr>
+            <a:cxnSpLocks/>
+          </p:cNvCxnSpPr>
+          <p:nvPr isPhoto="0" userDrawn="0"/>
+        </p:nvCxnSpPr>
+        <p:spPr bwMode="auto">
+          <a:xfrm flipH="1" flipV="0">
+            <a:off x="7291856" y="2230767"/>
+            <a:ext cx="0" cy="320643"/>
+          </a:xfrm>
+          <a:prstGeom prst="line">
+            <a:avLst/>
+          </a:prstGeom>
+          <a:ln w="57150" cap="flat" cmpd="sng" algn="ctr">
+            <a:solidFill>
+              <a:srgbClr val="FF0000"/>
+            </a:solidFill>
+            <a:prstDash val="solid"/>
+            <a:miter/>
+            <a:tailEnd type="arrow" len="med"/>
+          </a:ln>
+        </p:spPr>
+        <p:style>
+          <a:lnRef idx="1">
+            <a:schemeClr val="accent1">
+              <a:shade val="50000"/>
+            </a:schemeClr>
+          </a:lnRef>
+          <a:fillRef idx="0">
+            <a:schemeClr val="accent1"/>
+          </a:fillRef>
+          <a:effectRef idx="0">
+            <a:schemeClr val="accent1"/>
+          </a:effectRef>
+          <a:fontRef idx="minor">
+            <a:schemeClr val="tx1"/>
+          </a:fontRef>
+        </p:style>
+      </p:cxnSp>
+      <p:cxnSp>
+        <p:nvCxnSpPr>
+          <p:cNvPr id="14" name="" hidden="0"/>
+          <p:cNvCxnSpPr>
+            <a:cxnSpLocks/>
+          </p:cNvCxnSpPr>
+          <p:nvPr isPhoto="0" userDrawn="0"/>
+        </p:nvCxnSpPr>
+        <p:spPr bwMode="auto">
+          <a:xfrm flipH="0" flipV="0">
+            <a:off x="2783985" y="6201088"/>
+            <a:ext cx="3197004" cy="0"/>
+          </a:xfrm>
+          <a:prstGeom prst="line">
+            <a:avLst/>
+          </a:prstGeom>
+          <a:ln w="57150" cap="flat" cmpd="sng" algn="ctr">
+            <a:solidFill>
+              <a:srgbClr val="FF0000"/>
+            </a:solidFill>
+            <a:prstDash val="solid"/>
+            <a:miter/>
+            <a:tailEnd type="arrow" len="med"/>
+          </a:ln>
+        </p:spPr>
+        <p:style>
+          <a:lnRef idx="1">
+            <a:schemeClr val="accent1">
+              <a:shade val="50000"/>
+            </a:schemeClr>
+          </a:lnRef>
+          <a:fillRef idx="0">
+            <a:schemeClr val="accent1"/>
+          </a:fillRef>
+          <a:effectRef idx="0">
+            <a:schemeClr val="accent1"/>
+          </a:effectRef>
+          <a:fontRef idx="minor">
+            <a:schemeClr val="tx1"/>
+          </a:fontRef>
+        </p:style>
+      </p:cxnSp>
+      <p:cxnSp>
+        <p:nvCxnSpPr>
+          <p:cNvPr id="15" name="" hidden="0"/>
+          <p:cNvCxnSpPr>
+            <a:cxnSpLocks/>
+          </p:cNvCxnSpPr>
+          <p:nvPr isPhoto="0" userDrawn="0"/>
+        </p:nvCxnSpPr>
+        <p:spPr bwMode="auto">
+          <a:xfrm flipH="0" flipV="1">
+            <a:off x="8159479" y="5814430"/>
+            <a:ext cx="1235420" cy="198044"/>
+          </a:xfrm>
+          <a:prstGeom prst="line">
+            <a:avLst/>
+          </a:prstGeom>
+          <a:ln w="57150" cap="flat" cmpd="sng" algn="ctr">
+            <a:solidFill>
+              <a:srgbClr val="FF0000"/>
+            </a:solidFill>
+            <a:prstDash val="solid"/>
+            <a:miter/>
+            <a:tailEnd type="arrow" len="med"/>
+          </a:ln>
+        </p:spPr>
+        <p:style>
+          <a:lnRef idx="1">
+            <a:schemeClr val="accent1">
+              <a:shade val="50000"/>
+            </a:schemeClr>
+          </a:lnRef>
+          <a:fillRef idx="0">
+            <a:schemeClr val="accent1"/>
+          </a:fillRef>
+          <a:effectRef idx="0">
+            <a:schemeClr val="accent1"/>
+          </a:effectRef>
+          <a:fontRef idx="minor">
+            <a:schemeClr val="tx1"/>
+          </a:fontRef>
+        </p:style>
+      </p:cxnSp>
     </p:spTree>
   </p:cSld>
   <p:clrMapOvr>
@@ -9098,7 +9504,7 @@
           <p:nvPr isPhoto="0" userDrawn="0"/>
         </p:nvCxnSpPr>
         <p:spPr bwMode="auto">
-          <a:xfrm rot="10799954" flipH="0" flipV="0">
+          <a:xfrm rot="10799953" flipH="0" flipV="0">
             <a:off x="2425618" y="3676175"/>
             <a:ext cx="1565493" cy="556409"/>
           </a:xfrm>
@@ -9254,7 +9660,7 @@
           <p:nvPr isPhoto="0" userDrawn="0"/>
         </p:nvCxnSpPr>
         <p:spPr bwMode="auto">
-          <a:xfrm rot="10799954" flipH="0" flipV="0">
+          <a:xfrm rot="10799953" flipH="0" flipV="0">
             <a:off x="2425617" y="4713550"/>
             <a:ext cx="1565493" cy="556409"/>
           </a:xfrm>

--- a/B_Pandas_tips/Assets/Pandas_Tricks_Slides.pptx
+++ b/B_Pandas_tips/Assets/Pandas_Tricks_Slides.pptx
@@ -17,6 +17,7 @@
     <p:sldId id="265" r:id="rId12"/>
     <p:sldId id="266" r:id="rId13"/>
     <p:sldId id="267" r:id="rId14"/>
+    <p:sldId id="268" r:id="rId15"/>
   </p:sldIdLst>
   <p:sldSz cx="12192000" cy="6858000"/>
   <p:notesSz cx="6858000" cy="12192000"/>
@@ -4912,7 +4913,7 @@
         <p:spPr bwMode="auto">
           <a:xfrm>
             <a:off x="6227133" y="2574578"/>
-            <a:ext cx="2609849" cy="2971800"/>
+            <a:ext cx="2609848" cy="2971800"/>
           </a:xfrm>
           <a:prstGeom prst="rect">
             <a:avLst/>
@@ -5090,6 +5091,774 @@
           </a:fontRef>
         </p:style>
       </p:cxnSp>
+    </p:spTree>
+  </p:cSld>
+  <p:clrMapOvr>
+    <a:masterClrMapping/>
+  </p:clrMapOvr>
+  <mc:AlternateContent xmlns:mc="http://schemas.openxmlformats.org/markup-compatibility/2006">
+    <mc:Choice xmlns:p14="http://schemas.microsoft.com/office/powerpoint/2010/main" Requires="p14">
+      <p:transition p14:dur="2000" advClick="1"/>
+    </mc:Choice>
+    <mc:Fallback>
+      <p:transition advClick="1"/>
+    </mc:Fallback>
+  </mc:AlternateContent>
+</p:sld>
+</file>
+
+<file path=ppt/slides/slide13.xml><?xml version="1.0" encoding="utf-8"?>
+<p:sld xmlns:a="http://schemas.openxmlformats.org/drawingml/2006/main" xmlns:r="http://schemas.openxmlformats.org/officeDocument/2006/relationships" xmlns:p="http://schemas.openxmlformats.org/presentationml/2006/main" xmlns:m="http://schemas.openxmlformats.org/officeDocument/2006/math" xmlns:w="http://schemas.openxmlformats.org/wordprocessingml/2006/main" showMasterPhAnim="0" show="1">
+  <p:cSld name="">
+    <p:spTree>
+      <p:nvGrpSpPr>
+        <p:cNvPr id="1" name="" hidden="0"/>
+        <p:cNvGrpSpPr/>
+        <p:nvPr isPhoto="0" userDrawn="0"/>
+      </p:nvGrpSpPr>
+      <p:grpSpPr bwMode="auto">
+        <a:xfrm>
+          <a:off x="0" y="0"/>
+          <a:ext cx="0" cy="0"/>
+          <a:chOff x="0" y="0"/>
+          <a:chExt cx="0" cy="0"/>
+        </a:xfrm>
+      </p:grpSpPr>
+      <p:sp>
+        <p:nvSpPr>
+          <p:cNvPr id="4" name="" hidden="0"/>
+          <p:cNvSpPr/>
+          <p:nvPr isPhoto="0" userDrawn="0"/>
+        </p:nvSpPr>
+        <p:spPr bwMode="auto">
+          <a:xfrm flipH="0" flipV="0">
+            <a:off x="50497" y="51191"/>
+            <a:ext cx="4752051" cy="523809"/>
+          </a:xfrm>
+          <a:prstGeom prst="rect">
+            <a:avLst/>
+          </a:prstGeom>
+          <a:noFill/>
+        </p:spPr>
+        <p:txBody>
+          <a:bodyPr vertOverflow="overflow" horzOverflow="clip" vert="horz" wrap="square" lIns="91440" tIns="45720" rIns="91440" bIns="45720" numCol="1" spcCol="0" rtlCol="0" fromWordArt="0" anchor="t" anchorCtr="0" forceAA="0" upright="0" compatLnSpc="0">
+            <a:noAutofit/>
+          </a:bodyPr>
+          <a:p>
+            <a:pPr algn="ctr">
+              <a:defRPr/>
+            </a:pPr>
+            <a:r>
+              <a:rPr sz="3600">
+                <a:solidFill>
+                  <a:schemeClr val="tx1">
+                    <a:lumMod val="85000"/>
+                    <a:lumOff val="15000"/>
+                  </a:schemeClr>
+                </a:solidFill>
+                <a:latin typeface="Helvetica 65 Medium"/>
+                <a:ea typeface="Helvetica 65 Medium"/>
+                <a:cs typeface="Helvetica 65 Medium"/>
+              </a:rPr>
+              <a:t>Pivot your tables</a:t>
+            </a:r>
+            <a:endParaRPr sz="3600">
+              <a:solidFill>
+                <a:schemeClr val="tx1">
+                  <a:lumMod val="85000"/>
+                  <a:lumOff val="15000"/>
+                </a:schemeClr>
+              </a:solidFill>
+              <a:latin typeface="Helvetica 65 Medium"/>
+              <a:ea typeface="Helvetica 65 Medium"/>
+              <a:cs typeface="Helvetica 65 Medium"/>
+            </a:endParaRPr>
+          </a:p>
+        </p:txBody>
+      </p:sp>
+      <p:sp>
+        <p:nvSpPr>
+          <p:cNvPr id="5" name="" hidden="0"/>
+          <p:cNvSpPr/>
+          <p:nvPr isPhoto="0" userDrawn="0"/>
+        </p:nvSpPr>
+        <p:spPr bwMode="auto">
+          <a:xfrm flipH="0" flipV="0">
+            <a:off x="11639405" y="6512301"/>
+            <a:ext cx="574992" cy="365787"/>
+          </a:xfrm>
+          <a:prstGeom prst="rect">
+            <a:avLst/>
+          </a:prstGeom>
+          <a:noFill/>
+        </p:spPr>
+        <p:txBody>
+          <a:bodyPr vertOverflow="overflow" horzOverflow="clip" vert="horz" wrap="square" lIns="91440" tIns="45720" rIns="91440" bIns="45720" numCol="1" spcCol="0" rtlCol="0" fromWordArt="0" anchor="t" anchorCtr="0" forceAA="0" upright="0" compatLnSpc="0">
+            <a:noAutofit/>
+          </a:bodyPr>
+          <a:p>
+            <a:pPr algn="r">
+              <a:defRPr/>
+            </a:pPr>
+            <a:r>
+              <a:rPr>
+                <a:solidFill>
+                  <a:schemeClr val="tx1">
+                    <a:lumMod val="75000"/>
+                    <a:lumOff val="25000"/>
+                  </a:schemeClr>
+                </a:solidFill>
+              </a:rPr>
+              <a:t>#13</a:t>
+            </a:r>
+            <a:endParaRPr/>
+          </a:p>
+        </p:txBody>
+      </p:sp>
+      <p:pic>
+        <p:nvPicPr>
+          <p:cNvPr id="6" name="" hidden="0"/>
+          <p:cNvPicPr>
+            <a:picLocks noChangeAspect="1"/>
+          </p:cNvPicPr>
+          <p:nvPr isPhoto="0" userDrawn="0"/>
+        </p:nvPicPr>
+        <p:blipFill>
+          <a:blip r:embed="rId2"/>
+          <a:stretch/>
+        </p:blipFill>
+        <p:spPr bwMode="auto">
+          <a:xfrm>
+            <a:off x="4829175" y="51191"/>
+            <a:ext cx="7334249" cy="3600450"/>
+          </a:xfrm>
+          <a:prstGeom prst="rect">
+            <a:avLst/>
+          </a:prstGeom>
+        </p:spPr>
+      </p:pic>
+      <p:pic>
+        <p:nvPicPr>
+          <p:cNvPr id="7" name="" hidden="0"/>
+          <p:cNvPicPr>
+            <a:picLocks noChangeAspect="1"/>
+          </p:cNvPicPr>
+          <p:nvPr isPhoto="0" userDrawn="0"/>
+        </p:nvPicPr>
+        <p:blipFill>
+          <a:blip r:embed="rId3"/>
+          <a:stretch/>
+        </p:blipFill>
+        <p:spPr bwMode="auto">
+          <a:xfrm>
+            <a:off x="114300" y="1007762"/>
+            <a:ext cx="4038599" cy="2609849"/>
+          </a:xfrm>
+          <a:prstGeom prst="rect">
+            <a:avLst/>
+          </a:prstGeom>
+        </p:spPr>
+      </p:pic>
+      <p:pic>
+        <p:nvPicPr>
+          <p:cNvPr id="8" name="" hidden="0"/>
+          <p:cNvPicPr>
+            <a:picLocks noChangeAspect="1"/>
+          </p:cNvPicPr>
+          <p:nvPr isPhoto="0" userDrawn="0"/>
+        </p:nvPicPr>
+        <p:blipFill>
+          <a:blip r:embed="rId4"/>
+          <a:stretch/>
+        </p:blipFill>
+        <p:spPr bwMode="auto">
+          <a:xfrm>
+            <a:off x="8036748" y="3914811"/>
+            <a:ext cx="3505199" cy="1666874"/>
+          </a:xfrm>
+          <a:prstGeom prst="rect">
+            <a:avLst/>
+          </a:prstGeom>
+        </p:spPr>
+      </p:pic>
+      <p:pic>
+        <p:nvPicPr>
+          <p:cNvPr id="9" name="" hidden="0"/>
+          <p:cNvPicPr>
+            <a:picLocks noChangeAspect="1"/>
+          </p:cNvPicPr>
+          <p:nvPr isPhoto="0" userDrawn="0"/>
+        </p:nvPicPr>
+        <p:blipFill>
+          <a:blip r:embed="rId5"/>
+          <a:srcRect l="1138" t="0" r="1668" b="0"/>
+          <a:stretch/>
+        </p:blipFill>
+        <p:spPr bwMode="auto">
+          <a:xfrm flipH="0" flipV="0">
+            <a:off x="523874" y="3819560"/>
+            <a:ext cx="4878749" cy="1857375"/>
+          </a:xfrm>
+          <a:prstGeom prst="rect">
+            <a:avLst/>
+          </a:prstGeom>
+        </p:spPr>
+      </p:pic>
+      <p:cxnSp>
+        <p:nvCxnSpPr>
+          <p:cNvPr id="10" name="" hidden="0"/>
+          <p:cNvCxnSpPr>
+            <a:cxnSpLocks/>
+          </p:cNvCxnSpPr>
+          <p:nvPr isPhoto="0" userDrawn="0"/>
+        </p:nvCxnSpPr>
+        <p:spPr bwMode="auto">
+          <a:xfrm flipH="1" flipV="0">
+            <a:off x="4211999" y="2824574"/>
+            <a:ext cx="758750" cy="0"/>
+          </a:xfrm>
+          <a:prstGeom prst="line">
+            <a:avLst/>
+          </a:prstGeom>
+          <a:ln w="57150" cap="flat" cmpd="sng" algn="ctr">
+            <a:solidFill>
+              <a:srgbClr val="FF0000"/>
+            </a:solidFill>
+            <a:prstDash val="solid"/>
+            <a:miter/>
+            <a:tailEnd type="arrow" len="med"/>
+          </a:ln>
+        </p:spPr>
+        <p:style>
+          <a:lnRef idx="1">
+            <a:schemeClr val="accent1">
+              <a:shade val="50000"/>
+            </a:schemeClr>
+          </a:lnRef>
+          <a:fillRef idx="0">
+            <a:schemeClr val="accent1"/>
+          </a:fillRef>
+          <a:effectRef idx="0">
+            <a:schemeClr val="accent1"/>
+          </a:effectRef>
+          <a:fontRef idx="minor">
+            <a:schemeClr val="tx1"/>
+          </a:fontRef>
+        </p:style>
+      </p:cxnSp>
+      <p:cxnSp>
+        <p:nvCxnSpPr>
+          <p:cNvPr id="11" name="" hidden="0"/>
+          <p:cNvCxnSpPr>
+            <a:cxnSpLocks/>
+          </p:cNvCxnSpPr>
+          <p:nvPr isPhoto="0" userDrawn="0"/>
+        </p:nvCxnSpPr>
+        <p:spPr bwMode="auto">
+          <a:xfrm flipH="1" flipV="0">
+            <a:off x="5655037" y="4719637"/>
+            <a:ext cx="2090736" cy="0"/>
+          </a:xfrm>
+          <a:prstGeom prst="line">
+            <a:avLst/>
+          </a:prstGeom>
+          <a:ln w="57150" cap="flat" cmpd="sng" algn="ctr">
+            <a:solidFill>
+              <a:srgbClr val="FF0000"/>
+            </a:solidFill>
+            <a:prstDash val="solid"/>
+            <a:miter/>
+            <a:tailEnd type="arrow" len="med"/>
+          </a:ln>
+        </p:spPr>
+        <p:style>
+          <a:lnRef idx="1">
+            <a:schemeClr val="accent1">
+              <a:shade val="50000"/>
+            </a:schemeClr>
+          </a:lnRef>
+          <a:fillRef idx="0">
+            <a:schemeClr val="accent1"/>
+          </a:fillRef>
+          <a:effectRef idx="0">
+            <a:schemeClr val="accent1"/>
+          </a:effectRef>
+          <a:fontRef idx="minor">
+            <a:schemeClr val="tx1"/>
+          </a:fontRef>
+        </p:style>
+      </p:cxnSp>
+      <p:pic>
+        <p:nvPicPr>
+          <p:cNvPr id="12" name="" hidden="0"/>
+          <p:cNvPicPr>
+            <a:picLocks noChangeAspect="1"/>
+          </p:cNvPicPr>
+          <p:nvPr isPhoto="0" userDrawn="0"/>
+        </p:nvPicPr>
+        <p:blipFill>
+          <a:blip r:embed="rId6"/>
+          <a:stretch/>
+        </p:blipFill>
+        <p:spPr bwMode="auto">
+          <a:xfrm>
+            <a:off x="1628775" y="6353174"/>
+            <a:ext cx="8562974" cy="428625"/>
+          </a:xfrm>
+          <a:prstGeom prst="rect">
+            <a:avLst/>
+          </a:prstGeom>
+        </p:spPr>
+      </p:pic>
+      <p:sp>
+        <p:nvSpPr>
+          <p:cNvPr id="13" name="" hidden="0"/>
+          <p:cNvSpPr/>
+          <p:nvPr isPhoto="0" userDrawn="0"/>
+        </p:nvSpPr>
+        <p:spPr bwMode="auto">
+          <a:xfrm rot="16199969" flipH="0" flipV="0">
+            <a:off x="6774224" y="5748749"/>
+            <a:ext cx="152399" cy="1390649"/>
+          </a:xfrm>
+          <a:prstGeom prst="rightBracket">
+            <a:avLst>
+              <a:gd name="adj" fmla="val 8333"/>
+            </a:avLst>
+          </a:prstGeom>
+          <a:ln w="57150" cap="flat" cmpd="sng" algn="ctr">
+            <a:solidFill>
+              <a:srgbClr val="00B050"/>
+            </a:solidFill>
+            <a:prstDash val="solid"/>
+            <a:miter/>
+          </a:ln>
+        </p:spPr>
+        <p:style>
+          <a:lnRef idx="1">
+            <a:schemeClr val="accent1">
+              <a:shade val="50000"/>
+            </a:schemeClr>
+          </a:lnRef>
+          <a:fillRef idx="0">
+            <a:schemeClr val="accent1"/>
+          </a:fillRef>
+          <a:effectRef idx="0">
+            <a:schemeClr val="accent1"/>
+          </a:effectRef>
+          <a:fontRef idx="minor">
+            <a:schemeClr val="tx1"/>
+          </a:fontRef>
+        </p:style>
+      </p:sp>
+      <p:sp>
+        <p:nvSpPr>
+          <p:cNvPr id="14" name="" hidden="0"/>
+          <p:cNvSpPr/>
+          <p:nvPr isPhoto="0" userDrawn="0"/>
+        </p:nvSpPr>
+        <p:spPr bwMode="auto">
+          <a:xfrm rot="16199969" flipH="0" flipV="0">
+            <a:off x="5121637" y="5648736"/>
+            <a:ext cx="142873" cy="1600200"/>
+          </a:xfrm>
+          <a:prstGeom prst="rightBracket">
+            <a:avLst>
+              <a:gd name="adj" fmla="val 8333"/>
+            </a:avLst>
+          </a:prstGeom>
+          <a:ln w="57150" cap="flat" cmpd="sng" algn="ctr">
+            <a:solidFill>
+              <a:srgbClr val="00B0F0"/>
+            </a:solidFill>
+            <a:prstDash val="solid"/>
+            <a:miter/>
+          </a:ln>
+        </p:spPr>
+        <p:style>
+          <a:lnRef idx="1">
+            <a:schemeClr val="accent1">
+              <a:shade val="50000"/>
+            </a:schemeClr>
+          </a:lnRef>
+          <a:fillRef idx="0">
+            <a:schemeClr val="accent1"/>
+          </a:fillRef>
+          <a:effectRef idx="0">
+            <a:schemeClr val="accent1"/>
+          </a:effectRef>
+          <a:fontRef idx="minor">
+            <a:schemeClr val="tx1"/>
+          </a:fontRef>
+        </p:style>
+      </p:sp>
+      <p:sp>
+        <p:nvSpPr>
+          <p:cNvPr id="15" name="" hidden="0"/>
+          <p:cNvSpPr/>
+          <p:nvPr isPhoto="0" userDrawn="0"/>
+        </p:nvSpPr>
+        <p:spPr bwMode="auto">
+          <a:xfrm rot="16199969" flipH="0" flipV="0">
+            <a:off x="9393599" y="5901148"/>
+            <a:ext cx="142872" cy="1095376"/>
+          </a:xfrm>
+          <a:prstGeom prst="rightBracket">
+            <a:avLst>
+              <a:gd name="adj" fmla="val 8333"/>
+            </a:avLst>
+          </a:prstGeom>
+          <a:ln w="57150" cap="flat" cmpd="sng" algn="ctr">
+            <a:solidFill>
+              <a:srgbClr val="00B0F0"/>
+            </a:solidFill>
+            <a:prstDash val="solid"/>
+            <a:miter/>
+          </a:ln>
+        </p:spPr>
+        <p:style>
+          <a:lnRef idx="1">
+            <a:schemeClr val="accent1">
+              <a:shade val="50000"/>
+            </a:schemeClr>
+          </a:lnRef>
+          <a:fillRef idx="0">
+            <a:schemeClr val="accent1"/>
+          </a:fillRef>
+          <a:effectRef idx="0">
+            <a:schemeClr val="accent1"/>
+          </a:effectRef>
+          <a:fontRef idx="minor">
+            <a:schemeClr val="tx1"/>
+          </a:fontRef>
+        </p:style>
+      </p:sp>
+      <p:sp>
+        <p:nvSpPr>
+          <p:cNvPr id="16" name="" hidden="0"/>
+          <p:cNvSpPr/>
+          <p:nvPr isPhoto="0" userDrawn="0"/>
+        </p:nvSpPr>
+        <p:spPr bwMode="auto">
+          <a:xfrm rot="16199969" flipH="0" flipV="0">
+            <a:off x="8374425" y="6072598"/>
+            <a:ext cx="142872" cy="752473"/>
+          </a:xfrm>
+          <a:prstGeom prst="rightBracket">
+            <a:avLst>
+              <a:gd name="adj" fmla="val 8333"/>
+            </a:avLst>
+          </a:prstGeom>
+          <a:ln w="57150" cap="flat" cmpd="sng" algn="ctr">
+            <a:solidFill>
+              <a:srgbClr val="FFC000"/>
+            </a:solidFill>
+            <a:prstDash val="solid"/>
+            <a:miter/>
+          </a:ln>
+        </p:spPr>
+        <p:style>
+          <a:lnRef idx="1">
+            <a:schemeClr val="accent1">
+              <a:shade val="50000"/>
+            </a:schemeClr>
+          </a:lnRef>
+          <a:fillRef idx="0">
+            <a:schemeClr val="accent1"/>
+          </a:fillRef>
+          <a:effectRef idx="0">
+            <a:schemeClr val="accent1"/>
+          </a:effectRef>
+          <a:fontRef idx="minor">
+            <a:schemeClr val="tx1"/>
+          </a:fontRef>
+        </p:style>
+      </p:sp>
+      <p:sp>
+        <p:nvSpPr>
+          <p:cNvPr id="17" name="" hidden="0"/>
+          <p:cNvSpPr/>
+          <p:nvPr isPhoto="0" userDrawn="0"/>
+        </p:nvSpPr>
+        <p:spPr bwMode="auto">
+          <a:xfrm rot="16199969" flipH="0" flipV="0">
+            <a:off x="3526199" y="5863047"/>
+            <a:ext cx="142872" cy="1171576"/>
+          </a:xfrm>
+          <a:prstGeom prst="rightBracket">
+            <a:avLst>
+              <a:gd name="adj" fmla="val 8333"/>
+            </a:avLst>
+          </a:prstGeom>
+          <a:ln w="57150" cap="flat" cmpd="sng" algn="ctr">
+            <a:solidFill>
+              <a:srgbClr val="FF0000"/>
+            </a:solidFill>
+            <a:prstDash val="solid"/>
+            <a:miter/>
+          </a:ln>
+        </p:spPr>
+        <p:style>
+          <a:lnRef idx="1">
+            <a:schemeClr val="accent1">
+              <a:shade val="50000"/>
+            </a:schemeClr>
+          </a:lnRef>
+          <a:fillRef idx="0">
+            <a:schemeClr val="accent1"/>
+          </a:fillRef>
+          <a:effectRef idx="0">
+            <a:schemeClr val="accent1"/>
+          </a:effectRef>
+          <a:fontRef idx="minor">
+            <a:schemeClr val="tx1"/>
+          </a:fontRef>
+        </p:style>
+      </p:sp>
+      <p:sp>
+        <p:nvSpPr>
+          <p:cNvPr id="18" name="" hidden="0"/>
+          <p:cNvSpPr/>
+          <p:nvPr isPhoto="0" userDrawn="0"/>
+        </p:nvSpPr>
+        <p:spPr bwMode="auto">
+          <a:xfrm flipH="0" flipV="0">
+            <a:off x="3116624" y="6044024"/>
+            <a:ext cx="914724" cy="365795"/>
+          </a:xfrm>
+          <a:prstGeom prst="rect">
+            <a:avLst/>
+          </a:prstGeom>
+          <a:noFill/>
+        </p:spPr>
+        <p:txBody>
+          <a:bodyPr vertOverflow="overflow" horzOverflow="clip" vert="horz" wrap="square" lIns="91440" tIns="45720" rIns="91440" bIns="45720" numCol="1" spcCol="0" rtlCol="0" fromWordArt="0" anchor="t" anchorCtr="0" forceAA="0" upright="0" compatLnSpc="0">
+            <a:spAutoFit/>
+          </a:bodyPr>
+          <a:p>
+            <a:pPr algn="ctr">
+              <a:defRPr/>
+            </a:pPr>
+            <a:r>
+              <a:rPr>
+                <a:solidFill>
+                  <a:srgbClr val="FF0000"/>
+                </a:solidFill>
+              </a:rPr>
+              <a:t>index</a:t>
+            </a:r>
+            <a:endParaRPr>
+              <a:solidFill>
+                <a:srgbClr val="FF0000"/>
+              </a:solidFill>
+            </a:endParaRPr>
+          </a:p>
+        </p:txBody>
+      </p:sp>
+      <p:sp>
+        <p:nvSpPr>
+          <p:cNvPr id="19" name="" hidden="0"/>
+          <p:cNvSpPr/>
+          <p:nvPr isPhoto="0" userDrawn="0"/>
+        </p:nvSpPr>
+        <p:spPr bwMode="auto">
+          <a:xfrm flipH="0" flipV="0">
+            <a:off x="4640623" y="6044023"/>
+            <a:ext cx="1066800" cy="640115"/>
+          </a:xfrm>
+          <a:prstGeom prst="rect">
+            <a:avLst/>
+          </a:prstGeom>
+          <a:noFill/>
+        </p:spPr>
+        <p:txBody>
+          <a:bodyPr vertOverflow="overflow" horzOverflow="clip" vert="horz" wrap="square" lIns="91440" tIns="45720" rIns="91440" bIns="45720" numCol="1" spcCol="0" rtlCol="0" fromWordArt="0" anchor="t" anchorCtr="0" forceAA="0" upright="0" compatLnSpc="0">
+            <a:noAutofit/>
+          </a:bodyPr>
+          <a:p>
+            <a:pPr algn="ctr">
+              <a:defRPr/>
+            </a:pPr>
+            <a:r>
+              <a:rPr>
+                <a:solidFill>
+                  <a:srgbClr val="00B0F0"/>
+                </a:solidFill>
+              </a:rPr>
+              <a:t>columns</a:t>
+            </a:r>
+            <a:endParaRPr>
+              <a:solidFill>
+                <a:srgbClr val="00B0F0"/>
+              </a:solidFill>
+            </a:endParaRPr>
+          </a:p>
+        </p:txBody>
+      </p:sp>
+      <p:sp>
+        <p:nvSpPr>
+          <p:cNvPr id="20" name="" hidden="0"/>
+          <p:cNvSpPr/>
+          <p:nvPr isPhoto="0" userDrawn="0"/>
+        </p:nvSpPr>
+        <p:spPr bwMode="auto">
+          <a:xfrm flipH="0" flipV="0">
+            <a:off x="6307498" y="6044023"/>
+            <a:ext cx="1066799" cy="640115"/>
+          </a:xfrm>
+          <a:prstGeom prst="rect">
+            <a:avLst/>
+          </a:prstGeom>
+          <a:noFill/>
+        </p:spPr>
+        <p:txBody>
+          <a:bodyPr vertOverflow="overflow" horzOverflow="clip" vert="horz" wrap="square" lIns="91440" tIns="45720" rIns="91440" bIns="45720" numCol="1" spcCol="0" rtlCol="0" fromWordArt="0" anchor="t" anchorCtr="0" forceAA="0" upright="0" compatLnSpc="0">
+            <a:noAutofit/>
+          </a:bodyPr>
+          <a:p>
+            <a:pPr algn="ctr">
+              <a:defRPr/>
+            </a:pPr>
+            <a:r>
+              <a:rPr>
+                <a:solidFill>
+                  <a:srgbClr val="00B050"/>
+                </a:solidFill>
+              </a:rPr>
+              <a:t>values</a:t>
+            </a:r>
+            <a:endParaRPr>
+              <a:solidFill>
+                <a:srgbClr val="00B050"/>
+              </a:solidFill>
+            </a:endParaRPr>
+          </a:p>
+        </p:txBody>
+      </p:sp>
+      <p:sp>
+        <p:nvSpPr>
+          <p:cNvPr id="21" name="" hidden="0"/>
+          <p:cNvSpPr/>
+          <p:nvPr isPhoto="0" userDrawn="0"/>
+        </p:nvSpPr>
+        <p:spPr bwMode="auto">
+          <a:xfrm flipH="0" flipV="0">
+            <a:off x="7926747" y="6044023"/>
+            <a:ext cx="1066799" cy="640115"/>
+          </a:xfrm>
+          <a:prstGeom prst="rect">
+            <a:avLst/>
+          </a:prstGeom>
+          <a:noFill/>
+        </p:spPr>
+        <p:txBody>
+          <a:bodyPr vertOverflow="overflow" horzOverflow="clip" vert="horz" wrap="square" lIns="91440" tIns="45720" rIns="91440" bIns="45720" numCol="1" spcCol="0" rtlCol="0" fromWordArt="0" anchor="t" anchorCtr="0" forceAA="0" upright="0" compatLnSpc="0">
+            <a:noAutofit/>
+          </a:bodyPr>
+          <a:p>
+            <a:pPr algn="ctr">
+              <a:defRPr/>
+            </a:pPr>
+            <a:r>
+              <a:rPr>
+                <a:solidFill>
+                  <a:srgbClr val="FFC000"/>
+                </a:solidFill>
+              </a:rPr>
+              <a:t>aggfunc</a:t>
+            </a:r>
+            <a:endParaRPr>
+              <a:solidFill>
+                <a:srgbClr val="FFC000"/>
+              </a:solidFill>
+            </a:endParaRPr>
+          </a:p>
+        </p:txBody>
+      </p:sp>
+      <p:cxnSp>
+        <p:nvCxnSpPr>
+          <p:cNvPr id="22" name="" hidden="0"/>
+          <p:cNvCxnSpPr>
+            <a:cxnSpLocks/>
+          </p:cNvCxnSpPr>
+          <p:nvPr isPhoto="0" userDrawn="0"/>
+        </p:nvCxnSpPr>
+        <p:spPr bwMode="auto">
+          <a:xfrm flipH="0" flipV="1">
+            <a:off x="9525785" y="5996399"/>
+            <a:ext cx="1248938" cy="356774"/>
+          </a:xfrm>
+          <a:prstGeom prst="line">
+            <a:avLst/>
+          </a:prstGeom>
+          <a:ln w="57150" cap="flat" cmpd="sng" algn="ctr">
+            <a:solidFill>
+              <a:srgbClr val="00B0F0"/>
+            </a:solidFill>
+            <a:prstDash val="solid"/>
+            <a:miter/>
+            <a:tailEnd type="arrow" len="med"/>
+          </a:ln>
+        </p:spPr>
+        <p:style>
+          <a:lnRef idx="1">
+            <a:schemeClr val="accent1">
+              <a:shade val="50000"/>
+            </a:schemeClr>
+          </a:lnRef>
+          <a:fillRef idx="0">
+            <a:schemeClr val="accent1"/>
+          </a:fillRef>
+          <a:effectRef idx="0">
+            <a:schemeClr val="accent1"/>
+          </a:effectRef>
+          <a:fontRef idx="minor">
+            <a:schemeClr val="tx1"/>
+          </a:fontRef>
+        </p:style>
+      </p:cxnSp>
+      <p:sp>
+        <p:nvSpPr>
+          <p:cNvPr id="23" name="" hidden="0"/>
+          <p:cNvSpPr/>
+          <p:nvPr isPhoto="0" userDrawn="0"/>
+        </p:nvSpPr>
+        <p:spPr bwMode="auto">
+          <a:xfrm flipH="0" flipV="0">
+            <a:off x="10650899" y="5670214"/>
+            <a:ext cx="1400174" cy="638174"/>
+          </a:xfrm>
+          <a:prstGeom prst="rect">
+            <a:avLst/>
+          </a:prstGeom>
+          <a:noFill/>
+        </p:spPr>
+        <p:txBody>
+          <a:bodyPr vertOverflow="overflow" horzOverflow="clip" vert="horz" wrap="square" lIns="91440" tIns="45720" rIns="91440" bIns="45720" numCol="1" spcCol="0" rtlCol="0" fromWordArt="0" anchor="t" anchorCtr="0" forceAA="0" upright="0" compatLnSpc="0">
+            <a:noAutofit/>
+          </a:bodyPr>
+          <a:p>
+            <a:pPr algn="ctr">
+              <a:defRPr/>
+            </a:pPr>
+            <a:r>
+              <a:rPr/>
+              <a:t>unstack </a:t>
+            </a:r>
+            <a:endParaRPr/>
+          </a:p>
+          <a:p>
+            <a:pPr algn="ctr">
+              <a:defRPr/>
+            </a:pPr>
+            <a:r>
+              <a:rPr/>
+              <a:t>multi-index</a:t>
+            </a:r>
+            <a:endParaRPr/>
+          </a:p>
+        </p:txBody>
+      </p:sp>
     </p:spTree>
   </p:cSld>
   <p:clrMapOvr>
@@ -9504,7 +10273,7 @@
           <p:nvPr isPhoto="0" userDrawn="0"/>
         </p:nvCxnSpPr>
         <p:spPr bwMode="auto">
-          <a:xfrm rot="10799953" flipH="0" flipV="0">
+          <a:xfrm rot="10799952" flipH="0" flipV="0">
             <a:off x="2425618" y="3676175"/>
             <a:ext cx="1565493" cy="556409"/>
           </a:xfrm>
@@ -9660,7 +10429,7 @@
           <p:nvPr isPhoto="0" userDrawn="0"/>
         </p:nvCxnSpPr>
         <p:spPr bwMode="auto">
-          <a:xfrm rot="10799953" flipH="0" flipV="0">
+          <a:xfrm rot="10799952" flipH="0" flipV="0">
             <a:off x="2425617" y="4713550"/>
             <a:ext cx="1565493" cy="556409"/>
           </a:xfrm>
